--- a/BDW presentation.pptx
+++ b/BDW presentation.pptx
@@ -2,10 +2,10 @@
 <file path=ppt/presentation.xml><?xml version="1.0" encoding="utf-8"?>
 <p:presentation xmlns:a="http://schemas.openxmlformats.org/drawingml/2006/main" xmlns:r="http://schemas.openxmlformats.org/officeDocument/2006/relationships" xmlns:p="http://schemas.openxmlformats.org/presentationml/2006/main" showSpecialPlsOnTitleSld="0" saveSubsetFonts="1" autoCompressPictures="0">
   <p:sldMasterIdLst>
-    <p:sldMasterId id="2147483660" r:id="rId4"/>
+    <p:sldMasterId id="2147483670" r:id="rId4"/>
   </p:sldMasterIdLst>
   <p:notesMasterIdLst>
-    <p:notesMasterId r:id="rId12"/>
+    <p:notesMasterId r:id="rId11"/>
   </p:notesMasterIdLst>
   <p:sldIdLst>
     <p:sldId id="274" r:id="rId5"/>
@@ -14,7 +14,6 @@
     <p:sldId id="309" r:id="rId8"/>
     <p:sldId id="312" r:id="rId9"/>
     <p:sldId id="310" r:id="rId10"/>
-    <p:sldId id="311" r:id="rId11"/>
   </p:sldIdLst>
   <p:sldSz cx="12192000" cy="6858000"/>
   <p:notesSz cx="6858000" cy="9144000"/>
@@ -22,7 +21,7 @@
     <a:defPPr>
       <a:defRPr lang="en-US"/>
     </a:defPPr>
-    <a:lvl1pPr marL="0" algn="l" defTabSz="914400" rtl="0" eaLnBrk="1" latinLnBrk="0" hangingPunct="1">
+    <a:lvl1pPr marL="0" algn="l" defTabSz="457200" rtl="0" eaLnBrk="1" latinLnBrk="0" hangingPunct="1">
       <a:defRPr sz="1800" kern="1200">
         <a:solidFill>
           <a:schemeClr val="tx1"/>
@@ -32,7 +31,7 @@
         <a:cs typeface="+mn-cs"/>
       </a:defRPr>
     </a:lvl1pPr>
-    <a:lvl2pPr marL="457200" algn="l" defTabSz="914400" rtl="0" eaLnBrk="1" latinLnBrk="0" hangingPunct="1">
+    <a:lvl2pPr marL="457200" algn="l" defTabSz="457200" rtl="0" eaLnBrk="1" latinLnBrk="0" hangingPunct="1">
       <a:defRPr sz="1800" kern="1200">
         <a:solidFill>
           <a:schemeClr val="tx1"/>
@@ -42,7 +41,7 @@
         <a:cs typeface="+mn-cs"/>
       </a:defRPr>
     </a:lvl2pPr>
-    <a:lvl3pPr marL="914400" algn="l" defTabSz="914400" rtl="0" eaLnBrk="1" latinLnBrk="0" hangingPunct="1">
+    <a:lvl3pPr marL="914400" algn="l" defTabSz="457200" rtl="0" eaLnBrk="1" latinLnBrk="0" hangingPunct="1">
       <a:defRPr sz="1800" kern="1200">
         <a:solidFill>
           <a:schemeClr val="tx1"/>
@@ -52,7 +51,7 @@
         <a:cs typeface="+mn-cs"/>
       </a:defRPr>
     </a:lvl3pPr>
-    <a:lvl4pPr marL="1371600" algn="l" defTabSz="914400" rtl="0" eaLnBrk="1" latinLnBrk="0" hangingPunct="1">
+    <a:lvl4pPr marL="1371600" algn="l" defTabSz="457200" rtl="0" eaLnBrk="1" latinLnBrk="0" hangingPunct="1">
       <a:defRPr sz="1800" kern="1200">
         <a:solidFill>
           <a:schemeClr val="tx1"/>
@@ -62,7 +61,7 @@
         <a:cs typeface="+mn-cs"/>
       </a:defRPr>
     </a:lvl4pPr>
-    <a:lvl5pPr marL="1828800" algn="l" defTabSz="914400" rtl="0" eaLnBrk="1" latinLnBrk="0" hangingPunct="1">
+    <a:lvl5pPr marL="1828800" algn="l" defTabSz="457200" rtl="0" eaLnBrk="1" latinLnBrk="0" hangingPunct="1">
       <a:defRPr sz="1800" kern="1200">
         <a:solidFill>
           <a:schemeClr val="tx1"/>
@@ -72,7 +71,7 @@
         <a:cs typeface="+mn-cs"/>
       </a:defRPr>
     </a:lvl5pPr>
-    <a:lvl6pPr marL="2286000" algn="l" defTabSz="914400" rtl="0" eaLnBrk="1" latinLnBrk="0" hangingPunct="1">
+    <a:lvl6pPr marL="2286000" algn="l" defTabSz="457200" rtl="0" eaLnBrk="1" latinLnBrk="0" hangingPunct="1">
       <a:defRPr sz="1800" kern="1200">
         <a:solidFill>
           <a:schemeClr val="tx1"/>
@@ -82,7 +81,7 @@
         <a:cs typeface="+mn-cs"/>
       </a:defRPr>
     </a:lvl6pPr>
-    <a:lvl7pPr marL="2743200" algn="l" defTabSz="914400" rtl="0" eaLnBrk="1" latinLnBrk="0" hangingPunct="1">
+    <a:lvl7pPr marL="2743200" algn="l" defTabSz="457200" rtl="0" eaLnBrk="1" latinLnBrk="0" hangingPunct="1">
       <a:defRPr sz="1800" kern="1200">
         <a:solidFill>
           <a:schemeClr val="tx1"/>
@@ -92,7 +91,7 @@
         <a:cs typeface="+mn-cs"/>
       </a:defRPr>
     </a:lvl7pPr>
-    <a:lvl8pPr marL="3200400" algn="l" defTabSz="914400" rtl="0" eaLnBrk="1" latinLnBrk="0" hangingPunct="1">
+    <a:lvl8pPr marL="3200400" algn="l" defTabSz="457200" rtl="0" eaLnBrk="1" latinLnBrk="0" hangingPunct="1">
       <a:defRPr sz="1800" kern="1200">
         <a:solidFill>
           <a:schemeClr val="tx1"/>
@@ -102,7 +101,7 @@
         <a:cs typeface="+mn-cs"/>
       </a:defRPr>
     </a:lvl8pPr>
-    <a:lvl9pPr marL="3657600" algn="l" defTabSz="914400" rtl="0" eaLnBrk="1" latinLnBrk="0" hangingPunct="1">
+    <a:lvl9pPr marL="3657600" algn="l" defTabSz="457200" rtl="0" eaLnBrk="1" latinLnBrk="0" hangingPunct="1">
       <a:defRPr sz="1800" kern="1200">
         <a:solidFill>
           <a:schemeClr val="tx1"/>
@@ -125,23 +124,249 @@
 <pc:chgInfo xmlns:a="http://schemas.openxmlformats.org/drawingml/2006/main" xmlns:r="http://schemas.openxmlformats.org/officeDocument/2006/relationships" xmlns:ac="http://schemas.microsoft.com/office/drawing/2013/main/command" xmlns:pc="http://schemas.microsoft.com/office/powerpoint/2013/main/command">
   <pc:docChgLst>
     <pc:chgData name=" " userId="a4ab73d9b110e131" providerId="LiveId" clId="{6AA3D91A-73E6-4505-AB62-5D8F020ADE1F}"/>
-    <pc:docChg chg="modSld">
-      <pc:chgData name=" " userId="a4ab73d9b110e131" providerId="LiveId" clId="{6AA3D91A-73E6-4505-AB62-5D8F020ADE1F}" dt="2022-05-09T13:54:18.172" v="55" actId="20577"/>
+    <pc:docChg chg="undo redo custSel delSld modSld">
+      <pc:chgData name=" " userId="a4ab73d9b110e131" providerId="LiveId" clId="{6AA3D91A-73E6-4505-AB62-5D8F020ADE1F}" dt="2022-05-09T21:17:14.742" v="356" actId="404"/>
       <pc:docMkLst>
         <pc:docMk/>
       </pc:docMkLst>
+      <pc:sldChg chg="addSp delSp modSp mod setBg delDesignElem">
+        <pc:chgData name=" " userId="a4ab73d9b110e131" providerId="LiveId" clId="{6AA3D91A-73E6-4505-AB62-5D8F020ADE1F}" dt="2022-05-09T21:17:14.742" v="356" actId="404"/>
+        <pc:sldMkLst>
+          <pc:docMk/>
+          <pc:sldMk cId="1205248810" sldId="274"/>
+        </pc:sldMkLst>
+        <pc:spChg chg="mod">
+          <ac:chgData name=" " userId="a4ab73d9b110e131" providerId="LiveId" clId="{6AA3D91A-73E6-4505-AB62-5D8F020ADE1F}" dt="2022-05-09T21:17:14.742" v="356" actId="404"/>
+          <ac:spMkLst>
+            <pc:docMk/>
+            <pc:sldMk cId="1205248810" sldId="274"/>
+            <ac:spMk id="2" creationId="{1C21E816-31F5-48BB-BD02-D15F2F18B48A}"/>
+          </ac:spMkLst>
+        </pc:spChg>
+        <pc:spChg chg="mod">
+          <ac:chgData name=" " userId="a4ab73d9b110e131" providerId="LiveId" clId="{6AA3D91A-73E6-4505-AB62-5D8F020ADE1F}" dt="2022-05-09T21:16:20.648" v="296" actId="1076"/>
+          <ac:spMkLst>
+            <pc:docMk/>
+            <pc:sldMk cId="1205248810" sldId="274"/>
+            <ac:spMk id="3" creationId="{835D6E6B-3353-491C-A3C6-F278D6CED8B3}"/>
+          </ac:spMkLst>
+        </pc:spChg>
+        <pc:spChg chg="del">
+          <ac:chgData name=" " userId="a4ab73d9b110e131" providerId="LiveId" clId="{6AA3D91A-73E6-4505-AB62-5D8F020ADE1F}" dt="2022-05-09T21:06:32.597" v="212"/>
+          <ac:spMkLst>
+            <pc:docMk/>
+            <pc:sldMk cId="1205248810" sldId="274"/>
+            <ac:spMk id="44" creationId="{6B695AA2-4B70-477F-AF90-536B720A1343}"/>
+          </ac:spMkLst>
+        </pc:spChg>
+        <pc:picChg chg="add del mod">
+          <ac:chgData name=" " userId="a4ab73d9b110e131" providerId="LiveId" clId="{6AA3D91A-73E6-4505-AB62-5D8F020ADE1F}" dt="2022-05-09T21:13:21.766" v="259" actId="931"/>
+          <ac:picMkLst>
+            <pc:docMk/>
+            <pc:sldMk cId="1205248810" sldId="274"/>
+            <ac:picMk id="5" creationId="{1D16E2CF-2257-1045-7798-4823ADFE04A0}"/>
+          </ac:picMkLst>
+        </pc:picChg>
+        <pc:picChg chg="add del mod modCrop">
+          <ac:chgData name=" " userId="a4ab73d9b110e131" providerId="LiveId" clId="{6AA3D91A-73E6-4505-AB62-5D8F020ADE1F}" dt="2022-05-09T21:16:15.766" v="295" actId="14100"/>
+          <ac:picMkLst>
+            <pc:docMk/>
+            <pc:sldMk cId="1205248810" sldId="274"/>
+            <ac:picMk id="8" creationId="{F0B92F21-44D0-49F2-B59D-6723737D9B5C}"/>
+          </ac:picMkLst>
+        </pc:picChg>
+      </pc:sldChg>
       <pc:sldChg chg="modSp mod">
-        <pc:chgData name=" " userId="a4ab73d9b110e131" providerId="LiveId" clId="{6AA3D91A-73E6-4505-AB62-5D8F020ADE1F}" dt="2022-05-09T13:54:18.172" v="55" actId="20577"/>
+        <pc:chgData name=" " userId="a4ab73d9b110e131" providerId="LiveId" clId="{6AA3D91A-73E6-4505-AB62-5D8F020ADE1F}" dt="2022-05-09T21:08:22.970" v="229" actId="207"/>
+        <pc:sldMkLst>
+          <pc:docMk/>
+          <pc:sldMk cId="2633271797" sldId="307"/>
+        </pc:sldMkLst>
+        <pc:spChg chg="mod">
+          <ac:chgData name=" " userId="a4ab73d9b110e131" providerId="LiveId" clId="{6AA3D91A-73E6-4505-AB62-5D8F020ADE1F}" dt="2022-05-09T21:06:32.597" v="212"/>
+          <ac:spMkLst>
+            <pc:docMk/>
+            <pc:sldMk cId="2633271797" sldId="307"/>
+            <ac:spMk id="2" creationId="{E52D4D1E-BA60-4A23-8EBC-1159C82F9571}"/>
+          </ac:spMkLst>
+        </pc:spChg>
+        <pc:spChg chg="mod">
+          <ac:chgData name=" " userId="a4ab73d9b110e131" providerId="LiveId" clId="{6AA3D91A-73E6-4505-AB62-5D8F020ADE1F}" dt="2022-05-09T21:07:08.634" v="222" actId="14100"/>
+          <ac:spMkLst>
+            <pc:docMk/>
+            <pc:sldMk cId="2633271797" sldId="307"/>
+            <ac:spMk id="4" creationId="{F7A2391F-37A6-75DA-6C9F-AFEEF859D389}"/>
+          </ac:spMkLst>
+        </pc:spChg>
+        <pc:spChg chg="mod">
+          <ac:chgData name=" " userId="a4ab73d9b110e131" providerId="LiveId" clId="{6AA3D91A-73E6-4505-AB62-5D8F020ADE1F}" dt="2022-05-09T21:08:22.970" v="229" actId="207"/>
+          <ac:spMkLst>
+            <pc:docMk/>
+            <pc:sldMk cId="2633271797" sldId="307"/>
+            <ac:spMk id="8" creationId="{0225A38C-01DC-AF58-7E92-02055F90BE30}"/>
+          </ac:spMkLst>
+        </pc:spChg>
+        <pc:spChg chg="mod">
+          <ac:chgData name=" " userId="a4ab73d9b110e131" providerId="LiveId" clId="{6AA3D91A-73E6-4505-AB62-5D8F020ADE1F}" dt="2022-05-09T21:07:46.184" v="224" actId="1076"/>
+          <ac:spMkLst>
+            <pc:docMk/>
+            <pc:sldMk cId="2633271797" sldId="307"/>
+            <ac:spMk id="9" creationId="{F6A7A84A-A1D9-7670-33EB-790C1EBD8FAF}"/>
+          </ac:spMkLst>
+        </pc:spChg>
+      </pc:sldChg>
+      <pc:sldChg chg="modSp mod">
+        <pc:chgData name=" " userId="a4ab73d9b110e131" providerId="LiveId" clId="{6AA3D91A-73E6-4505-AB62-5D8F020ADE1F}" dt="2022-05-09T21:08:29.602" v="230" actId="207"/>
         <pc:sldMkLst>
           <pc:docMk/>
           <pc:sldMk cId="3847961372" sldId="308"/>
         </pc:sldMkLst>
         <pc:spChg chg="mod">
-          <ac:chgData name=" " userId="a4ab73d9b110e131" providerId="LiveId" clId="{6AA3D91A-73E6-4505-AB62-5D8F020ADE1F}" dt="2022-05-09T13:54:18.172" v="55" actId="20577"/>
+          <ac:chgData name=" " userId="a4ab73d9b110e131" providerId="LiveId" clId="{6AA3D91A-73E6-4505-AB62-5D8F020ADE1F}" dt="2022-05-09T21:06:32.597" v="212"/>
+          <ac:spMkLst>
+            <pc:docMk/>
+            <pc:sldMk cId="3847961372" sldId="308"/>
+            <ac:spMk id="2" creationId="{E52D4D1E-BA60-4A23-8EBC-1159C82F9571}"/>
+          </ac:spMkLst>
+        </pc:spChg>
+        <pc:spChg chg="mod">
+          <ac:chgData name=" " userId="a4ab73d9b110e131" providerId="LiveId" clId="{6AA3D91A-73E6-4505-AB62-5D8F020ADE1F}" dt="2022-05-09T21:06:32.597" v="212"/>
           <ac:spMkLst>
             <pc:docMk/>
             <pc:sldMk cId="3847961372" sldId="308"/>
             <ac:spMk id="4" creationId="{F7A2391F-37A6-75DA-6C9F-AFEEF859D389}"/>
+          </ac:spMkLst>
+        </pc:spChg>
+        <pc:spChg chg="mod">
+          <ac:chgData name=" " userId="a4ab73d9b110e131" providerId="LiveId" clId="{6AA3D91A-73E6-4505-AB62-5D8F020ADE1F}" dt="2022-05-09T21:08:29.602" v="230" actId="207"/>
+          <ac:spMkLst>
+            <pc:docMk/>
+            <pc:sldMk cId="3847961372" sldId="308"/>
+            <ac:spMk id="8" creationId="{0225A38C-01DC-AF58-7E92-02055F90BE30}"/>
+          </ac:spMkLst>
+        </pc:spChg>
+        <pc:spChg chg="mod">
+          <ac:chgData name=" " userId="a4ab73d9b110e131" providerId="LiveId" clId="{6AA3D91A-73E6-4505-AB62-5D8F020ADE1F}" dt="2022-05-09T21:07:56.077" v="225" actId="1076"/>
+          <ac:spMkLst>
+            <pc:docMk/>
+            <pc:sldMk cId="3847961372" sldId="308"/>
+            <ac:spMk id="9" creationId="{F6A7A84A-A1D9-7670-33EB-790C1EBD8FAF}"/>
+          </ac:spMkLst>
+        </pc:spChg>
+      </pc:sldChg>
+      <pc:sldChg chg="modSp mod">
+        <pc:chgData name=" " userId="a4ab73d9b110e131" providerId="LiveId" clId="{6AA3D91A-73E6-4505-AB62-5D8F020ADE1F}" dt="2022-05-09T21:08:34.898" v="231" actId="207"/>
+        <pc:sldMkLst>
+          <pc:docMk/>
+          <pc:sldMk cId="3945171099" sldId="309"/>
+        </pc:sldMkLst>
+        <pc:spChg chg="mod">
+          <ac:chgData name=" " userId="a4ab73d9b110e131" providerId="LiveId" clId="{6AA3D91A-73E6-4505-AB62-5D8F020ADE1F}" dt="2022-05-09T21:06:32.597" v="212"/>
+          <ac:spMkLst>
+            <pc:docMk/>
+            <pc:sldMk cId="3945171099" sldId="309"/>
+            <ac:spMk id="2" creationId="{E52D4D1E-BA60-4A23-8EBC-1159C82F9571}"/>
+          </ac:spMkLst>
+        </pc:spChg>
+        <pc:spChg chg="mod">
+          <ac:chgData name=" " userId="a4ab73d9b110e131" providerId="LiveId" clId="{6AA3D91A-73E6-4505-AB62-5D8F020ADE1F}" dt="2022-05-09T21:06:32.736" v="213" actId="27636"/>
+          <ac:spMkLst>
+            <pc:docMk/>
+            <pc:sldMk cId="3945171099" sldId="309"/>
+            <ac:spMk id="4" creationId="{F7A2391F-37A6-75DA-6C9F-AFEEF859D389}"/>
+          </ac:spMkLst>
+        </pc:spChg>
+        <pc:spChg chg="mod">
+          <ac:chgData name=" " userId="a4ab73d9b110e131" providerId="LiveId" clId="{6AA3D91A-73E6-4505-AB62-5D8F020ADE1F}" dt="2022-05-09T21:08:34.898" v="231" actId="207"/>
+          <ac:spMkLst>
+            <pc:docMk/>
+            <pc:sldMk cId="3945171099" sldId="309"/>
+            <ac:spMk id="8" creationId="{0225A38C-01DC-AF58-7E92-02055F90BE30}"/>
+          </ac:spMkLst>
+        </pc:spChg>
+        <pc:spChg chg="mod">
+          <ac:chgData name=" " userId="a4ab73d9b110e131" providerId="LiveId" clId="{6AA3D91A-73E6-4505-AB62-5D8F020ADE1F}" dt="2022-05-09T21:08:02.999" v="226" actId="1076"/>
+          <ac:spMkLst>
+            <pc:docMk/>
+            <pc:sldMk cId="3945171099" sldId="309"/>
+            <ac:spMk id="9" creationId="{F6A7A84A-A1D9-7670-33EB-790C1EBD8FAF}"/>
+          </ac:spMkLst>
+        </pc:spChg>
+      </pc:sldChg>
+      <pc:sldChg chg="modSp mod">
+        <pc:chgData name=" " userId="a4ab73d9b110e131" providerId="LiveId" clId="{6AA3D91A-73E6-4505-AB62-5D8F020ADE1F}" dt="2022-05-09T21:08:42.090" v="233" actId="207"/>
+        <pc:sldMkLst>
+          <pc:docMk/>
+          <pc:sldMk cId="2846145107" sldId="310"/>
+        </pc:sldMkLst>
+        <pc:spChg chg="mod">
+          <ac:chgData name=" " userId="a4ab73d9b110e131" providerId="LiveId" clId="{6AA3D91A-73E6-4505-AB62-5D8F020ADE1F}" dt="2022-05-09T21:06:32.597" v="212"/>
+          <ac:spMkLst>
+            <pc:docMk/>
+            <pc:sldMk cId="2846145107" sldId="310"/>
+            <ac:spMk id="2" creationId="{E52D4D1E-BA60-4A23-8EBC-1159C82F9571}"/>
+          </ac:spMkLst>
+        </pc:spChg>
+        <pc:spChg chg="mod">
+          <ac:chgData name=" " userId="a4ab73d9b110e131" providerId="LiveId" clId="{6AA3D91A-73E6-4505-AB62-5D8F020ADE1F}" dt="2022-05-09T21:06:32.597" v="212"/>
+          <ac:spMkLst>
+            <pc:docMk/>
+            <pc:sldMk cId="2846145107" sldId="310"/>
+            <ac:spMk id="4" creationId="{F7A2391F-37A6-75DA-6C9F-AFEEF859D389}"/>
+          </ac:spMkLst>
+        </pc:spChg>
+        <pc:spChg chg="mod">
+          <ac:chgData name=" " userId="a4ab73d9b110e131" providerId="LiveId" clId="{6AA3D91A-73E6-4505-AB62-5D8F020ADE1F}" dt="2022-05-09T21:08:42.090" v="233" actId="207"/>
+          <ac:spMkLst>
+            <pc:docMk/>
+            <pc:sldMk cId="2846145107" sldId="310"/>
+            <ac:spMk id="8" creationId="{0225A38C-01DC-AF58-7E92-02055F90BE30}"/>
+          </ac:spMkLst>
+        </pc:spChg>
+        <pc:spChg chg="mod">
+          <ac:chgData name=" " userId="a4ab73d9b110e131" providerId="LiveId" clId="{6AA3D91A-73E6-4505-AB62-5D8F020ADE1F}" dt="2022-05-09T21:08:16.020" v="228" actId="1076"/>
+          <ac:spMkLst>
+            <pc:docMk/>
+            <pc:sldMk cId="2846145107" sldId="310"/>
+            <ac:spMk id="9" creationId="{F6A7A84A-A1D9-7670-33EB-790C1EBD8FAF}"/>
+          </ac:spMkLst>
+        </pc:spChg>
+      </pc:sldChg>
+      <pc:sldChg chg="del">
+        <pc:chgData name=" " userId="a4ab73d9b110e131" providerId="LiveId" clId="{6AA3D91A-73E6-4505-AB62-5D8F020ADE1F}" dt="2022-05-09T21:05:17.174" v="210" actId="2696"/>
+        <pc:sldMkLst>
+          <pc:docMk/>
+          <pc:sldMk cId="309406657" sldId="311"/>
+        </pc:sldMkLst>
+      </pc:sldChg>
+      <pc:sldChg chg="modSp mod">
+        <pc:chgData name=" " userId="a4ab73d9b110e131" providerId="LiveId" clId="{6AA3D91A-73E6-4505-AB62-5D8F020ADE1F}" dt="2022-05-09T21:08:37.859" v="232" actId="207"/>
+        <pc:sldMkLst>
+          <pc:docMk/>
+          <pc:sldMk cId="292201189" sldId="312"/>
+        </pc:sldMkLst>
+        <pc:spChg chg="mod">
+          <ac:chgData name=" " userId="a4ab73d9b110e131" providerId="LiveId" clId="{6AA3D91A-73E6-4505-AB62-5D8F020ADE1F}" dt="2022-05-09T21:06:32.597" v="212"/>
+          <ac:spMkLst>
+            <pc:docMk/>
+            <pc:sldMk cId="292201189" sldId="312"/>
+            <ac:spMk id="2" creationId="{E52D4D1E-BA60-4A23-8EBC-1159C82F9571}"/>
+          </ac:spMkLst>
+        </pc:spChg>
+        <pc:spChg chg="mod">
+          <ac:chgData name=" " userId="a4ab73d9b110e131" providerId="LiveId" clId="{6AA3D91A-73E6-4505-AB62-5D8F020ADE1F}" dt="2022-05-09T21:08:37.859" v="232" actId="207"/>
+          <ac:spMkLst>
+            <pc:docMk/>
+            <pc:sldMk cId="292201189" sldId="312"/>
+            <ac:spMk id="8" creationId="{0225A38C-01DC-AF58-7E92-02055F90BE30}"/>
+          </ac:spMkLst>
+        </pc:spChg>
+        <pc:spChg chg="mod">
+          <ac:chgData name=" " userId="a4ab73d9b110e131" providerId="LiveId" clId="{6AA3D91A-73E6-4505-AB62-5D8F020ADE1F}" dt="2022-05-09T21:08:08.759" v="227" actId="1076"/>
+          <ac:spMkLst>
+            <pc:docMk/>
+            <pc:sldMk cId="292201189" sldId="312"/>
+            <ac:spMk id="9" creationId="{F6A7A84A-A1D9-7670-33EB-790C1EBD8FAF}"/>
           </ac:spMkLst>
         </pc:spChg>
       </pc:sldChg>
@@ -1219,150 +1444,6 @@
 </p:notes>
 </file>
 
-<file path=ppt/notesSlides/notesSlide6.xml><?xml version="1.0" encoding="utf-8"?>
-<p:notes xmlns:a="http://schemas.openxmlformats.org/drawingml/2006/main" xmlns:r="http://schemas.openxmlformats.org/officeDocument/2006/relationships" xmlns:p="http://schemas.openxmlformats.org/presentationml/2006/main">
-  <p:cSld>
-    <p:spTree>
-      <p:nvGrpSpPr>
-        <p:cNvPr id="1" name=""/>
-        <p:cNvGrpSpPr/>
-        <p:nvPr/>
-      </p:nvGrpSpPr>
-      <p:grpSpPr>
-        <a:xfrm>
-          <a:off x="0" y="0"/>
-          <a:ext cx="0" cy="0"/>
-          <a:chOff x="0" y="0"/>
-          <a:chExt cx="0" cy="0"/>
-        </a:xfrm>
-      </p:grpSpPr>
-      <p:sp>
-        <p:nvSpPr>
-          <p:cNvPr id="2" name="Slide Image Placeholder 1"/>
-          <p:cNvSpPr>
-            <a:spLocks noGrp="1" noRot="1" noChangeAspect="1"/>
-          </p:cNvSpPr>
-          <p:nvPr>
-            <p:ph type="sldImg"/>
-          </p:nvPr>
-        </p:nvSpPr>
-        <p:spPr/>
-      </p:sp>
-      <p:sp>
-        <p:nvSpPr>
-          <p:cNvPr id="3" name="Notes Placeholder 2"/>
-          <p:cNvSpPr>
-            <a:spLocks noGrp="1"/>
-          </p:cNvSpPr>
-          <p:nvPr>
-            <p:ph type="body" idx="1"/>
-          </p:nvPr>
-        </p:nvSpPr>
-        <p:spPr/>
-        <p:txBody>
-          <a:bodyPr/>
-          <a:lstStyle/>
-          <a:p>
-            <a:endParaRPr lang="en-US" dirty="0"/>
-          </a:p>
-        </p:txBody>
-      </p:sp>
-      <p:sp>
-        <p:nvSpPr>
-          <p:cNvPr id="4" name="Slide Number Placeholder 3"/>
-          <p:cNvSpPr>
-            <a:spLocks noGrp="1"/>
-          </p:cNvSpPr>
-          <p:nvPr>
-            <p:ph type="sldNum" sz="quarter" idx="5"/>
-          </p:nvPr>
-        </p:nvSpPr>
-        <p:spPr/>
-        <p:txBody>
-          <a:bodyPr/>
-          <a:lstStyle/>
-          <a:p>
-            <a:pPr marL="0" marR="0" lvl="0" indent="0" algn="r" defTabSz="914400" rtl="0" eaLnBrk="1" fontAlgn="auto" latinLnBrk="0" hangingPunct="1">
-              <a:lnSpc>
-                <a:spcPct val="100000"/>
-              </a:lnSpc>
-              <a:spcBef>
-                <a:spcPts val="0"/>
-              </a:spcBef>
-              <a:spcAft>
-                <a:spcPts val="0"/>
-              </a:spcAft>
-              <a:buClrTx/>
-              <a:buSzTx/>
-              <a:buFontTx/>
-              <a:buNone/>
-              <a:tabLst/>
-              <a:defRPr/>
-            </a:pPr>
-            <a:fld id="{33AEA074-24A7-4657-AE02-A51F68EA6AA2}" type="slidenum">
-              <a:rPr kumimoji="0" lang="en-US" sz="1200" b="0" i="0" u="none" strike="noStrike" kern="1200" cap="none" spc="0" normalizeH="0" baseline="0" noProof="0" smtClean="0">
-                <a:ln>
-                  <a:noFill/>
-                </a:ln>
-                <a:solidFill>
-                  <a:prstClr val="black"/>
-                </a:solidFill>
-                <a:effectLst/>
-                <a:uLnTx/>
-                <a:uFillTx/>
-                <a:latin typeface="Calibri" panose="020F0502020204030204"/>
-                <a:ea typeface="+mn-ea"/>
-                <a:cs typeface="+mn-cs"/>
-              </a:rPr>
-              <a:pPr marL="0" marR="0" lvl="0" indent="0" algn="r" defTabSz="914400" rtl="0" eaLnBrk="1" fontAlgn="auto" latinLnBrk="0" hangingPunct="1">
-                <a:lnSpc>
-                  <a:spcPct val="100000"/>
-                </a:lnSpc>
-                <a:spcBef>
-                  <a:spcPts val="0"/>
-                </a:spcBef>
-                <a:spcAft>
-                  <a:spcPts val="0"/>
-                </a:spcAft>
-                <a:buClrTx/>
-                <a:buSzTx/>
-                <a:buFontTx/>
-                <a:buNone/>
-                <a:tabLst/>
-                <a:defRPr/>
-              </a:pPr>
-              <a:t>7</a:t>
-            </a:fld>
-            <a:endParaRPr kumimoji="0" lang="en-US" sz="1200" b="0" i="0" u="none" strike="noStrike" kern="1200" cap="none" spc="0" normalizeH="0" baseline="0" noProof="0" dirty="0">
-              <a:ln>
-                <a:noFill/>
-              </a:ln>
-              <a:solidFill>
-                <a:prstClr val="black"/>
-              </a:solidFill>
-              <a:effectLst/>
-              <a:uLnTx/>
-              <a:uFillTx/>
-              <a:latin typeface="Calibri" panose="020F0502020204030204"/>
-              <a:ea typeface="+mn-ea"/>
-              <a:cs typeface="+mn-cs"/>
-            </a:endParaRPr>
-          </a:p>
-        </p:txBody>
-      </p:sp>
-    </p:spTree>
-    <p:extLst>
-      <p:ext uri="{BB962C8B-B14F-4D97-AF65-F5344CB8AC3E}">
-        <p14:creationId xmlns:p14="http://schemas.microsoft.com/office/powerpoint/2010/main" val="4202420354"/>
-      </p:ext>
-    </p:extLst>
-  </p:cSld>
-  <p:clrMapOvr>
-    <a:masterClrMapping/>
-  </p:clrMapOvr>
-</p:notes>
-</file>
-
 <file path=ppt/slideLayouts/slideLayout1.xml><?xml version="1.0" encoding="utf-8"?>
 <p:sldLayout xmlns:a="http://schemas.openxmlformats.org/drawingml/2006/main" xmlns:r="http://schemas.openxmlformats.org/officeDocument/2006/relationships" xmlns:p="http://schemas.openxmlformats.org/presentationml/2006/main" type="title" preserve="1">
   <p:cSld name="Title Slide">
@@ -1382,295 +1463,643 @@
       </p:grpSpPr>
       <p:sp>
         <p:nvSpPr>
-          <p:cNvPr id="7" name="Rectangle 6"/>
-          <p:cNvSpPr/>
-          <p:nvPr/>
+          <p:cNvPr id="2" name="Title 1"/>
+          <p:cNvSpPr>
+            <a:spLocks noGrp="1"/>
+          </p:cNvSpPr>
+          <p:nvPr>
+            <p:ph type="ctrTitle"/>
+          </p:nvPr>
         </p:nvSpPr>
         <p:spPr>
           <a:xfrm>
-            <a:off x="446534" y="3085764"/>
-            <a:ext cx="11298932" cy="3338149"/>
+            <a:off x="2417779" y="802298"/>
+            <a:ext cx="8637073" cy="2541431"/>
           </a:xfrm>
-          <a:prstGeom prst="rect">
+        </p:spPr>
+        <p:txBody>
+          <a:bodyPr bIns="0" anchor="b">
+            <a:normAutofit/>
+          </a:bodyPr>
+          <a:lstStyle>
+            <a:lvl1pPr algn="l">
+              <a:defRPr sz="6600"/>
+            </a:lvl1pPr>
+          </a:lstStyle>
+          <a:p>
+            <a:r>
+              <a:rPr lang="en-US"/>
+              <a:t>Click to edit Master title style</a:t>
+            </a:r>
+            <a:endParaRPr lang="en-US" dirty="0"/>
+          </a:p>
+        </p:txBody>
+      </p:sp>
+      <p:sp>
+        <p:nvSpPr>
+          <p:cNvPr id="3" name="Subtitle 2"/>
+          <p:cNvSpPr>
+            <a:spLocks noGrp="1"/>
+          </p:cNvSpPr>
+          <p:nvPr>
+            <p:ph type="subTitle" idx="1"/>
+          </p:nvPr>
+        </p:nvSpPr>
+        <p:spPr>
+          <a:xfrm>
+            <a:off x="2417780" y="3531204"/>
+            <a:ext cx="8637072" cy="977621"/>
+          </a:xfrm>
+        </p:spPr>
+        <p:txBody>
+          <a:bodyPr tIns="91440" bIns="91440">
+            <a:normAutofit/>
+          </a:bodyPr>
+          <a:lstStyle>
+            <a:lvl1pPr marL="0" indent="0" algn="l">
+              <a:buNone/>
+              <a:defRPr sz="1800" b="0" cap="all" baseline="0">
+                <a:solidFill>
+                  <a:schemeClr val="tx1"/>
+                </a:solidFill>
+              </a:defRPr>
+            </a:lvl1pPr>
+            <a:lvl2pPr marL="457200" indent="0" algn="ctr">
+              <a:buNone/>
+              <a:defRPr sz="1800"/>
+            </a:lvl2pPr>
+            <a:lvl3pPr marL="914400" indent="0" algn="ctr">
+              <a:buNone/>
+              <a:defRPr sz="1800"/>
+            </a:lvl3pPr>
+            <a:lvl4pPr marL="1371600" indent="0" algn="ctr">
+              <a:buNone/>
+              <a:defRPr sz="1600"/>
+            </a:lvl4pPr>
+            <a:lvl5pPr marL="1828800" indent="0" algn="ctr">
+              <a:buNone/>
+              <a:defRPr sz="1600"/>
+            </a:lvl5pPr>
+            <a:lvl6pPr marL="2286000" indent="0" algn="ctr">
+              <a:buNone/>
+              <a:defRPr sz="1600"/>
+            </a:lvl6pPr>
+            <a:lvl7pPr marL="2743200" indent="0" algn="ctr">
+              <a:buNone/>
+              <a:defRPr sz="1600"/>
+            </a:lvl7pPr>
+            <a:lvl8pPr marL="3200400" indent="0" algn="ctr">
+              <a:buNone/>
+              <a:defRPr sz="1600"/>
+            </a:lvl8pPr>
+            <a:lvl9pPr marL="3657600" indent="0" algn="ctr">
+              <a:buNone/>
+              <a:defRPr sz="1600"/>
+            </a:lvl9pPr>
+          </a:lstStyle>
+          <a:p>
+            <a:r>
+              <a:rPr lang="en-US"/>
+              <a:t>Click to edit Master subtitle style</a:t>
+            </a:r>
+            <a:endParaRPr lang="en-US" dirty="0"/>
+          </a:p>
+        </p:txBody>
+      </p:sp>
+      <p:sp>
+        <p:nvSpPr>
+          <p:cNvPr id="4" name="Date Placeholder 3"/>
+          <p:cNvSpPr>
+            <a:spLocks noGrp="1"/>
+          </p:cNvSpPr>
+          <p:nvPr>
+            <p:ph type="dt" sz="half" idx="10"/>
+          </p:nvPr>
+        </p:nvSpPr>
+        <p:spPr/>
+        <p:txBody>
+          <a:bodyPr/>
+          <a:lstStyle/>
+          <a:p>
+            <a:fld id="{90CE4DBC-927B-4879-BCBF-EEC6DC04C51F}" type="datetime1">
+              <a:rPr lang="en-US" smtClean="0"/>
+              <a:t>5/9/2022</a:t>
+            </a:fld>
+            <a:endParaRPr lang="en-US" dirty="0"/>
+          </a:p>
+        </p:txBody>
+      </p:sp>
+      <p:sp>
+        <p:nvSpPr>
+          <p:cNvPr id="5" name="Footer Placeholder 4"/>
+          <p:cNvSpPr>
+            <a:spLocks noGrp="1"/>
+          </p:cNvSpPr>
+          <p:nvPr>
+            <p:ph type="ftr" sz="quarter" idx="11"/>
+          </p:nvPr>
+        </p:nvSpPr>
+        <p:spPr>
+          <a:xfrm>
+            <a:off x="2416500" y="329307"/>
+            <a:ext cx="4973915" cy="309201"/>
+          </a:xfrm>
+        </p:spPr>
+        <p:txBody>
+          <a:bodyPr/>
+          <a:lstStyle/>
+          <a:p>
+            <a:endParaRPr lang="en-US" dirty="0"/>
+          </a:p>
+        </p:txBody>
+      </p:sp>
+      <p:sp>
+        <p:nvSpPr>
+          <p:cNvPr id="6" name="Slide Number Placeholder 5"/>
+          <p:cNvSpPr>
+            <a:spLocks noGrp="1"/>
+          </p:cNvSpPr>
+          <p:nvPr>
+            <p:ph type="sldNum" sz="quarter" idx="12"/>
+          </p:nvPr>
+        </p:nvSpPr>
+        <p:spPr>
+          <a:xfrm>
+            <a:off x="1437664" y="798973"/>
+            <a:ext cx="811019" cy="503578"/>
+          </a:xfrm>
+        </p:spPr>
+        <p:txBody>
+          <a:bodyPr/>
+          <a:lstStyle/>
+          <a:p>
+            <a:fld id="{3A98EE3D-8CD1-4C3F-BD1C-C98C9596463C}" type="slidenum">
+              <a:rPr lang="en-US" smtClean="0"/>
+              <a:t>‹#›</a:t>
+            </a:fld>
+            <a:endParaRPr lang="en-US" dirty="0"/>
+          </a:p>
+        </p:txBody>
+      </p:sp>
+      <p:cxnSp>
+        <p:nvCxnSpPr>
+          <p:cNvPr id="15" name="Straight Connector 14"/>
+          <p:cNvCxnSpPr/>
+          <p:nvPr/>
+        </p:nvCxnSpPr>
+        <p:spPr>
+          <a:xfrm>
+            <a:off x="2417780" y="3528542"/>
+            <a:ext cx="8637072" cy="0"/>
+          </a:xfrm>
+          <a:prstGeom prst="line">
             <a:avLst/>
           </a:prstGeom>
-          <a:solidFill>
-            <a:srgbClr val="465359"/>
-          </a:solidFill>
-          <a:ln>
-            <a:noFill/>
-          </a:ln>
-          <a:effectLst/>
+          <a:ln w="31750"/>
         </p:spPr>
         <p:style>
-          <a:lnRef idx="1">
+          <a:lnRef idx="3">
             <a:schemeClr val="accent1"/>
           </a:lnRef>
-          <a:fillRef idx="3">
+          <a:fillRef idx="0">
             <a:schemeClr val="accent1"/>
           </a:fillRef>
           <a:effectRef idx="2">
             <a:schemeClr val="accent1"/>
           </a:effectRef>
           <a:fontRef idx="minor">
-            <a:schemeClr val="lt1"/>
+            <a:schemeClr val="tx1"/>
           </a:fontRef>
         </p:style>
-      </p:sp>
-      <p:sp>
-        <p:nvSpPr>
-          <p:cNvPr id="2" name="Title 1"/>
-          <p:cNvSpPr>
-            <a:spLocks noGrp="1"/>
-          </p:cNvSpPr>
-          <p:nvPr>
-            <p:ph type="ctrTitle"/>
-          </p:nvPr>
-        </p:nvSpPr>
-        <p:spPr>
-          <a:xfrm>
-            <a:off x="581191" y="1020431"/>
-            <a:ext cx="10993549" cy="1475013"/>
-          </a:xfrm>
-          <a:effectLst/>
-        </p:spPr>
-        <p:txBody>
-          <a:bodyPr anchor="b">
-            <a:normAutofit/>
-          </a:bodyPr>
-          <a:lstStyle>
-            <a:lvl1pPr>
-              <a:defRPr sz="3600">
-                <a:solidFill>
-                  <a:schemeClr val="tx1">
-                    <a:lumMod val="75000"/>
-                    <a:lumOff val="25000"/>
-                  </a:schemeClr>
-                </a:solidFill>
-              </a:defRPr>
-            </a:lvl1pPr>
-          </a:lstStyle>
-          <a:p>
-            <a:r>
-              <a:rPr lang="en-US"/>
-              <a:t>Click to edit Master title style</a:t>
-            </a:r>
-            <a:endParaRPr lang="en-US" dirty="0"/>
-          </a:p>
-        </p:txBody>
-      </p:sp>
-      <p:sp>
-        <p:nvSpPr>
-          <p:cNvPr id="3" name="Subtitle 2"/>
-          <p:cNvSpPr>
-            <a:spLocks noGrp="1"/>
-          </p:cNvSpPr>
-          <p:nvPr>
-            <p:ph type="subTitle" idx="1"/>
-          </p:nvPr>
-        </p:nvSpPr>
-        <p:spPr>
-          <a:xfrm>
-            <a:off x="581194" y="2495445"/>
-            <a:ext cx="10993546" cy="590321"/>
-          </a:xfrm>
-        </p:spPr>
-        <p:txBody>
-          <a:bodyPr anchor="t">
-            <a:normAutofit/>
-          </a:bodyPr>
-          <a:lstStyle>
-            <a:lvl1pPr marL="0" indent="0" algn="l">
-              <a:buNone/>
-              <a:defRPr sz="1600" cap="all">
-                <a:solidFill>
-                  <a:schemeClr val="accent1"/>
-                </a:solidFill>
-              </a:defRPr>
-            </a:lvl1pPr>
-            <a:lvl2pPr marL="457200" indent="0" algn="ctr">
-              <a:buNone/>
-              <a:defRPr>
-                <a:solidFill>
-                  <a:schemeClr val="tx1">
-                    <a:tint val="75000"/>
-                  </a:schemeClr>
-                </a:solidFill>
-              </a:defRPr>
-            </a:lvl2pPr>
-            <a:lvl3pPr marL="914400" indent="0" algn="ctr">
-              <a:buNone/>
-              <a:defRPr>
-                <a:solidFill>
-                  <a:schemeClr val="tx1">
-                    <a:tint val="75000"/>
-                  </a:schemeClr>
-                </a:solidFill>
-              </a:defRPr>
-            </a:lvl3pPr>
-            <a:lvl4pPr marL="1371600" indent="0" algn="ctr">
-              <a:buNone/>
-              <a:defRPr>
-                <a:solidFill>
-                  <a:schemeClr val="tx1">
-                    <a:tint val="75000"/>
-                  </a:schemeClr>
-                </a:solidFill>
-              </a:defRPr>
-            </a:lvl4pPr>
-            <a:lvl5pPr marL="1828800" indent="0" algn="ctr">
-              <a:buNone/>
-              <a:defRPr>
-                <a:solidFill>
-                  <a:schemeClr val="tx1">
-                    <a:tint val="75000"/>
-                  </a:schemeClr>
-                </a:solidFill>
-              </a:defRPr>
-            </a:lvl5pPr>
-            <a:lvl6pPr marL="2286000" indent="0" algn="ctr">
-              <a:buNone/>
-              <a:defRPr>
-                <a:solidFill>
-                  <a:schemeClr val="tx1">
-                    <a:tint val="75000"/>
-                  </a:schemeClr>
-                </a:solidFill>
-              </a:defRPr>
-            </a:lvl6pPr>
-            <a:lvl7pPr marL="2743200" indent="0" algn="ctr">
-              <a:buNone/>
-              <a:defRPr>
-                <a:solidFill>
-                  <a:schemeClr val="tx1">
-                    <a:tint val="75000"/>
-                  </a:schemeClr>
-                </a:solidFill>
-              </a:defRPr>
-            </a:lvl7pPr>
-            <a:lvl8pPr marL="3200400" indent="0" algn="ctr">
-              <a:buNone/>
-              <a:defRPr>
-                <a:solidFill>
-                  <a:schemeClr val="tx1">
-                    <a:tint val="75000"/>
-                  </a:schemeClr>
-                </a:solidFill>
-              </a:defRPr>
-            </a:lvl8pPr>
-            <a:lvl9pPr marL="3657600" indent="0" algn="ctr">
-              <a:buNone/>
-              <a:defRPr>
-                <a:solidFill>
-                  <a:schemeClr val="tx1">
-                    <a:tint val="75000"/>
-                  </a:schemeClr>
-                </a:solidFill>
-              </a:defRPr>
-            </a:lvl9pPr>
-          </a:lstStyle>
-          <a:p>
-            <a:r>
-              <a:rPr lang="en-US"/>
-              <a:t>Click to edit Master subtitle style</a:t>
-            </a:r>
-            <a:endParaRPr lang="en-US" dirty="0"/>
-          </a:p>
-        </p:txBody>
-      </p:sp>
-      <p:sp>
-        <p:nvSpPr>
-          <p:cNvPr id="8" name="Date Placeholder 7">
-            <a:extLst>
-              <a:ext uri="{FF2B5EF4-FFF2-40B4-BE49-F238E27FC236}">
-                <a16:creationId xmlns:a16="http://schemas.microsoft.com/office/drawing/2014/main" id="{7FA0ACE7-29A8-47D3-A7D9-257B711D8023}"/>
-              </a:ext>
-            </a:extLst>
-          </p:cNvPr>
-          <p:cNvSpPr>
-            <a:spLocks noGrp="1"/>
-          </p:cNvSpPr>
-          <p:nvPr>
-            <p:ph type="dt" sz="half" idx="10"/>
-          </p:nvPr>
-        </p:nvSpPr>
-        <p:spPr/>
-        <p:txBody>
-          <a:bodyPr/>
-          <a:lstStyle/>
-          <a:p>
-            <a:fld id="{90CE4DBC-927B-4879-BCBF-EEC6DC04C51F}" type="datetime1">
-              <a:rPr lang="en-US" smtClean="0"/>
-              <a:t>5/9/2022</a:t>
-            </a:fld>
-            <a:endParaRPr lang="en-US" dirty="0"/>
-          </a:p>
-        </p:txBody>
-      </p:sp>
-      <p:sp>
-        <p:nvSpPr>
-          <p:cNvPr id="9" name="Footer Placeholder 8">
-            <a:extLst>
-              <a:ext uri="{FF2B5EF4-FFF2-40B4-BE49-F238E27FC236}">
-                <a16:creationId xmlns:a16="http://schemas.microsoft.com/office/drawing/2014/main" id="{DEC604B9-52E9-4810-8359-47206518D038}"/>
-              </a:ext>
-            </a:extLst>
-          </p:cNvPr>
-          <p:cNvSpPr>
-            <a:spLocks noGrp="1"/>
-          </p:cNvSpPr>
-          <p:nvPr>
-            <p:ph type="ftr" sz="quarter" idx="11"/>
-          </p:nvPr>
-        </p:nvSpPr>
-        <p:spPr/>
-        <p:txBody>
-          <a:bodyPr/>
-          <a:lstStyle/>
-          <a:p>
-            <a:endParaRPr lang="en-US" dirty="0"/>
-          </a:p>
-        </p:txBody>
-      </p:sp>
-      <p:sp>
-        <p:nvSpPr>
-          <p:cNvPr id="10" name="Slide Number Placeholder 9">
-            <a:extLst>
-              <a:ext uri="{FF2B5EF4-FFF2-40B4-BE49-F238E27FC236}">
-                <a16:creationId xmlns:a16="http://schemas.microsoft.com/office/drawing/2014/main" id="{5898A89F-CA25-400F-B05A-AECBF2517E4F}"/>
-              </a:ext>
-            </a:extLst>
-          </p:cNvPr>
-          <p:cNvSpPr>
-            <a:spLocks noGrp="1"/>
-          </p:cNvSpPr>
-          <p:nvPr>
-            <p:ph type="sldNum" sz="quarter" idx="12"/>
-          </p:nvPr>
-        </p:nvSpPr>
-        <p:spPr/>
-        <p:txBody>
-          <a:bodyPr/>
-          <a:lstStyle/>
-          <a:p>
-            <a:fld id="{3A98EE3D-8CD1-4C3F-BD1C-C98C9596463C}" type="slidenum">
-              <a:rPr lang="en-US" smtClean="0"/>
-              <a:t>‹#›</a:t>
-            </a:fld>
-            <a:endParaRPr lang="en-US" dirty="0"/>
-          </a:p>
-        </p:txBody>
-      </p:sp>
+      </p:cxnSp>
     </p:spTree>
     <p:extLst>
       <p:ext uri="{BB962C8B-B14F-4D97-AF65-F5344CB8AC3E}">
-        <p14:creationId xmlns:p14="http://schemas.microsoft.com/office/powerpoint/2010/main" val="333572341"/>
+        <p14:creationId xmlns:p14="http://schemas.microsoft.com/office/powerpoint/2010/main" val="1821970125"/>
       </p:ext>
     </p:extLst>
   </p:cSld>
   <p:clrMapOvr>
     <a:masterClrMapping/>
   </p:clrMapOvr>
+</p:sldLayout>
+</file>
+
+<file path=ppt/slideLayouts/slideLayout10.xml><?xml version="1.0" encoding="utf-8"?>
+<p:sldLayout xmlns:a="http://schemas.openxmlformats.org/drawingml/2006/main" xmlns:r="http://schemas.openxmlformats.org/officeDocument/2006/relationships" xmlns:p="http://schemas.openxmlformats.org/presentationml/2006/main" type="vertTx" preserve="1">
+  <p:cSld name="Title and Vertical Text">
+    <p:spTree>
+      <p:nvGrpSpPr>
+        <p:cNvPr id="1" name=""/>
+        <p:cNvGrpSpPr/>
+        <p:nvPr/>
+      </p:nvGrpSpPr>
+      <p:grpSpPr>
+        <a:xfrm>
+          <a:off x="0" y="0"/>
+          <a:ext cx="0" cy="0"/>
+          <a:chOff x="0" y="0"/>
+          <a:chExt cx="0" cy="0"/>
+        </a:xfrm>
+      </p:grpSpPr>
+      <p:sp>
+        <p:nvSpPr>
+          <p:cNvPr id="2" name="Title 1"/>
+          <p:cNvSpPr>
+            <a:spLocks noGrp="1"/>
+          </p:cNvSpPr>
+          <p:nvPr>
+            <p:ph type="title"/>
+          </p:nvPr>
+        </p:nvSpPr>
+        <p:spPr/>
+        <p:txBody>
+          <a:bodyPr/>
+          <a:lstStyle/>
+          <a:p>
+            <a:r>
+              <a:rPr lang="en-US"/>
+              <a:t>Click to edit Master title style</a:t>
+            </a:r>
+            <a:endParaRPr lang="en-US" dirty="0"/>
+          </a:p>
+        </p:txBody>
+      </p:sp>
+      <p:sp>
+        <p:nvSpPr>
+          <p:cNvPr id="3" name="Vertical Text Placeholder 2"/>
+          <p:cNvSpPr>
+            <a:spLocks noGrp="1"/>
+          </p:cNvSpPr>
+          <p:nvPr>
+            <p:ph type="body" orient="vert" idx="1"/>
+          </p:nvPr>
+        </p:nvSpPr>
+        <p:spPr/>
+        <p:txBody>
+          <a:bodyPr vert="eaVert"/>
+          <a:lstStyle/>
+          <a:p>
+            <a:pPr lvl="0"/>
+            <a:r>
+              <a:rPr lang="en-US"/>
+              <a:t>Click to edit Master text styles</a:t>
+            </a:r>
+          </a:p>
+          <a:p>
+            <a:pPr lvl="1"/>
+            <a:r>
+              <a:rPr lang="en-US"/>
+              <a:t>Second level</a:t>
+            </a:r>
+          </a:p>
+          <a:p>
+            <a:pPr lvl="2"/>
+            <a:r>
+              <a:rPr lang="en-US"/>
+              <a:t>Third level</a:t>
+            </a:r>
+          </a:p>
+          <a:p>
+            <a:pPr lvl="3"/>
+            <a:r>
+              <a:rPr lang="en-US"/>
+              <a:t>Fourth level</a:t>
+            </a:r>
+          </a:p>
+          <a:p>
+            <a:pPr lvl="4"/>
+            <a:r>
+              <a:rPr lang="en-US"/>
+              <a:t>Fifth level</a:t>
+            </a:r>
+            <a:endParaRPr lang="en-US" dirty="0"/>
+          </a:p>
+        </p:txBody>
+      </p:sp>
+      <p:sp>
+        <p:nvSpPr>
+          <p:cNvPr id="4" name="Date Placeholder 3"/>
+          <p:cNvSpPr>
+            <a:spLocks noGrp="1"/>
+          </p:cNvSpPr>
+          <p:nvPr>
+            <p:ph type="dt" sz="half" idx="10"/>
+          </p:nvPr>
+        </p:nvSpPr>
+        <p:spPr/>
+        <p:txBody>
+          <a:bodyPr/>
+          <a:lstStyle/>
+          <a:p>
+            <a:fld id="{30903CCB-60D7-4D43-9F7D-8A1E4FCCE356}" type="datetime1">
+              <a:rPr lang="en-US" smtClean="0"/>
+              <a:t>5/9/2022</a:t>
+            </a:fld>
+            <a:endParaRPr lang="en-US" dirty="0"/>
+          </a:p>
+        </p:txBody>
+      </p:sp>
+      <p:sp>
+        <p:nvSpPr>
+          <p:cNvPr id="5" name="Footer Placeholder 4"/>
+          <p:cNvSpPr>
+            <a:spLocks noGrp="1"/>
+          </p:cNvSpPr>
+          <p:nvPr>
+            <p:ph type="ftr" sz="quarter" idx="11"/>
+          </p:nvPr>
+        </p:nvSpPr>
+        <p:spPr/>
+        <p:txBody>
+          <a:bodyPr/>
+          <a:lstStyle/>
+          <a:p>
+            <a:endParaRPr lang="en-US" dirty="0"/>
+          </a:p>
+        </p:txBody>
+      </p:sp>
+      <p:sp>
+        <p:nvSpPr>
+          <p:cNvPr id="6" name="Slide Number Placeholder 5"/>
+          <p:cNvSpPr>
+            <a:spLocks noGrp="1"/>
+          </p:cNvSpPr>
+          <p:nvPr>
+            <p:ph type="sldNum" sz="quarter" idx="12"/>
+          </p:nvPr>
+        </p:nvSpPr>
+        <p:spPr/>
+        <p:txBody>
+          <a:bodyPr/>
+          <a:lstStyle/>
+          <a:p>
+            <a:fld id="{3A98EE3D-8CD1-4C3F-BD1C-C98C9596463C}" type="slidenum">
+              <a:rPr lang="en-US" smtClean="0"/>
+              <a:t>‹#›</a:t>
+            </a:fld>
+            <a:endParaRPr lang="en-US" dirty="0"/>
+          </a:p>
+        </p:txBody>
+      </p:sp>
+      <p:cxnSp>
+        <p:nvCxnSpPr>
+          <p:cNvPr id="26" name="Straight Connector 25"/>
+          <p:cNvCxnSpPr/>
+          <p:nvPr/>
+        </p:nvCxnSpPr>
+        <p:spPr>
+          <a:xfrm>
+            <a:off x="1453896" y="1847088"/>
+            <a:ext cx="9607522" cy="0"/>
+          </a:xfrm>
+          <a:prstGeom prst="line">
+            <a:avLst/>
+          </a:prstGeom>
+          <a:ln w="31750"/>
+        </p:spPr>
+        <p:style>
+          <a:lnRef idx="3">
+            <a:schemeClr val="accent1"/>
+          </a:lnRef>
+          <a:fillRef idx="0">
+            <a:schemeClr val="accent1"/>
+          </a:fillRef>
+          <a:effectRef idx="2">
+            <a:schemeClr val="accent1"/>
+          </a:effectRef>
+          <a:fontRef idx="minor">
+            <a:schemeClr val="tx1"/>
+          </a:fontRef>
+        </p:style>
+      </p:cxnSp>
+    </p:spTree>
+    <p:extLst>
+      <p:ext uri="{BB962C8B-B14F-4D97-AF65-F5344CB8AC3E}">
+        <p14:creationId xmlns:p14="http://schemas.microsoft.com/office/powerpoint/2010/main" val="2591567746"/>
+      </p:ext>
+    </p:extLst>
+  </p:cSld>
+  <p:clrMapOvr>
+    <a:masterClrMapping/>
+  </p:clrMapOvr>
+  <p:hf hdr="0" ftr="0"/>
+</p:sldLayout>
+</file>
+
+<file path=ppt/slideLayouts/slideLayout11.xml><?xml version="1.0" encoding="utf-8"?>
+<p:sldLayout xmlns:a="http://schemas.openxmlformats.org/drawingml/2006/main" xmlns:r="http://schemas.openxmlformats.org/officeDocument/2006/relationships" xmlns:p="http://schemas.openxmlformats.org/presentationml/2006/main" type="vertTitleAndTx" preserve="1">
+  <p:cSld name="Vertical Title and Text">
+    <p:spTree>
+      <p:nvGrpSpPr>
+        <p:cNvPr id="1" name=""/>
+        <p:cNvGrpSpPr/>
+        <p:nvPr/>
+      </p:nvGrpSpPr>
+      <p:grpSpPr>
+        <a:xfrm>
+          <a:off x="0" y="0"/>
+          <a:ext cx="0" cy="0"/>
+          <a:chOff x="0" y="0"/>
+          <a:chExt cx="0" cy="0"/>
+        </a:xfrm>
+      </p:grpSpPr>
+      <p:sp>
+        <p:nvSpPr>
+          <p:cNvPr id="2" name="Vertical Title 1"/>
+          <p:cNvSpPr>
+            <a:spLocks noGrp="1"/>
+          </p:cNvSpPr>
+          <p:nvPr>
+            <p:ph type="title" orient="vert"/>
+          </p:nvPr>
+        </p:nvSpPr>
+        <p:spPr>
+          <a:xfrm>
+            <a:off x="9439111" y="798973"/>
+            <a:ext cx="1615742" cy="4659889"/>
+          </a:xfrm>
+        </p:spPr>
+        <p:txBody>
+          <a:bodyPr vert="eaVert"/>
+          <a:lstStyle>
+            <a:lvl1pPr algn="l">
+              <a:defRPr/>
+            </a:lvl1pPr>
+          </a:lstStyle>
+          <a:p>
+            <a:r>
+              <a:rPr lang="en-US"/>
+              <a:t>Click to edit Master title style</a:t>
+            </a:r>
+            <a:endParaRPr lang="en-US" dirty="0"/>
+          </a:p>
+        </p:txBody>
+      </p:sp>
+      <p:sp>
+        <p:nvSpPr>
+          <p:cNvPr id="3" name="Vertical Text Placeholder 2"/>
+          <p:cNvSpPr>
+            <a:spLocks noGrp="1"/>
+          </p:cNvSpPr>
+          <p:nvPr>
+            <p:ph type="body" orient="vert" idx="1"/>
+          </p:nvPr>
+        </p:nvSpPr>
+        <p:spPr>
+          <a:xfrm>
+            <a:off x="1444672" y="798973"/>
+            <a:ext cx="7828830" cy="4659889"/>
+          </a:xfrm>
+        </p:spPr>
+        <p:txBody>
+          <a:bodyPr vert="eaVert"/>
+          <a:lstStyle/>
+          <a:p>
+            <a:pPr lvl="0"/>
+            <a:r>
+              <a:rPr lang="en-US"/>
+              <a:t>Click to edit Master text styles</a:t>
+            </a:r>
+          </a:p>
+          <a:p>
+            <a:pPr lvl="1"/>
+            <a:r>
+              <a:rPr lang="en-US"/>
+              <a:t>Second level</a:t>
+            </a:r>
+          </a:p>
+          <a:p>
+            <a:pPr lvl="2"/>
+            <a:r>
+              <a:rPr lang="en-US"/>
+              <a:t>Third level</a:t>
+            </a:r>
+          </a:p>
+          <a:p>
+            <a:pPr lvl="3"/>
+            <a:r>
+              <a:rPr lang="en-US"/>
+              <a:t>Fourth level</a:t>
+            </a:r>
+          </a:p>
+          <a:p>
+            <a:pPr lvl="4"/>
+            <a:r>
+              <a:rPr lang="en-US"/>
+              <a:t>Fifth level</a:t>
+            </a:r>
+            <a:endParaRPr lang="en-US" dirty="0"/>
+          </a:p>
+        </p:txBody>
+      </p:sp>
+      <p:sp>
+        <p:nvSpPr>
+          <p:cNvPr id="4" name="Date Placeholder 3"/>
+          <p:cNvSpPr>
+            <a:spLocks noGrp="1"/>
+          </p:cNvSpPr>
+          <p:nvPr>
+            <p:ph type="dt" sz="half" idx="10"/>
+          </p:nvPr>
+        </p:nvSpPr>
+        <p:spPr/>
+        <p:txBody>
+          <a:bodyPr/>
+          <a:lstStyle/>
+          <a:p>
+            <a:fld id="{30903CCB-60D7-4D43-9F7D-8A1E4FCCE356}" type="datetime1">
+              <a:rPr lang="en-US" smtClean="0"/>
+              <a:t>5/9/2022</a:t>
+            </a:fld>
+            <a:endParaRPr lang="en-US" dirty="0"/>
+          </a:p>
+        </p:txBody>
+      </p:sp>
+      <p:sp>
+        <p:nvSpPr>
+          <p:cNvPr id="5" name="Footer Placeholder 4"/>
+          <p:cNvSpPr>
+            <a:spLocks noGrp="1"/>
+          </p:cNvSpPr>
+          <p:nvPr>
+            <p:ph type="ftr" sz="quarter" idx="11"/>
+          </p:nvPr>
+        </p:nvSpPr>
+        <p:spPr/>
+        <p:txBody>
+          <a:bodyPr/>
+          <a:lstStyle/>
+          <a:p>
+            <a:endParaRPr lang="en-US" dirty="0"/>
+          </a:p>
+        </p:txBody>
+      </p:sp>
+      <p:sp>
+        <p:nvSpPr>
+          <p:cNvPr id="6" name="Slide Number Placeholder 5"/>
+          <p:cNvSpPr>
+            <a:spLocks noGrp="1"/>
+          </p:cNvSpPr>
+          <p:nvPr>
+            <p:ph type="sldNum" sz="quarter" idx="12"/>
+          </p:nvPr>
+        </p:nvSpPr>
+        <p:spPr/>
+        <p:txBody>
+          <a:bodyPr/>
+          <a:lstStyle/>
+          <a:p>
+            <a:fld id="{3A98EE3D-8CD1-4C3F-BD1C-C98C9596463C}" type="slidenum">
+              <a:rPr lang="en-US" smtClean="0"/>
+              <a:t>‹#›</a:t>
+            </a:fld>
+            <a:endParaRPr lang="en-US" dirty="0"/>
+          </a:p>
+        </p:txBody>
+      </p:sp>
+      <p:cxnSp>
+        <p:nvCxnSpPr>
+          <p:cNvPr id="15" name="Straight Connector 14"/>
+          <p:cNvCxnSpPr/>
+          <p:nvPr/>
+        </p:nvCxnSpPr>
+        <p:spPr>
+          <a:xfrm>
+            <a:off x="9439111" y="798973"/>
+            <a:ext cx="0" cy="4659889"/>
+          </a:xfrm>
+          <a:prstGeom prst="line">
+            <a:avLst/>
+          </a:prstGeom>
+          <a:ln w="31750"/>
+        </p:spPr>
+        <p:style>
+          <a:lnRef idx="3">
+            <a:schemeClr val="accent1"/>
+          </a:lnRef>
+          <a:fillRef idx="0">
+            <a:schemeClr val="accent1"/>
+          </a:fillRef>
+          <a:effectRef idx="2">
+            <a:schemeClr val="accent1"/>
+          </a:effectRef>
+          <a:fontRef idx="minor">
+            <a:schemeClr val="tx1"/>
+          </a:fontRef>
+        </p:style>
+      </p:cxnSp>
+    </p:spTree>
+    <p:extLst>
+      <p:ext uri="{BB962C8B-B14F-4D97-AF65-F5344CB8AC3E}">
+        <p14:creationId xmlns:p14="http://schemas.microsoft.com/office/powerpoint/2010/main" val="2075152691"/>
+      </p:ext>
+    </p:extLst>
+  </p:cSld>
+  <p:clrMapOvr>
+    <a:masterClrMapping/>
+  </p:clrMapOvr>
+  <p:hf hdr="0" ftr="0"/>
 </p:sldLayout>
 </file>
 
@@ -1701,12 +2130,7 @@
             <p:ph type="title"/>
           </p:nvPr>
         </p:nvSpPr>
-        <p:spPr>
-          <a:xfrm>
-            <a:off x="581192" y="702156"/>
-            <a:ext cx="11029616" cy="1188720"/>
-          </a:xfrm>
-        </p:spPr>
+        <p:spPr/>
         <p:txBody>
           <a:bodyPr/>
           <a:lstStyle/>
@@ -1729,14 +2153,9 @@
             <p:ph idx="1"/>
           </p:nvPr>
         </p:nvSpPr>
-        <p:spPr>
-          <a:xfrm>
-            <a:off x="581192" y="2340864"/>
-            <a:ext cx="11029615" cy="3634486"/>
-          </a:xfrm>
-        </p:spPr>
-        <p:txBody>
-          <a:bodyPr/>
+        <p:spPr/>
+        <p:txBody>
+          <a:bodyPr anchor="t"/>
           <a:lstStyle/>
           <a:p>
             <a:pPr lvl="0"/>
@@ -1778,13 +2197,7 @@
       </p:sp>
       <p:sp>
         <p:nvSpPr>
-          <p:cNvPr id="8" name="Date Placeholder 7">
-            <a:extLst>
-              <a:ext uri="{FF2B5EF4-FFF2-40B4-BE49-F238E27FC236}">
-                <a16:creationId xmlns:a16="http://schemas.microsoft.com/office/drawing/2014/main" id="{770E6237-3456-439F-802D-3BA93FC7E3E5}"/>
-              </a:ext>
-            </a:extLst>
-          </p:cNvPr>
+          <p:cNvPr id="4" name="Date Placeholder 3"/>
           <p:cNvSpPr>
             <a:spLocks noGrp="1"/>
           </p:cNvSpPr>
@@ -1807,13 +2220,7 @@
       </p:sp>
       <p:sp>
         <p:nvSpPr>
-          <p:cNvPr id="9" name="Footer Placeholder 8">
-            <a:extLst>
-              <a:ext uri="{FF2B5EF4-FFF2-40B4-BE49-F238E27FC236}">
-                <a16:creationId xmlns:a16="http://schemas.microsoft.com/office/drawing/2014/main" id="{1356D3B5-6063-4A89-B88F-9D3043916FF8}"/>
-              </a:ext>
-            </a:extLst>
-          </p:cNvPr>
+          <p:cNvPr id="5" name="Footer Placeholder 4"/>
           <p:cNvSpPr>
             <a:spLocks noGrp="1"/>
           </p:cNvSpPr>
@@ -1832,13 +2239,7 @@
       </p:sp>
       <p:sp>
         <p:nvSpPr>
-          <p:cNvPr id="10" name="Slide Number Placeholder 9">
-            <a:extLst>
-              <a:ext uri="{FF2B5EF4-FFF2-40B4-BE49-F238E27FC236}">
-                <a16:creationId xmlns:a16="http://schemas.microsoft.com/office/drawing/2014/main" id="{02B78BF7-69D3-4CE0-A631-50EFD41EEEB8}"/>
-              </a:ext>
-            </a:extLst>
-          </p:cNvPr>
+          <p:cNvPr id="6" name="Slide Number Placeholder 5"/>
           <p:cNvSpPr>
             <a:spLocks noGrp="1"/>
           </p:cNvSpPr>
@@ -1859,10 +2260,41 @@
           </a:p>
         </p:txBody>
       </p:sp>
+      <p:cxnSp>
+        <p:nvCxnSpPr>
+          <p:cNvPr id="33" name="Straight Connector 32"/>
+          <p:cNvCxnSpPr/>
+          <p:nvPr/>
+        </p:nvCxnSpPr>
+        <p:spPr>
+          <a:xfrm>
+            <a:off x="1453896" y="1847088"/>
+            <a:ext cx="9607522" cy="0"/>
+          </a:xfrm>
+          <a:prstGeom prst="line">
+            <a:avLst/>
+          </a:prstGeom>
+          <a:ln w="31750"/>
+        </p:spPr>
+        <p:style>
+          <a:lnRef idx="3">
+            <a:schemeClr val="accent1"/>
+          </a:lnRef>
+          <a:fillRef idx="0">
+            <a:schemeClr val="accent1"/>
+          </a:fillRef>
+          <a:effectRef idx="2">
+            <a:schemeClr val="accent1"/>
+          </a:effectRef>
+          <a:fontRef idx="minor">
+            <a:schemeClr val="tx1"/>
+          </a:fontRef>
+        </p:style>
+      </p:cxnSp>
     </p:spTree>
     <p:extLst>
       <p:ext uri="{BB962C8B-B14F-4D97-AF65-F5344CB8AC3E}">
-        <p14:creationId xmlns:p14="http://schemas.microsoft.com/office/powerpoint/2010/main" val="481562018"/>
+        <p14:creationId xmlns:p14="http://schemas.microsoft.com/office/powerpoint/2010/main" val="588777967"/>
       </p:ext>
     </p:extLst>
   </p:cSld>
@@ -1891,57 +2323,18 @@
       </p:grpSpPr>
       <p:sp>
         <p:nvSpPr>
-          <p:cNvPr id="8" name="Rectangle 7"/>
-          <p:cNvSpPr>
-            <a:spLocks noChangeAspect="1"/>
-          </p:cNvSpPr>
-          <p:nvPr/>
+          <p:cNvPr id="2" name="Title 1"/>
+          <p:cNvSpPr>
+            <a:spLocks noGrp="1"/>
+          </p:cNvSpPr>
+          <p:nvPr>
+            <p:ph type="title"/>
+          </p:nvPr>
         </p:nvSpPr>
         <p:spPr>
           <a:xfrm>
-            <a:off x="447817" y="5141974"/>
-            <a:ext cx="11290860" cy="1258827"/>
-          </a:xfrm>
-          <a:prstGeom prst="rect">
-            <a:avLst/>
-          </a:prstGeom>
-          <a:solidFill>
-            <a:srgbClr val="465359"/>
-          </a:solidFill>
-          <a:ln>
-            <a:noFill/>
-          </a:ln>
-          <a:effectLst/>
-        </p:spPr>
-        <p:style>
-          <a:lnRef idx="1">
-            <a:schemeClr val="accent1"/>
-          </a:lnRef>
-          <a:fillRef idx="3">
-            <a:schemeClr val="accent1"/>
-          </a:fillRef>
-          <a:effectRef idx="2">
-            <a:schemeClr val="accent1"/>
-          </a:effectRef>
-          <a:fontRef idx="minor">
-            <a:schemeClr val="lt1"/>
-          </a:fontRef>
-        </p:style>
-      </p:sp>
-      <p:sp>
-        <p:nvSpPr>
-          <p:cNvPr id="2" name="Title 1"/>
-          <p:cNvSpPr>
-            <a:spLocks noGrp="1"/>
-          </p:cNvSpPr>
-          <p:nvPr>
-            <p:ph type="title"/>
-          </p:nvPr>
-        </p:nvSpPr>
-        <p:spPr>
-          <a:xfrm>
-            <a:off x="581193" y="2393950"/>
-            <a:ext cx="11029615" cy="2147467"/>
+            <a:off x="1454239" y="1756130"/>
+            <a:ext cx="8643154" cy="1887950"/>
           </a:xfrm>
         </p:spPr>
         <p:txBody>
@@ -1950,14 +2343,7 @@
           </a:bodyPr>
           <a:lstStyle>
             <a:lvl1pPr algn="l">
-              <a:defRPr sz="3600" b="0" cap="all">
-                <a:solidFill>
-                  <a:schemeClr val="tx1">
-                    <a:lumMod val="75000"/>
-                    <a:lumOff val="25000"/>
-                  </a:schemeClr>
-                </a:solidFill>
-              </a:defRPr>
+              <a:defRPr sz="3600"/>
             </a:lvl1pPr>
           </a:lstStyle>
           <a:p>
@@ -1981,20 +2367,20 @@
         </p:nvSpPr>
         <p:spPr>
           <a:xfrm>
-            <a:off x="581192" y="4541417"/>
-            <a:ext cx="11029615" cy="600556"/>
+            <a:off x="1454239" y="3806195"/>
+            <a:ext cx="8630446" cy="1012929"/>
           </a:xfrm>
         </p:spPr>
         <p:txBody>
-          <a:bodyPr anchor="t">
+          <a:bodyPr tIns="91440">
             <a:normAutofit/>
           </a:bodyPr>
           <a:lstStyle>
             <a:lvl1pPr marL="0" indent="0" algn="l">
               <a:buNone/>
-              <a:defRPr sz="1800" cap="all">
+              <a:defRPr sz="1800">
                 <a:solidFill>
-                  <a:schemeClr val="accent1"/>
+                  <a:schemeClr val="tx1"/>
                 </a:solidFill>
               </a:defRPr>
             </a:lvl1pPr>
@@ -2010,7 +2396,7 @@
             </a:lvl2pPr>
             <a:lvl3pPr marL="914400" indent="0">
               <a:buNone/>
-              <a:defRPr sz="1600">
+              <a:defRPr sz="1800">
                 <a:solidFill>
                   <a:schemeClr val="tx1">
                     <a:tint val="75000"/>
@@ -2020,7 +2406,7 @@
             </a:lvl3pPr>
             <a:lvl4pPr marL="1371600" indent="0">
               <a:buNone/>
-              <a:defRPr sz="1400">
+              <a:defRPr sz="1600">
                 <a:solidFill>
                   <a:schemeClr val="tx1">
                     <a:tint val="75000"/>
@@ -2030,7 +2416,7 @@
             </a:lvl4pPr>
             <a:lvl5pPr marL="1828800" indent="0">
               <a:buNone/>
-              <a:defRPr sz="1400">
+              <a:defRPr sz="1600">
                 <a:solidFill>
                   <a:schemeClr val="tx1">
                     <a:tint val="75000"/>
@@ -2040,7 +2426,7 @@
             </a:lvl5pPr>
             <a:lvl6pPr marL="2286000" indent="0">
               <a:buNone/>
-              <a:defRPr sz="1400">
+              <a:defRPr sz="1600">
                 <a:solidFill>
                   <a:schemeClr val="tx1">
                     <a:tint val="75000"/>
@@ -2050,7 +2436,7 @@
             </a:lvl6pPr>
             <a:lvl7pPr marL="2743200" indent="0">
               <a:buNone/>
-              <a:defRPr sz="1400">
+              <a:defRPr sz="1600">
                 <a:solidFill>
                   <a:schemeClr val="tx1">
                     <a:tint val="75000"/>
@@ -2060,7 +2446,7 @@
             </a:lvl7pPr>
             <a:lvl8pPr marL="3200400" indent="0">
               <a:buNone/>
-              <a:defRPr sz="1400">
+              <a:defRPr sz="1600">
                 <a:solidFill>
                   <a:schemeClr val="tx1">
                     <a:tint val="75000"/>
@@ -2070,7 +2456,7 @@
             </a:lvl8pPr>
             <a:lvl9pPr marL="3657600" indent="0">
               <a:buNone/>
-              <a:defRPr sz="1400">
+              <a:defRPr sz="1600">
                 <a:solidFill>
                   <a:schemeClr val="tx1">
                     <a:tint val="75000"/>
@@ -2090,13 +2476,7 @@
       </p:sp>
       <p:sp>
         <p:nvSpPr>
-          <p:cNvPr id="7" name="Date Placeholder 6">
-            <a:extLst>
-              <a:ext uri="{FF2B5EF4-FFF2-40B4-BE49-F238E27FC236}">
-                <a16:creationId xmlns:a16="http://schemas.microsoft.com/office/drawing/2014/main" id="{61582016-5696-4A93-887F-BBB3B9002FE5}"/>
-              </a:ext>
-            </a:extLst>
-          </p:cNvPr>
+          <p:cNvPr id="4" name="Date Placeholder 3"/>
           <p:cNvSpPr>
             <a:spLocks noGrp="1"/>
           </p:cNvSpPr>
@@ -2119,13 +2499,7 @@
       </p:sp>
       <p:sp>
         <p:nvSpPr>
-          <p:cNvPr id="9" name="Footer Placeholder 8">
-            <a:extLst>
-              <a:ext uri="{FF2B5EF4-FFF2-40B4-BE49-F238E27FC236}">
-                <a16:creationId xmlns:a16="http://schemas.microsoft.com/office/drawing/2014/main" id="{857CFCD5-1192-4E18-8A8F-29E153B44DA4}"/>
-              </a:ext>
-            </a:extLst>
-          </p:cNvPr>
+          <p:cNvPr id="5" name="Footer Placeholder 4"/>
           <p:cNvSpPr>
             <a:spLocks noGrp="1"/>
           </p:cNvSpPr>
@@ -2144,13 +2518,7 @@
       </p:sp>
       <p:sp>
         <p:nvSpPr>
-          <p:cNvPr id="10" name="Slide Number Placeholder 9">
-            <a:extLst>
-              <a:ext uri="{FF2B5EF4-FFF2-40B4-BE49-F238E27FC236}">
-                <a16:creationId xmlns:a16="http://schemas.microsoft.com/office/drawing/2014/main" id="{E39A109E-5018-4794-92B3-FD5E5BCD95E8}"/>
-              </a:ext>
-            </a:extLst>
-          </p:cNvPr>
+          <p:cNvPr id="6" name="Slide Number Placeholder 5"/>
           <p:cNvSpPr>
             <a:spLocks noGrp="1"/>
           </p:cNvSpPr>
@@ -2171,10 +2539,41 @@
           </a:p>
         </p:txBody>
       </p:sp>
+      <p:cxnSp>
+        <p:nvCxnSpPr>
+          <p:cNvPr id="15" name="Straight Connector 14"/>
+          <p:cNvCxnSpPr/>
+          <p:nvPr/>
+        </p:nvCxnSpPr>
+        <p:spPr>
+          <a:xfrm>
+            <a:off x="1454239" y="3804985"/>
+            <a:ext cx="8630446" cy="0"/>
+          </a:xfrm>
+          <a:prstGeom prst="line">
+            <a:avLst/>
+          </a:prstGeom>
+          <a:ln w="31750"/>
+        </p:spPr>
+        <p:style>
+          <a:lnRef idx="3">
+            <a:schemeClr val="accent1"/>
+          </a:lnRef>
+          <a:fillRef idx="0">
+            <a:schemeClr val="accent1"/>
+          </a:fillRef>
+          <a:effectRef idx="2">
+            <a:schemeClr val="accent1"/>
+          </a:effectRef>
+          <a:fontRef idx="minor">
+            <a:schemeClr val="tx1"/>
+          </a:fontRef>
+        </p:style>
+      </p:cxnSp>
     </p:spTree>
     <p:extLst>
       <p:ext uri="{BB962C8B-B14F-4D97-AF65-F5344CB8AC3E}">
-        <p14:creationId xmlns:p14="http://schemas.microsoft.com/office/powerpoint/2010/main" val="1554859883"/>
+        <p14:creationId xmlns:p14="http://schemas.microsoft.com/office/powerpoint/2010/main" val="3648107561"/>
       </p:ext>
     </p:extLst>
   </p:cSld>
@@ -2213,8 +2612,8 @@
         </p:nvSpPr>
         <p:spPr>
           <a:xfrm>
-            <a:off x="581193" y="729658"/>
-            <a:ext cx="11029616" cy="988332"/>
+            <a:off x="1449217" y="804889"/>
+            <a:ext cx="9605635" cy="1059305"/>
           </a:xfrm>
         </p:spPr>
         <p:txBody>
@@ -2241,14 +2640,12 @@
         </p:nvSpPr>
         <p:spPr>
           <a:xfrm>
-            <a:off x="581193" y="2228003"/>
-            <a:ext cx="5194767" cy="3633047"/>
+            <a:off x="1447331" y="2010878"/>
+            <a:ext cx="4645152" cy="3448595"/>
           </a:xfrm>
         </p:spPr>
         <p:txBody>
-          <a:bodyPr>
-            <a:normAutofit/>
-          </a:bodyPr>
+          <a:bodyPr/>
           <a:lstStyle/>
           <a:p>
             <a:pPr lvl="0"/>
@@ -2300,14 +2697,12 @@
         </p:nvSpPr>
         <p:spPr>
           <a:xfrm>
-            <a:off x="6416039" y="2228003"/>
-            <a:ext cx="5194769" cy="3633047"/>
+            <a:off x="6413771" y="2017343"/>
+            <a:ext cx="4645152" cy="3441520"/>
           </a:xfrm>
         </p:spPr>
         <p:txBody>
-          <a:bodyPr>
-            <a:normAutofit/>
-          </a:bodyPr>
+          <a:bodyPr/>
           <a:lstStyle/>
           <a:p>
             <a:pPr lvl="0"/>
@@ -2412,10 +2807,41 @@
           </a:p>
         </p:txBody>
       </p:sp>
+      <p:cxnSp>
+        <p:nvCxnSpPr>
+          <p:cNvPr id="35" name="Straight Connector 34"/>
+          <p:cNvCxnSpPr/>
+          <p:nvPr/>
+        </p:nvCxnSpPr>
+        <p:spPr>
+          <a:xfrm>
+            <a:off x="1453896" y="1847088"/>
+            <a:ext cx="9607522" cy="0"/>
+          </a:xfrm>
+          <a:prstGeom prst="line">
+            <a:avLst/>
+          </a:prstGeom>
+          <a:ln w="31750"/>
+        </p:spPr>
+        <p:style>
+          <a:lnRef idx="3">
+            <a:schemeClr val="accent1"/>
+          </a:lnRef>
+          <a:fillRef idx="0">
+            <a:schemeClr val="accent1"/>
+          </a:fillRef>
+          <a:effectRef idx="2">
+            <a:schemeClr val="accent1"/>
+          </a:effectRef>
+          <a:fontRef idx="minor">
+            <a:schemeClr val="tx1"/>
+          </a:fontRef>
+        </p:style>
+      </p:cxnSp>
     </p:spTree>
     <p:extLst>
       <p:ext uri="{BB962C8B-B14F-4D97-AF65-F5344CB8AC3E}">
-        <p14:creationId xmlns:p14="http://schemas.microsoft.com/office/powerpoint/2010/main" val="2005235465"/>
+        <p14:creationId xmlns:p14="http://schemas.microsoft.com/office/powerpoint/2010/main" val="1394898113"/>
       </p:ext>
     </p:extLst>
   </p:cSld>
@@ -2426,7 +2852,7 @@
 </file>
 
 <file path=ppt/slideLayouts/slideLayout5.xml><?xml version="1.0" encoding="utf-8"?>
-<p:sldLayout xmlns:a="http://schemas.openxmlformats.org/drawingml/2006/main" xmlns:r="http://schemas.openxmlformats.org/officeDocument/2006/relationships" xmlns:p="http://schemas.openxmlformats.org/presentationml/2006/main" preserve="1">
+<p:sldLayout xmlns:a="http://schemas.openxmlformats.org/drawingml/2006/main" xmlns:r="http://schemas.openxmlformats.org/officeDocument/2006/relationships" xmlns:p="http://schemas.openxmlformats.org/presentationml/2006/main" type="twoTxTwoObj" preserve="1">
   <p:cSld name="Comparison">
     <p:spTree>
       <p:nvGrpSpPr>
@@ -2444,7 +2870,7 @@
       </p:grpSpPr>
       <p:sp>
         <p:nvSpPr>
-          <p:cNvPr id="12" name="Title 1"/>
+          <p:cNvPr id="2" name="Title 1"/>
           <p:cNvSpPr>
             <a:spLocks noGrp="1"/>
           </p:cNvSpPr>
@@ -2454,8 +2880,8 @@
         </p:nvSpPr>
         <p:spPr>
           <a:xfrm>
-            <a:off x="581193" y="729658"/>
-            <a:ext cx="11029616" cy="988332"/>
+            <a:off x="1447191" y="804163"/>
+            <a:ext cx="9607661" cy="1056319"/>
           </a:xfrm>
         </p:spPr>
         <p:txBody>
@@ -2482,23 +2908,23 @@
         </p:nvSpPr>
         <p:spPr>
           <a:xfrm>
-            <a:off x="581191" y="2250891"/>
-            <a:ext cx="5194769" cy="557784"/>
+            <a:off x="1447191" y="2019549"/>
+            <a:ext cx="4645152" cy="801943"/>
           </a:xfrm>
         </p:spPr>
         <p:txBody>
-          <a:bodyPr anchor="ctr">
-            <a:noAutofit/>
+          <a:bodyPr anchor="b">
+            <a:normAutofit/>
           </a:bodyPr>
           <a:lstStyle>
             <a:lvl1pPr marL="0" indent="0">
-              <a:buNone/>
-              <a:defRPr sz="2000" b="0">
+              <a:lnSpc>
+                <a:spcPct val="100000"/>
+              </a:lnSpc>
+              <a:buNone/>
+              <a:defRPr sz="2200" b="0" cap="all" baseline="0">
                 <a:solidFill>
-                  <a:schemeClr val="tx1">
-                    <a:lumMod val="75000"/>
-                    <a:lumOff val="25000"/>
-                  </a:schemeClr>
+                  <a:schemeClr val="accent1"/>
                 </a:solidFill>
               </a:defRPr>
             </a:lvl1pPr>
@@ -2556,97 +2982,80 @@
         </p:nvSpPr>
         <p:spPr>
           <a:xfrm>
-            <a:off x="581194" y="2926052"/>
-            <a:ext cx="5194766" cy="2934999"/>
+            <a:off x="1447191" y="2824269"/>
+            <a:ext cx="4645152" cy="2644457"/>
           </a:xfrm>
         </p:spPr>
         <p:txBody>
-          <a:bodyPr anchor="t">
+          <a:bodyPr/>
+          <a:lstStyle/>
+          <a:p>
+            <a:pPr lvl="0"/>
+            <a:r>
+              <a:rPr lang="en-US"/>
+              <a:t>Click to edit Master text styles</a:t>
+            </a:r>
+          </a:p>
+          <a:p>
+            <a:pPr lvl="1"/>
+            <a:r>
+              <a:rPr lang="en-US"/>
+              <a:t>Second level</a:t>
+            </a:r>
+          </a:p>
+          <a:p>
+            <a:pPr lvl="2"/>
+            <a:r>
+              <a:rPr lang="en-US"/>
+              <a:t>Third level</a:t>
+            </a:r>
+          </a:p>
+          <a:p>
+            <a:pPr lvl="3"/>
+            <a:r>
+              <a:rPr lang="en-US"/>
+              <a:t>Fourth level</a:t>
+            </a:r>
+          </a:p>
+          <a:p>
+            <a:pPr lvl="4"/>
+            <a:r>
+              <a:rPr lang="en-US"/>
+              <a:t>Fifth level</a:t>
+            </a:r>
+            <a:endParaRPr lang="en-US" dirty="0"/>
+          </a:p>
+        </p:txBody>
+      </p:sp>
+      <p:sp>
+        <p:nvSpPr>
+          <p:cNvPr id="5" name="Text Placeholder 4"/>
+          <p:cNvSpPr>
+            <a:spLocks noGrp="1"/>
+          </p:cNvSpPr>
+          <p:nvPr>
+            <p:ph type="body" sz="quarter" idx="3"/>
+          </p:nvPr>
+        </p:nvSpPr>
+        <p:spPr>
+          <a:xfrm>
+            <a:off x="6412362" y="2023003"/>
+            <a:ext cx="4645152" cy="802237"/>
+          </a:xfrm>
+        </p:spPr>
+        <p:txBody>
+          <a:bodyPr anchor="b">
             <a:normAutofit/>
           </a:bodyPr>
-          <a:lstStyle/>
-          <a:p>
-            <a:pPr lvl="0"/>
-            <a:r>
-              <a:rPr lang="en-US"/>
-              <a:t>Click to edit Master text styles</a:t>
-            </a:r>
-          </a:p>
-          <a:p>
-            <a:pPr lvl="1"/>
-            <a:r>
-              <a:rPr lang="en-US"/>
-              <a:t>Second level</a:t>
-            </a:r>
-          </a:p>
-          <a:p>
-            <a:pPr lvl="2"/>
-            <a:r>
-              <a:rPr lang="en-US"/>
-              <a:t>Third level</a:t>
-            </a:r>
-          </a:p>
-          <a:p>
-            <a:pPr lvl="3"/>
-            <a:r>
-              <a:rPr lang="en-US"/>
-              <a:t>Fourth level</a:t>
-            </a:r>
-          </a:p>
-          <a:p>
-            <a:pPr lvl="4"/>
-            <a:r>
-              <a:rPr lang="en-US"/>
-              <a:t>Fifth level</a:t>
-            </a:r>
-            <a:endParaRPr lang="en-US" dirty="0"/>
-          </a:p>
-        </p:txBody>
-      </p:sp>
-      <p:sp>
-        <p:nvSpPr>
-          <p:cNvPr id="5" name="Text Placeholder 4"/>
-          <p:cNvSpPr>
-            <a:spLocks noGrp="1"/>
-          </p:cNvSpPr>
-          <p:nvPr>
-            <p:ph type="body" sz="quarter" idx="3"/>
-          </p:nvPr>
-        </p:nvSpPr>
-        <p:spPr>
-          <a:xfrm>
-            <a:off x="6416039" y="2250892"/>
-            <a:ext cx="5194770" cy="553373"/>
-          </a:xfrm>
-        </p:spPr>
-        <p:txBody>
-          <a:bodyPr anchor="ctr">
-            <a:noAutofit/>
-          </a:bodyPr>
           <a:lstStyle>
-            <a:lvl1pPr marL="0" marR="0" indent="0" algn="l" defTabSz="457200" rtl="0" eaLnBrk="1" fontAlgn="auto" latinLnBrk="0" hangingPunct="1">
+            <a:lvl1pPr marL="0" indent="0">
               <a:lnSpc>
                 <a:spcPct val="100000"/>
               </a:lnSpc>
-              <a:spcBef>
-                <a:spcPct val="20000"/>
-              </a:spcBef>
-              <a:spcAft>
-                <a:spcPts val="600"/>
-              </a:spcAft>
-              <a:buClr>
-                <a:schemeClr val="accent1"/>
-              </a:buClr>
-              <a:buSzPct val="92000"/>
-              <a:buFont typeface="Wingdings 2" panose="05020102010507070707" pitchFamily="18" charset="2"/>
-              <a:buNone/>
-              <a:tabLst/>
-              <a:defRPr sz="2000" b="0">
+              <a:buNone/>
+              <a:defRPr sz="2200" b="0" cap="all" baseline="0">
                 <a:solidFill>
-                  <a:schemeClr val="tx1">
-                    <a:lumMod val="75000"/>
-                    <a:lumOff val="25000"/>
-                  </a:schemeClr>
+                  <a:schemeClr val="accent1"/>
                 </a:solidFill>
               </a:defRPr>
             </a:lvl1pPr>
@@ -2684,25 +3093,7 @@
             </a:lvl9pPr>
           </a:lstStyle>
           <a:p>
-            <a:pPr marL="0" marR="0" lvl="0" indent="0" algn="l" defTabSz="457200" rtl="0" eaLnBrk="1" fontAlgn="auto" latinLnBrk="0" hangingPunct="1">
-              <a:lnSpc>
-                <a:spcPct val="100000"/>
-              </a:lnSpc>
-              <a:spcBef>
-                <a:spcPct val="20000"/>
-              </a:spcBef>
-              <a:spcAft>
-                <a:spcPts val="600"/>
-              </a:spcAft>
-              <a:buClr>
-                <a:schemeClr val="accent1"/>
-              </a:buClr>
-              <a:buSzPct val="92000"/>
-              <a:buFont typeface="Wingdings 2" panose="05020102010507070707" pitchFamily="18" charset="2"/>
-              <a:buNone/>
-              <a:tabLst/>
-              <a:defRPr/>
-            </a:pPr>
+            <a:pPr lvl="0"/>
             <a:r>
               <a:rPr lang="en-US"/>
               <a:t>Click to edit Master text styles</a:t>
@@ -2722,14 +3113,12 @@
         </p:nvSpPr>
         <p:spPr>
           <a:xfrm>
-            <a:off x="6416037" y="2926052"/>
-            <a:ext cx="5194771" cy="2934999"/>
+            <a:off x="6412362" y="2821491"/>
+            <a:ext cx="4645152" cy="2637371"/>
           </a:xfrm>
         </p:spPr>
         <p:txBody>
-          <a:bodyPr anchor="t">
-            <a:normAutofit/>
-          </a:bodyPr>
+          <a:bodyPr/>
           <a:lstStyle/>
           <a:p>
             <a:pPr lvl="0"/>
@@ -2834,10 +3223,41 @@
           </a:p>
         </p:txBody>
       </p:sp>
+      <p:cxnSp>
+        <p:nvCxnSpPr>
+          <p:cNvPr id="29" name="Straight Connector 28"/>
+          <p:cNvCxnSpPr/>
+          <p:nvPr/>
+        </p:nvCxnSpPr>
+        <p:spPr>
+          <a:xfrm>
+            <a:off x="1453896" y="1847088"/>
+            <a:ext cx="9607522" cy="0"/>
+          </a:xfrm>
+          <a:prstGeom prst="line">
+            <a:avLst/>
+          </a:prstGeom>
+          <a:ln w="31750"/>
+        </p:spPr>
+        <p:style>
+          <a:lnRef idx="3">
+            <a:schemeClr val="accent1"/>
+          </a:lnRef>
+          <a:fillRef idx="0">
+            <a:schemeClr val="accent1"/>
+          </a:fillRef>
+          <a:effectRef idx="2">
+            <a:schemeClr val="accent1"/>
+          </a:effectRef>
+          <a:fontRef idx="minor">
+            <a:schemeClr val="tx1"/>
+          </a:fontRef>
+        </p:style>
+      </p:cxnSp>
     </p:spTree>
     <p:extLst>
       <p:ext uri="{BB962C8B-B14F-4D97-AF65-F5344CB8AC3E}">
-        <p14:creationId xmlns:p14="http://schemas.microsoft.com/office/powerpoint/2010/main" val="1439114568"/>
+        <p14:creationId xmlns:p14="http://schemas.microsoft.com/office/powerpoint/2010/main" val="2956223629"/>
       </p:ext>
     </p:extLst>
   </p:cSld>
@@ -2866,7 +3286,7 @@
       </p:grpSpPr>
       <p:sp>
         <p:nvSpPr>
-          <p:cNvPr id="8" name="Title 1"/>
+          <p:cNvPr id="2" name="Title 1"/>
           <p:cNvSpPr>
             <a:spLocks noGrp="1"/>
           </p:cNvSpPr>
@@ -2874,12 +3294,7 @@
             <p:ph type="title"/>
           </p:nvPr>
         </p:nvSpPr>
-        <p:spPr>
-          <a:xfrm>
-            <a:off x="575894" y="729658"/>
-            <a:ext cx="11029616" cy="988332"/>
-          </a:xfrm>
-        </p:spPr>
+        <p:spPr/>
         <p:txBody>
           <a:bodyPr/>
           <a:lstStyle/>
@@ -2957,10 +3372,41 @@
           </a:p>
         </p:txBody>
       </p:sp>
+      <p:cxnSp>
+        <p:nvCxnSpPr>
+          <p:cNvPr id="25" name="Straight Connector 24"/>
+          <p:cNvCxnSpPr/>
+          <p:nvPr/>
+        </p:nvCxnSpPr>
+        <p:spPr>
+          <a:xfrm>
+            <a:off x="1453896" y="1847088"/>
+            <a:ext cx="9607522" cy="0"/>
+          </a:xfrm>
+          <a:prstGeom prst="line">
+            <a:avLst/>
+          </a:prstGeom>
+          <a:ln w="31750"/>
+        </p:spPr>
+        <p:style>
+          <a:lnRef idx="3">
+            <a:schemeClr val="accent1"/>
+          </a:lnRef>
+          <a:fillRef idx="0">
+            <a:schemeClr val="accent1"/>
+          </a:fillRef>
+          <a:effectRef idx="2">
+            <a:schemeClr val="accent1"/>
+          </a:effectRef>
+          <a:fontRef idx="minor">
+            <a:schemeClr val="tx1"/>
+          </a:fontRef>
+        </p:style>
+      </p:cxnSp>
     </p:spTree>
     <p:extLst>
       <p:ext uri="{BB962C8B-B14F-4D97-AF65-F5344CB8AC3E}">
-        <p14:creationId xmlns:p14="http://schemas.microsoft.com/office/powerpoint/2010/main" val="1552773083"/>
+        <p14:creationId xmlns:p14="http://schemas.microsoft.com/office/powerpoint/2010/main" val="305542512"/>
       </p:ext>
     </p:extLst>
   </p:cSld>
@@ -3055,7 +3501,7 @@
     </p:spTree>
     <p:extLst>
       <p:ext uri="{BB962C8B-B14F-4D97-AF65-F5344CB8AC3E}">
-        <p14:creationId xmlns:p14="http://schemas.microsoft.com/office/powerpoint/2010/main" val="3221586289"/>
+        <p14:creationId xmlns:p14="http://schemas.microsoft.com/office/powerpoint/2010/main" val="3569228893"/>
       </p:ext>
     </p:extLst>
   </p:cSld>
@@ -3084,378 +3530,261 @@
       </p:grpSpPr>
       <p:sp>
         <p:nvSpPr>
-          <p:cNvPr id="9" name="Rectangle 8"/>
-          <p:cNvSpPr>
-            <a:spLocks noChangeAspect="1"/>
-          </p:cNvSpPr>
-          <p:nvPr/>
+          <p:cNvPr id="2" name="Title 1"/>
+          <p:cNvSpPr>
+            <a:spLocks noGrp="1"/>
+          </p:cNvSpPr>
+          <p:nvPr>
+            <p:ph type="title"/>
+          </p:nvPr>
         </p:nvSpPr>
         <p:spPr>
           <a:xfrm>
-            <a:off x="447817" y="601200"/>
-            <a:ext cx="3682723" cy="5815475"/>
+            <a:off x="1444671" y="798973"/>
+            <a:ext cx="3273099" cy="2247117"/>
           </a:xfrm>
-          <a:prstGeom prst="rect">
+        </p:spPr>
+        <p:txBody>
+          <a:bodyPr anchor="b">
+            <a:normAutofit/>
+          </a:bodyPr>
+          <a:lstStyle>
+            <a:lvl1pPr algn="l">
+              <a:defRPr sz="2400"/>
+            </a:lvl1pPr>
+          </a:lstStyle>
+          <a:p>
+            <a:r>
+              <a:rPr lang="en-US"/>
+              <a:t>Click to edit Master title style</a:t>
+            </a:r>
+            <a:endParaRPr lang="en-US" dirty="0"/>
+          </a:p>
+        </p:txBody>
+      </p:sp>
+      <p:sp>
+        <p:nvSpPr>
+          <p:cNvPr id="3" name="Content Placeholder 2"/>
+          <p:cNvSpPr>
+            <a:spLocks noGrp="1"/>
+          </p:cNvSpPr>
+          <p:nvPr>
+            <p:ph idx="1"/>
+          </p:nvPr>
+        </p:nvSpPr>
+        <p:spPr>
+          <a:xfrm>
+            <a:off x="5043714" y="798974"/>
+            <a:ext cx="6012470" cy="4658826"/>
+          </a:xfrm>
+        </p:spPr>
+        <p:txBody>
+          <a:bodyPr anchor="ctr"/>
+          <a:lstStyle/>
+          <a:p>
+            <a:pPr lvl="0"/>
+            <a:r>
+              <a:rPr lang="en-US"/>
+              <a:t>Click to edit Master text styles</a:t>
+            </a:r>
+          </a:p>
+          <a:p>
+            <a:pPr lvl="1"/>
+            <a:r>
+              <a:rPr lang="en-US"/>
+              <a:t>Second level</a:t>
+            </a:r>
+          </a:p>
+          <a:p>
+            <a:pPr lvl="2"/>
+            <a:r>
+              <a:rPr lang="en-US"/>
+              <a:t>Third level</a:t>
+            </a:r>
+          </a:p>
+          <a:p>
+            <a:pPr lvl="3"/>
+            <a:r>
+              <a:rPr lang="en-US"/>
+              <a:t>Fourth level</a:t>
+            </a:r>
+          </a:p>
+          <a:p>
+            <a:pPr lvl="4"/>
+            <a:r>
+              <a:rPr lang="en-US"/>
+              <a:t>Fifth level</a:t>
+            </a:r>
+            <a:endParaRPr lang="en-US" dirty="0"/>
+          </a:p>
+        </p:txBody>
+      </p:sp>
+      <p:sp>
+        <p:nvSpPr>
+          <p:cNvPr id="4" name="Text Placeholder 3"/>
+          <p:cNvSpPr>
+            <a:spLocks noGrp="1"/>
+          </p:cNvSpPr>
+          <p:nvPr>
+            <p:ph type="body" sz="half" idx="2"/>
+          </p:nvPr>
+        </p:nvSpPr>
+        <p:spPr>
+          <a:xfrm>
+            <a:off x="1444671" y="3205491"/>
+            <a:ext cx="3275013" cy="2248181"/>
+          </a:xfrm>
+        </p:spPr>
+        <p:txBody>
+          <a:bodyPr/>
+          <a:lstStyle>
+            <a:lvl1pPr marL="0" indent="0" algn="l">
+              <a:buNone/>
+              <a:defRPr sz="1600"/>
+            </a:lvl1pPr>
+            <a:lvl2pPr marL="457200" indent="0">
+              <a:buNone/>
+              <a:defRPr sz="1400"/>
+            </a:lvl2pPr>
+            <a:lvl3pPr marL="914400" indent="0">
+              <a:buNone/>
+              <a:defRPr sz="1200"/>
+            </a:lvl3pPr>
+            <a:lvl4pPr marL="1371600" indent="0">
+              <a:buNone/>
+              <a:defRPr sz="1000"/>
+            </a:lvl4pPr>
+            <a:lvl5pPr marL="1828800" indent="0">
+              <a:buNone/>
+              <a:defRPr sz="1000"/>
+            </a:lvl5pPr>
+            <a:lvl6pPr marL="2286000" indent="0">
+              <a:buNone/>
+              <a:defRPr sz="1000"/>
+            </a:lvl6pPr>
+            <a:lvl7pPr marL="2743200" indent="0">
+              <a:buNone/>
+              <a:defRPr sz="1000"/>
+            </a:lvl7pPr>
+            <a:lvl8pPr marL="3200400" indent="0">
+              <a:buNone/>
+              <a:defRPr sz="1000"/>
+            </a:lvl8pPr>
+            <a:lvl9pPr marL="3657600" indent="0">
+              <a:buNone/>
+              <a:defRPr sz="1000"/>
+            </a:lvl9pPr>
+          </a:lstStyle>
+          <a:p>
+            <a:pPr lvl="0"/>
+            <a:r>
+              <a:rPr lang="en-US"/>
+              <a:t>Click to edit Master text styles</a:t>
+            </a:r>
+          </a:p>
+        </p:txBody>
+      </p:sp>
+      <p:sp>
+        <p:nvSpPr>
+          <p:cNvPr id="5" name="Date Placeholder 4"/>
+          <p:cNvSpPr>
+            <a:spLocks noGrp="1"/>
+          </p:cNvSpPr>
+          <p:nvPr>
+            <p:ph type="dt" sz="half" idx="10"/>
+          </p:nvPr>
+        </p:nvSpPr>
+        <p:spPr/>
+        <p:txBody>
+          <a:bodyPr/>
+          <a:lstStyle/>
+          <a:p>
+            <a:fld id="{A8795AC6-52F3-4474-8D84-CD5B55E0FBFC}" type="datetime1">
+              <a:rPr lang="en-US" smtClean="0"/>
+              <a:t>5/9/2022</a:t>
+            </a:fld>
+            <a:endParaRPr lang="en-US" dirty="0"/>
+          </a:p>
+        </p:txBody>
+      </p:sp>
+      <p:sp>
+        <p:nvSpPr>
+          <p:cNvPr id="6" name="Footer Placeholder 5"/>
+          <p:cNvSpPr>
+            <a:spLocks noGrp="1"/>
+          </p:cNvSpPr>
+          <p:nvPr>
+            <p:ph type="ftr" sz="quarter" idx="11"/>
+          </p:nvPr>
+        </p:nvSpPr>
+        <p:spPr/>
+        <p:txBody>
+          <a:bodyPr/>
+          <a:lstStyle/>
+          <a:p>
+            <a:endParaRPr lang="en-US" dirty="0"/>
+          </a:p>
+        </p:txBody>
+      </p:sp>
+      <p:sp>
+        <p:nvSpPr>
+          <p:cNvPr id="7" name="Slide Number Placeholder 6"/>
+          <p:cNvSpPr>
+            <a:spLocks noGrp="1"/>
+          </p:cNvSpPr>
+          <p:nvPr>
+            <p:ph type="sldNum" sz="quarter" idx="12"/>
+          </p:nvPr>
+        </p:nvSpPr>
+        <p:spPr/>
+        <p:txBody>
+          <a:bodyPr/>
+          <a:lstStyle/>
+          <a:p>
+            <a:fld id="{3A98EE3D-8CD1-4C3F-BD1C-C98C9596463C}" type="slidenum">
+              <a:rPr lang="en-US" smtClean="0"/>
+              <a:pPr/>
+              <a:t>‹#›</a:t>
+            </a:fld>
+            <a:endParaRPr lang="en-US" dirty="0"/>
+          </a:p>
+        </p:txBody>
+      </p:sp>
+      <p:cxnSp>
+        <p:nvCxnSpPr>
+          <p:cNvPr id="17" name="Straight Connector 16"/>
+          <p:cNvCxnSpPr/>
+          <p:nvPr/>
+        </p:nvCxnSpPr>
+        <p:spPr>
+          <a:xfrm>
+            <a:off x="1448280" y="3205491"/>
+            <a:ext cx="3269490" cy="0"/>
+          </a:xfrm>
+          <a:prstGeom prst="line">
             <a:avLst/>
           </a:prstGeom>
-          <a:solidFill>
-            <a:srgbClr val="465359"/>
-          </a:solidFill>
-          <a:ln>
-            <a:noFill/>
-          </a:ln>
-          <a:effectLst/>
+          <a:ln w="31750"/>
         </p:spPr>
         <p:style>
-          <a:lnRef idx="1">
+          <a:lnRef idx="3">
             <a:schemeClr val="accent1"/>
           </a:lnRef>
-          <a:fillRef idx="3">
+          <a:fillRef idx="0">
             <a:schemeClr val="accent1"/>
           </a:fillRef>
           <a:effectRef idx="2">
             <a:schemeClr val="accent1"/>
           </a:effectRef>
           <a:fontRef idx="minor">
-            <a:schemeClr val="lt1"/>
+            <a:schemeClr val="tx1"/>
           </a:fontRef>
         </p:style>
-      </p:sp>
-      <p:sp>
-        <p:nvSpPr>
-          <p:cNvPr id="2" name="Title 1"/>
-          <p:cNvSpPr>
-            <a:spLocks noGrp="1"/>
-          </p:cNvSpPr>
-          <p:nvPr>
-            <p:ph type="title"/>
-          </p:nvPr>
-        </p:nvSpPr>
-        <p:spPr>
-          <a:xfrm>
-            <a:off x="767857" y="933450"/>
-            <a:ext cx="3031852" cy="1722419"/>
-          </a:xfrm>
-        </p:spPr>
-        <p:txBody>
-          <a:bodyPr anchor="b">
-            <a:normAutofit/>
-          </a:bodyPr>
-          <a:lstStyle>
-            <a:lvl1pPr algn="l">
-              <a:defRPr sz="2400" b="0">
-                <a:solidFill>
-                  <a:srgbClr val="FFFFFF"/>
-                </a:solidFill>
-              </a:defRPr>
-            </a:lvl1pPr>
-          </a:lstStyle>
-          <a:p>
-            <a:r>
-              <a:rPr lang="en-US"/>
-              <a:t>Click to edit Master title style</a:t>
-            </a:r>
-            <a:endParaRPr lang="en-US" dirty="0"/>
-          </a:p>
-        </p:txBody>
-      </p:sp>
-      <p:sp>
-        <p:nvSpPr>
-          <p:cNvPr id="3" name="Content Placeholder 2"/>
-          <p:cNvSpPr>
-            <a:spLocks noGrp="1"/>
-          </p:cNvSpPr>
-          <p:nvPr>
-            <p:ph idx="1"/>
-          </p:nvPr>
-        </p:nvSpPr>
-        <p:spPr>
-          <a:xfrm>
-            <a:off x="4900928" y="1179829"/>
-            <a:ext cx="6650991" cy="4658216"/>
-          </a:xfrm>
-        </p:spPr>
-        <p:txBody>
-          <a:bodyPr anchor="ctr">
-            <a:normAutofit/>
-          </a:bodyPr>
-          <a:lstStyle>
-            <a:lvl1pPr>
-              <a:defRPr sz="2000">
-                <a:solidFill>
-                  <a:schemeClr val="tx2"/>
-                </a:solidFill>
-              </a:defRPr>
-            </a:lvl1pPr>
-            <a:lvl2pPr>
-              <a:defRPr sz="1800">
-                <a:solidFill>
-                  <a:schemeClr val="tx2"/>
-                </a:solidFill>
-              </a:defRPr>
-            </a:lvl2pPr>
-            <a:lvl3pPr>
-              <a:defRPr sz="1600">
-                <a:solidFill>
-                  <a:schemeClr val="tx2"/>
-                </a:solidFill>
-              </a:defRPr>
-            </a:lvl3pPr>
-            <a:lvl4pPr>
-              <a:defRPr sz="1400">
-                <a:solidFill>
-                  <a:schemeClr val="tx2"/>
-                </a:solidFill>
-              </a:defRPr>
-            </a:lvl4pPr>
-            <a:lvl5pPr>
-              <a:defRPr sz="1400">
-                <a:solidFill>
-                  <a:schemeClr val="tx2"/>
-                </a:solidFill>
-              </a:defRPr>
-            </a:lvl5pPr>
-            <a:lvl6pPr>
-              <a:defRPr sz="1400">
-                <a:solidFill>
-                  <a:schemeClr val="tx2"/>
-                </a:solidFill>
-              </a:defRPr>
-            </a:lvl6pPr>
-            <a:lvl7pPr>
-              <a:defRPr sz="1400">
-                <a:solidFill>
-                  <a:schemeClr val="tx2"/>
-                </a:solidFill>
-              </a:defRPr>
-            </a:lvl7pPr>
-            <a:lvl8pPr>
-              <a:defRPr sz="1400">
-                <a:solidFill>
-                  <a:schemeClr val="tx2"/>
-                </a:solidFill>
-              </a:defRPr>
-            </a:lvl8pPr>
-            <a:lvl9pPr>
-              <a:defRPr sz="1400">
-                <a:solidFill>
-                  <a:schemeClr val="tx2"/>
-                </a:solidFill>
-              </a:defRPr>
-            </a:lvl9pPr>
-          </a:lstStyle>
-          <a:p>
-            <a:pPr lvl="0"/>
-            <a:r>
-              <a:rPr lang="en-US"/>
-              <a:t>Click to edit Master text styles</a:t>
-            </a:r>
-          </a:p>
-          <a:p>
-            <a:pPr lvl="1"/>
-            <a:r>
-              <a:rPr lang="en-US"/>
-              <a:t>Second level</a:t>
-            </a:r>
-          </a:p>
-          <a:p>
-            <a:pPr lvl="2"/>
-            <a:r>
-              <a:rPr lang="en-US"/>
-              <a:t>Third level</a:t>
-            </a:r>
-          </a:p>
-          <a:p>
-            <a:pPr lvl="3"/>
-            <a:r>
-              <a:rPr lang="en-US"/>
-              <a:t>Fourth level</a:t>
-            </a:r>
-          </a:p>
-          <a:p>
-            <a:pPr lvl="4"/>
-            <a:r>
-              <a:rPr lang="en-US"/>
-              <a:t>Fifth level</a:t>
-            </a:r>
-            <a:endParaRPr lang="en-US" dirty="0"/>
-          </a:p>
-        </p:txBody>
-      </p:sp>
-      <p:sp>
-        <p:nvSpPr>
-          <p:cNvPr id="4" name="Text Placeholder 3"/>
-          <p:cNvSpPr>
-            <a:spLocks noGrp="1"/>
-          </p:cNvSpPr>
-          <p:nvPr>
-            <p:ph type="body" sz="half" idx="2"/>
-          </p:nvPr>
-        </p:nvSpPr>
-        <p:spPr>
-          <a:xfrm>
-            <a:off x="767857" y="2836654"/>
-            <a:ext cx="3031852" cy="3001392"/>
-          </a:xfrm>
-        </p:spPr>
-        <p:txBody>
-          <a:bodyPr anchor="t">
-            <a:normAutofit/>
-          </a:bodyPr>
-          <a:lstStyle>
-            <a:lvl1pPr marL="0" indent="0" algn="l">
-              <a:buNone/>
-              <a:defRPr sz="1600">
-                <a:solidFill>
-                  <a:srgbClr val="FFFFFF"/>
-                </a:solidFill>
-              </a:defRPr>
-            </a:lvl1pPr>
-            <a:lvl2pPr marL="457200" indent="0">
-              <a:buNone/>
-              <a:defRPr sz="1100"/>
-            </a:lvl2pPr>
-            <a:lvl3pPr marL="914400" indent="0">
-              <a:buNone/>
-              <a:defRPr sz="1000"/>
-            </a:lvl3pPr>
-            <a:lvl4pPr marL="1371600" indent="0">
-              <a:buNone/>
-              <a:defRPr sz="900"/>
-            </a:lvl4pPr>
-            <a:lvl5pPr marL="1828800" indent="0">
-              <a:buNone/>
-              <a:defRPr sz="900"/>
-            </a:lvl5pPr>
-            <a:lvl6pPr marL="2286000" indent="0">
-              <a:buNone/>
-              <a:defRPr sz="900"/>
-            </a:lvl6pPr>
-            <a:lvl7pPr marL="2743200" indent="0">
-              <a:buNone/>
-              <a:defRPr sz="900"/>
-            </a:lvl7pPr>
-            <a:lvl8pPr marL="3200400" indent="0">
-              <a:buNone/>
-              <a:defRPr sz="900"/>
-            </a:lvl8pPr>
-            <a:lvl9pPr marL="3657600" indent="0">
-              <a:buNone/>
-              <a:defRPr sz="900"/>
-            </a:lvl9pPr>
-          </a:lstStyle>
-          <a:p>
-            <a:pPr lvl="0"/>
-            <a:r>
-              <a:rPr lang="en-US"/>
-              <a:t>Click to edit Master text styles</a:t>
-            </a:r>
-          </a:p>
-        </p:txBody>
-      </p:sp>
-      <p:sp>
-        <p:nvSpPr>
-          <p:cNvPr id="8" name="Date Placeholder 7">
-            <a:extLst>
-              <a:ext uri="{FF2B5EF4-FFF2-40B4-BE49-F238E27FC236}">
-                <a16:creationId xmlns:a16="http://schemas.microsoft.com/office/drawing/2014/main" id="{0B919CC2-2A65-446F-B538-9E6249035445}"/>
-              </a:ext>
-            </a:extLst>
-          </p:cNvPr>
-          <p:cNvSpPr>
-            <a:spLocks noGrp="1"/>
-          </p:cNvSpPr>
-          <p:nvPr>
-            <p:ph type="dt" sz="half" idx="10"/>
-          </p:nvPr>
-        </p:nvSpPr>
-        <p:spPr>
-          <a:xfrm>
-            <a:off x="7605951" y="6456916"/>
-            <a:ext cx="2844799" cy="365125"/>
-          </a:xfrm>
-        </p:spPr>
-        <p:txBody>
-          <a:bodyPr/>
-          <a:lstStyle/>
-          <a:p>
-            <a:fld id="{A8795AC6-52F3-4474-8D84-CD5B55E0FBFC}" type="datetime1">
-              <a:rPr lang="en-US" smtClean="0"/>
-              <a:t>5/9/2022</a:t>
-            </a:fld>
-            <a:endParaRPr lang="en-US" dirty="0"/>
-          </a:p>
-        </p:txBody>
-      </p:sp>
-      <p:sp>
-        <p:nvSpPr>
-          <p:cNvPr id="10" name="Footer Placeholder 9">
-            <a:extLst>
-              <a:ext uri="{FF2B5EF4-FFF2-40B4-BE49-F238E27FC236}">
-                <a16:creationId xmlns:a16="http://schemas.microsoft.com/office/drawing/2014/main" id="{B72412AE-119E-4982-8B24-63365EFCA796}"/>
-              </a:ext>
-            </a:extLst>
-          </p:cNvPr>
-          <p:cNvSpPr>
-            <a:spLocks noGrp="1"/>
-          </p:cNvSpPr>
-          <p:nvPr>
-            <p:ph type="ftr" sz="quarter" idx="11"/>
-          </p:nvPr>
-        </p:nvSpPr>
-        <p:spPr>
-          <a:xfrm>
-            <a:off x="581192" y="6452590"/>
-            <a:ext cx="6917210" cy="365125"/>
-          </a:xfrm>
-        </p:spPr>
-        <p:txBody>
-          <a:bodyPr/>
-          <a:lstStyle/>
-          <a:p>
-            <a:endParaRPr lang="en-US" dirty="0"/>
-          </a:p>
-        </p:txBody>
-      </p:sp>
-      <p:sp>
-        <p:nvSpPr>
-          <p:cNvPr id="11" name="Slide Number Placeholder 10">
-            <a:extLst>
-              <a:ext uri="{FF2B5EF4-FFF2-40B4-BE49-F238E27FC236}">
-                <a16:creationId xmlns:a16="http://schemas.microsoft.com/office/drawing/2014/main" id="{7FC4BB19-6AD1-45CF-9F99-00B109890FAB}"/>
-              </a:ext>
-            </a:extLst>
-          </p:cNvPr>
-          <p:cNvSpPr>
-            <a:spLocks noGrp="1"/>
-          </p:cNvSpPr>
-          <p:nvPr>
-            <p:ph type="sldNum" sz="quarter" idx="12"/>
-          </p:nvPr>
-        </p:nvSpPr>
-        <p:spPr>
-          <a:xfrm>
-            <a:off x="10558300" y="6456916"/>
-            <a:ext cx="1052510" cy="365125"/>
-          </a:xfrm>
-        </p:spPr>
-        <p:txBody>
-          <a:bodyPr/>
-          <a:lstStyle/>
-          <a:p>
-            <a:fld id="{3A98EE3D-8CD1-4C3F-BD1C-C98C9596463C}" type="slidenum">
-              <a:rPr lang="en-US" smtClean="0"/>
-              <a:pPr/>
-              <a:t>‹#›</a:t>
-            </a:fld>
-            <a:endParaRPr lang="en-US" dirty="0"/>
-          </a:p>
-        </p:txBody>
-      </p:sp>
+      </p:cxnSp>
     </p:spTree>
     <p:extLst>
       <p:ext uri="{BB962C8B-B14F-4D97-AF65-F5344CB8AC3E}">
-        <p14:creationId xmlns:p14="http://schemas.microsoft.com/office/powerpoint/2010/main" val="2631530624"/>
+        <p14:creationId xmlns:p14="http://schemas.microsoft.com/office/powerpoint/2010/main" val="1719132961"/>
       </p:ext>
     </p:extLst>
   </p:cSld>
@@ -3482,6 +3811,140 @@
           <a:chExt cx="0" cy="0"/>
         </a:xfrm>
       </p:grpSpPr>
+      <p:grpSp>
+        <p:nvGrpSpPr>
+          <p:cNvPr id="8" name="Group 7"/>
+          <p:cNvGrpSpPr/>
+          <p:nvPr/>
+        </p:nvGrpSpPr>
+        <p:grpSpPr>
+          <a:xfrm>
+            <a:off x="7477387" y="482170"/>
+            <a:ext cx="4074533" cy="5149101"/>
+            <a:chOff x="7477387" y="482170"/>
+            <a:chExt cx="4074533" cy="5149101"/>
+          </a:xfrm>
+        </p:grpSpPr>
+        <p:sp>
+          <p:nvSpPr>
+            <p:cNvPr id="18" name="Rectangle 17"/>
+            <p:cNvSpPr/>
+            <p:nvPr/>
+          </p:nvSpPr>
+          <p:spPr bwMode="black">
+            <a:xfrm>
+              <a:off x="7477387" y="482170"/>
+              <a:ext cx="4074533" cy="5149101"/>
+            </a:xfrm>
+            <a:prstGeom prst="rect">
+              <a:avLst/>
+            </a:prstGeom>
+            <a:gradFill>
+              <a:gsLst>
+                <a:gs pos="0">
+                  <a:srgbClr val="000001"/>
+                </a:gs>
+                <a:gs pos="100000">
+                  <a:srgbClr val="191919"/>
+                </a:gs>
+              </a:gsLst>
+            </a:gradFill>
+            <a:ln w="76200" cmpd="sng">
+              <a:noFill/>
+              <a:miter lim="800000"/>
+            </a:ln>
+            <a:effectLst>
+              <a:outerShdw blurRad="127000" dist="228600" dir="4740000" sx="98000" sy="98000" algn="tl" rotWithShape="0">
+                <a:srgbClr val="000000">
+                  <a:alpha val="34000"/>
+                </a:srgbClr>
+              </a:outerShdw>
+            </a:effectLst>
+            <a:scene3d>
+              <a:camera prst="orthographicFront"/>
+              <a:lightRig rig="threePt" dir="t"/>
+            </a:scene3d>
+            <a:sp3d>
+              <a:bevelT w="152400" h="50800" prst="softRound"/>
+            </a:sp3d>
+          </p:spPr>
+          <p:style>
+            <a:lnRef idx="1">
+              <a:schemeClr val="accent1"/>
+            </a:lnRef>
+            <a:fillRef idx="3">
+              <a:schemeClr val="accent1"/>
+            </a:fillRef>
+            <a:effectRef idx="2">
+              <a:schemeClr val="accent1"/>
+            </a:effectRef>
+            <a:fontRef idx="minor">
+              <a:schemeClr val="lt1"/>
+            </a:fontRef>
+          </p:style>
+        </p:sp>
+        <p:sp>
+          <p:nvSpPr>
+            <p:cNvPr id="19" name="Rectangle 18"/>
+            <p:cNvSpPr/>
+            <p:nvPr/>
+          </p:nvSpPr>
+          <p:spPr bwMode="blackWhite">
+            <a:xfrm>
+              <a:off x="7790446" y="812506"/>
+              <a:ext cx="3450289" cy="4466452"/>
+            </a:xfrm>
+            <a:prstGeom prst="rect">
+              <a:avLst/>
+            </a:prstGeom>
+            <a:gradFill>
+              <a:gsLst>
+                <a:gs pos="0">
+                  <a:srgbClr val="DADADA"/>
+                </a:gs>
+                <a:gs pos="100000">
+                  <a:srgbClr val="FFFFFE"/>
+                </a:gs>
+              </a:gsLst>
+              <a:lin ang="16200000" scaled="0"/>
+            </a:gradFill>
+            <a:ln w="50800" cmpd="sng">
+              <a:solidFill>
+                <a:srgbClr val="191919"/>
+              </a:solidFill>
+              <a:miter lim="800000"/>
+            </a:ln>
+            <a:effectLst>
+              <a:innerShdw blurRad="63500" dist="88900" dir="14100000">
+                <a:srgbClr val="000000">
+                  <a:alpha val="30000"/>
+                </a:srgbClr>
+              </a:innerShdw>
+            </a:effectLst>
+            <a:scene3d>
+              <a:camera prst="orthographicFront"/>
+              <a:lightRig rig="threePt" dir="t"/>
+            </a:scene3d>
+            <a:sp3d>
+              <a:bevelT prst="relaxedInset"/>
+            </a:sp3d>
+          </p:spPr>
+          <p:style>
+            <a:lnRef idx="1">
+              <a:schemeClr val="accent1"/>
+            </a:lnRef>
+            <a:fillRef idx="3">
+              <a:schemeClr val="accent1"/>
+            </a:fillRef>
+            <a:effectRef idx="2">
+              <a:schemeClr val="accent1"/>
+            </a:effectRef>
+            <a:fontRef idx="minor">
+              <a:schemeClr val="lt1"/>
+            </a:fontRef>
+          </p:style>
+        </p:sp>
+      </p:grpSp>
       <p:sp>
         <p:nvSpPr>
           <p:cNvPr id="2" name="Title 1"/>
@@ -3494,8 +3957,8 @@
         </p:nvSpPr>
         <p:spPr>
           <a:xfrm>
-            <a:off x="581193" y="4693389"/>
-            <a:ext cx="11029616" cy="566738"/>
+            <a:off x="1451206" y="1129513"/>
+            <a:ext cx="5532328" cy="1830584"/>
           </a:xfrm>
         </p:spPr>
         <p:txBody>
@@ -3503,15 +3966,8 @@
             <a:normAutofit/>
           </a:bodyPr>
           <a:lstStyle>
-            <a:lvl1pPr algn="l">
-              <a:defRPr sz="2400" b="0">
-                <a:solidFill>
-                  <a:schemeClr val="tx1">
-                    <a:lumMod val="75000"/>
-                    <a:lumOff val="25000"/>
-                  </a:schemeClr>
-                </a:solidFill>
-              </a:defRPr>
+            <a:lvl1pPr>
+              <a:defRPr sz="3200"/>
             </a:lvl1pPr>
           </a:lstStyle>
           <a:p>
@@ -3535,142 +3991,159 @@
         </p:nvSpPr>
         <p:spPr>
           <a:xfrm>
-            <a:off x="447817" y="641350"/>
-            <a:ext cx="11290859" cy="3651249"/>
+            <a:off x="8124389" y="1122542"/>
+            <a:ext cx="2791171" cy="3866327"/>
+          </a:xfrm>
+          <a:solidFill>
+            <a:schemeClr val="bg1">
+              <a:lumMod val="85000"/>
+            </a:schemeClr>
+          </a:solidFill>
+          <a:ln w="9525" cap="sq">
+            <a:noFill/>
+            <a:miter lim="800000"/>
+          </a:ln>
+          <a:effectLst/>
+        </p:spPr>
+        <p:txBody>
+          <a:bodyPr anchor="t"/>
+          <a:lstStyle>
+            <a:lvl1pPr marL="0" indent="0" algn="ctr">
+              <a:buNone/>
+              <a:defRPr sz="3200"/>
+            </a:lvl1pPr>
+            <a:lvl2pPr marL="457200" indent="0">
+              <a:buNone/>
+              <a:defRPr sz="2800"/>
+            </a:lvl2pPr>
+            <a:lvl3pPr marL="914400" indent="0">
+              <a:buNone/>
+              <a:defRPr sz="2400"/>
+            </a:lvl3pPr>
+            <a:lvl4pPr marL="1371600" indent="0">
+              <a:buNone/>
+              <a:defRPr sz="2000"/>
+            </a:lvl4pPr>
+            <a:lvl5pPr marL="1828800" indent="0">
+              <a:buNone/>
+              <a:defRPr sz="2000"/>
+            </a:lvl5pPr>
+            <a:lvl6pPr marL="2286000" indent="0">
+              <a:buNone/>
+              <a:defRPr sz="2000"/>
+            </a:lvl6pPr>
+            <a:lvl7pPr marL="2743200" indent="0">
+              <a:buNone/>
+              <a:defRPr sz="2000"/>
+            </a:lvl7pPr>
+            <a:lvl8pPr marL="3200400" indent="0">
+              <a:buNone/>
+              <a:defRPr sz="2000"/>
+            </a:lvl8pPr>
+            <a:lvl9pPr marL="3657600" indent="0">
+              <a:buNone/>
+              <a:defRPr sz="2000"/>
+            </a:lvl9pPr>
+          </a:lstStyle>
+          <a:p>
+            <a:r>
+              <a:rPr lang="en-US"/>
+              <a:t>Click icon to add picture</a:t>
+            </a:r>
+            <a:endParaRPr lang="en-US" dirty="0"/>
+          </a:p>
+        </p:txBody>
+      </p:sp>
+      <p:sp>
+        <p:nvSpPr>
+          <p:cNvPr id="4" name="Text Placeholder 3"/>
+          <p:cNvSpPr>
+            <a:spLocks noGrp="1"/>
+          </p:cNvSpPr>
+          <p:nvPr>
+            <p:ph type="body" sz="half" idx="2"/>
+          </p:nvPr>
+        </p:nvSpPr>
+        <p:spPr>
+          <a:xfrm>
+            <a:off x="1450329" y="3145992"/>
+            <a:ext cx="5524404" cy="2003742"/>
           </a:xfrm>
         </p:spPr>
         <p:txBody>
-          <a:bodyPr anchor="t">
+          <a:bodyPr>
             <a:normAutofit/>
           </a:bodyPr>
           <a:lstStyle>
-            <a:lvl1pPr marL="0" indent="0" algn="ctr">
-              <a:buNone/>
-              <a:defRPr sz="1600"/>
+            <a:lvl1pPr marL="0" indent="0" algn="l">
+              <a:buNone/>
+              <a:defRPr sz="1800"/>
             </a:lvl1pPr>
             <a:lvl2pPr marL="457200" indent="0">
               <a:buNone/>
-              <a:defRPr sz="1600"/>
+              <a:defRPr sz="1400"/>
             </a:lvl2pPr>
             <a:lvl3pPr marL="914400" indent="0">
               <a:buNone/>
-              <a:defRPr sz="1600"/>
+              <a:defRPr sz="1200"/>
             </a:lvl3pPr>
             <a:lvl4pPr marL="1371600" indent="0">
               <a:buNone/>
-              <a:defRPr sz="1600"/>
+              <a:defRPr sz="1000"/>
             </a:lvl4pPr>
             <a:lvl5pPr marL="1828800" indent="0">
               <a:buNone/>
-              <a:defRPr sz="1600"/>
+              <a:defRPr sz="1000"/>
             </a:lvl5pPr>
             <a:lvl6pPr marL="2286000" indent="0">
               <a:buNone/>
-              <a:defRPr sz="1600"/>
+              <a:defRPr sz="1000"/>
             </a:lvl6pPr>
             <a:lvl7pPr marL="2743200" indent="0">
               <a:buNone/>
-              <a:defRPr sz="1600"/>
+              <a:defRPr sz="1000"/>
             </a:lvl7pPr>
             <a:lvl8pPr marL="3200400" indent="0">
               <a:buNone/>
-              <a:defRPr sz="1600"/>
+              <a:defRPr sz="1000"/>
             </a:lvl8pPr>
             <a:lvl9pPr marL="3657600" indent="0">
               <a:buNone/>
-              <a:defRPr sz="1600"/>
+              <a:defRPr sz="1000"/>
             </a:lvl9pPr>
           </a:lstStyle>
           <a:p>
+            <a:pPr lvl="0"/>
             <a:r>
               <a:rPr lang="en-US"/>
-              <a:t>Click icon to add picture</a:t>
-            </a:r>
-            <a:endParaRPr lang="en-US" dirty="0"/>
-          </a:p>
-        </p:txBody>
-      </p:sp>
-      <p:sp>
-        <p:nvSpPr>
-          <p:cNvPr id="4" name="Text Placeholder 3"/>
-          <p:cNvSpPr>
-            <a:spLocks noGrp="1"/>
-          </p:cNvSpPr>
-          <p:nvPr>
-            <p:ph type="body" sz="half" idx="2"/>
+              <a:t>Click to edit Master text styles</a:t>
+            </a:r>
+          </a:p>
+        </p:txBody>
+      </p:sp>
+      <p:sp>
+        <p:nvSpPr>
+          <p:cNvPr id="5" name="Date Placeholder 4"/>
+          <p:cNvSpPr>
+            <a:spLocks noGrp="1"/>
+          </p:cNvSpPr>
+          <p:nvPr>
+            <p:ph type="dt" sz="half" idx="10"/>
           </p:nvPr>
         </p:nvSpPr>
         <p:spPr>
           <a:xfrm>
-            <a:off x="581192" y="5260127"/>
-            <a:ext cx="11029617" cy="998148"/>
+            <a:off x="1447382" y="5469856"/>
+            <a:ext cx="5527351" cy="320123"/>
           </a:xfrm>
         </p:spPr>
         <p:txBody>
-          <a:bodyPr anchor="t">
-            <a:normAutofit/>
-          </a:bodyPr>
+          <a:bodyPr/>
           <a:lstStyle>
-            <a:lvl1pPr marL="0" indent="0">
-              <a:buNone/>
-              <a:defRPr sz="1600"/>
+            <a:lvl1pPr algn="l">
+              <a:defRPr/>
             </a:lvl1pPr>
-            <a:lvl2pPr marL="457200" indent="0">
-              <a:buNone/>
-              <a:defRPr sz="1200"/>
-            </a:lvl2pPr>
-            <a:lvl3pPr marL="914400" indent="0">
-              <a:buNone/>
-              <a:defRPr sz="1000"/>
-            </a:lvl3pPr>
-            <a:lvl4pPr marL="1371600" indent="0">
-              <a:buNone/>
-              <a:defRPr sz="900"/>
-            </a:lvl4pPr>
-            <a:lvl5pPr marL="1828800" indent="0">
-              <a:buNone/>
-              <a:defRPr sz="900"/>
-            </a:lvl5pPr>
-            <a:lvl6pPr marL="2286000" indent="0">
-              <a:buNone/>
-              <a:defRPr sz="900"/>
-            </a:lvl6pPr>
-            <a:lvl7pPr marL="2743200" indent="0">
-              <a:buNone/>
-              <a:defRPr sz="900"/>
-            </a:lvl7pPr>
-            <a:lvl8pPr marL="3200400" indent="0">
-              <a:buNone/>
-              <a:defRPr sz="900"/>
-            </a:lvl8pPr>
-            <a:lvl9pPr marL="3657600" indent="0">
-              <a:buNone/>
-              <a:defRPr sz="900"/>
-            </a:lvl9pPr>
           </a:lstStyle>
-          <a:p>
-            <a:pPr lvl="0"/>
-            <a:r>
-              <a:rPr lang="en-US"/>
-              <a:t>Click to edit Master text styles</a:t>
-            </a:r>
-          </a:p>
-        </p:txBody>
-      </p:sp>
-      <p:sp>
-        <p:nvSpPr>
-          <p:cNvPr id="5" name="Date Placeholder 4"/>
-          <p:cNvSpPr>
-            <a:spLocks noGrp="1"/>
-          </p:cNvSpPr>
-          <p:nvPr>
-            <p:ph type="dt" sz="half" idx="10"/>
-          </p:nvPr>
-        </p:nvSpPr>
-        <p:spPr/>
-        <p:txBody>
-          <a:bodyPr/>
-          <a:lstStyle/>
           <a:p>
             <a:fld id="{88E8E9F4-2911-4510-81C8-621BEC97C05A}" type="datetime1">
               <a:rPr lang="en-US" smtClean="0"/>
@@ -3690,7 +4163,12 @@
             <p:ph type="ftr" sz="quarter" idx="11"/>
           </p:nvPr>
         </p:nvSpPr>
-        <p:spPr/>
+        <p:spPr>
+          <a:xfrm>
+            <a:off x="1447382" y="318640"/>
+            <a:ext cx="5541004" cy="320931"/>
+          </a:xfrm>
+        </p:spPr>
         <p:txBody>
           <a:bodyPr/>
           <a:lstStyle/>
@@ -3723,10 +4201,41 @@
           </a:p>
         </p:txBody>
       </p:sp>
+      <p:cxnSp>
+        <p:nvCxnSpPr>
+          <p:cNvPr id="31" name="Straight Connector 30"/>
+          <p:cNvCxnSpPr/>
+          <p:nvPr/>
+        </p:nvCxnSpPr>
+        <p:spPr>
+          <a:xfrm>
+            <a:off x="1447382" y="3143605"/>
+            <a:ext cx="5527351" cy="0"/>
+          </a:xfrm>
+          <a:prstGeom prst="line">
+            <a:avLst/>
+          </a:prstGeom>
+          <a:ln w="31750"/>
+        </p:spPr>
+        <p:style>
+          <a:lnRef idx="3">
+            <a:schemeClr val="accent1"/>
+          </a:lnRef>
+          <a:fillRef idx="0">
+            <a:schemeClr val="accent1"/>
+          </a:fillRef>
+          <a:effectRef idx="2">
+            <a:schemeClr val="accent1"/>
+          </a:effectRef>
+          <a:fontRef idx="minor">
+            <a:schemeClr val="tx1"/>
+          </a:fontRef>
+        </p:style>
+      </p:cxnSp>
     </p:spTree>
     <p:extLst>
       <p:ext uri="{BB962C8B-B14F-4D97-AF65-F5344CB8AC3E}">
-        <p14:creationId xmlns:p14="http://schemas.microsoft.com/office/powerpoint/2010/main" val="92584080"/>
+        <p14:creationId xmlns:p14="http://schemas.microsoft.com/office/powerpoint/2010/main" val="524262759"/>
       </p:ext>
     </p:extLst>
   </p:cSld>
@@ -3740,8 +4249,8 @@
 <p:sldMaster xmlns:a="http://schemas.openxmlformats.org/drawingml/2006/main" xmlns:r="http://schemas.openxmlformats.org/officeDocument/2006/relationships" xmlns:p="http://schemas.openxmlformats.org/presentationml/2006/main">
   <p:cSld>
     <p:bg>
-      <p:bgRef idx="1001">
-        <a:schemeClr val="bg1"/>
+      <p:bgRef idx="1003">
+        <a:schemeClr val="bg2"/>
       </p:bgRef>
     </p:bg>
     <p:spTree>
@@ -3760,804 +4269,32 @@
       </p:grpSpPr>
       <p:sp>
         <p:nvSpPr>
-          <p:cNvPr id="2" name="Title Placeholder 1"/>
-          <p:cNvSpPr>
-            <a:spLocks noGrp="1"/>
-          </p:cNvSpPr>
-          <p:nvPr>
-            <p:ph type="title"/>
-          </p:nvPr>
+          <p:cNvPr id="8" name="Rectangle 7"/>
+          <p:cNvSpPr/>
+          <p:nvPr/>
         </p:nvSpPr>
         <p:spPr>
           <a:xfrm>
-            <a:off x="581192" y="705124"/>
-            <a:ext cx="11029616" cy="1189554"/>
+            <a:off x="0" y="2019476"/>
+            <a:ext cx="12192000" cy="4105941"/>
           </a:xfrm>
           <a:prstGeom prst="rect">
             <a:avLst/>
           </a:prstGeom>
-        </p:spPr>
-        <p:txBody>
-          <a:bodyPr vert="horz" lIns="91440" tIns="45720" rIns="91440" bIns="45720" rtlCol="0" anchor="b">
-            <a:normAutofit/>
-          </a:bodyPr>
-          <a:lstStyle/>
-          <a:p>
-            <a:r>
-              <a:rPr lang="en-US"/>
-              <a:t>Click to edit Master title style</a:t>
-            </a:r>
-            <a:endParaRPr lang="en-US" dirty="0"/>
-          </a:p>
-        </p:txBody>
-      </p:sp>
-      <p:sp>
-        <p:nvSpPr>
-          <p:cNvPr id="3" name="Text Placeholder 2"/>
-          <p:cNvSpPr>
-            <a:spLocks noGrp="1"/>
-          </p:cNvSpPr>
-          <p:nvPr>
-            <p:ph type="body" idx="1"/>
-          </p:nvPr>
-        </p:nvSpPr>
-        <p:spPr>
-          <a:xfrm>
-            <a:off x="581192" y="2336002"/>
-            <a:ext cx="11029616" cy="3652047"/>
-          </a:xfrm>
-          <a:prstGeom prst="rect">
-            <a:avLst/>
-          </a:prstGeom>
-        </p:spPr>
-        <p:txBody>
-          <a:bodyPr vert="horz" lIns="91440" tIns="45720" rIns="91440" bIns="45720" rtlCol="0" anchor="ctr">
-            <a:normAutofit/>
-          </a:bodyPr>
-          <a:lstStyle/>
-          <a:p>
-            <a:pPr lvl="0"/>
-            <a:r>
-              <a:rPr lang="en-US"/>
-              <a:t>Click to edit Master text styles</a:t>
-            </a:r>
-          </a:p>
-          <a:p>
-            <a:pPr lvl="1"/>
-            <a:r>
-              <a:rPr lang="en-US"/>
-              <a:t>Second level</a:t>
-            </a:r>
-          </a:p>
-          <a:p>
-            <a:pPr lvl="2"/>
-            <a:r>
-              <a:rPr lang="en-US"/>
-              <a:t>Third level</a:t>
-            </a:r>
-          </a:p>
-          <a:p>
-            <a:pPr lvl="3"/>
-            <a:r>
-              <a:rPr lang="en-US"/>
-              <a:t>Fourth level</a:t>
-            </a:r>
-          </a:p>
-          <a:p>
-            <a:pPr lvl="4"/>
-            <a:r>
-              <a:rPr lang="en-US"/>
-              <a:t>Fifth level</a:t>
-            </a:r>
-            <a:endParaRPr lang="en-US" dirty="0"/>
-          </a:p>
-        </p:txBody>
-      </p:sp>
-      <p:sp>
-        <p:nvSpPr>
-          <p:cNvPr id="4" name="Date Placeholder 3"/>
-          <p:cNvSpPr>
-            <a:spLocks noGrp="1"/>
-          </p:cNvSpPr>
-          <p:nvPr>
-            <p:ph type="dt" sz="half" idx="2"/>
-          </p:nvPr>
-        </p:nvSpPr>
-        <p:spPr>
-          <a:xfrm>
-            <a:off x="7605951" y="6423914"/>
-            <a:ext cx="2844799" cy="365125"/>
-          </a:xfrm>
-          <a:prstGeom prst="rect">
-            <a:avLst/>
-          </a:prstGeom>
-        </p:spPr>
-        <p:txBody>
-          <a:bodyPr vert="horz" lIns="91440" tIns="45720" rIns="91440" bIns="45720" rtlCol="0" anchor="ctr"/>
-          <a:lstStyle>
-            <a:lvl1pPr algn="r">
-              <a:defRPr sz="900">
-                <a:solidFill>
-                  <a:schemeClr val="tx1">
-                    <a:lumMod val="75000"/>
-                    <a:lumOff val="25000"/>
-                  </a:schemeClr>
-                </a:solidFill>
-              </a:defRPr>
-            </a:lvl1pPr>
-          </a:lstStyle>
-          <a:p>
-            <a:fld id="{30903CCB-60D7-4D43-9F7D-8A1E4FCCE356}" type="datetime1">
-              <a:rPr lang="en-US" smtClean="0"/>
-              <a:t>5/9/2022</a:t>
-            </a:fld>
-            <a:endParaRPr lang="en-US" dirty="0"/>
-          </a:p>
-        </p:txBody>
-      </p:sp>
-      <p:sp>
-        <p:nvSpPr>
-          <p:cNvPr id="5" name="Footer Placeholder 4"/>
-          <p:cNvSpPr>
-            <a:spLocks noGrp="1"/>
-          </p:cNvSpPr>
-          <p:nvPr>
-            <p:ph type="ftr" sz="quarter" idx="3"/>
-          </p:nvPr>
-        </p:nvSpPr>
-        <p:spPr>
-          <a:xfrm>
-            <a:off x="581192" y="6423914"/>
-            <a:ext cx="6917210" cy="365125"/>
-          </a:xfrm>
-          <a:prstGeom prst="rect">
-            <a:avLst/>
-          </a:prstGeom>
-        </p:spPr>
-        <p:txBody>
-          <a:bodyPr vert="horz" lIns="91440" tIns="45720" rIns="91440" bIns="45720" rtlCol="0" anchor="ctr"/>
-          <a:lstStyle>
-            <a:lvl1pPr algn="l">
-              <a:defRPr sz="900" cap="all">
-                <a:solidFill>
-                  <a:schemeClr val="tx1">
-                    <a:lumMod val="75000"/>
-                    <a:lumOff val="25000"/>
-                  </a:schemeClr>
-                </a:solidFill>
-              </a:defRPr>
-            </a:lvl1pPr>
-          </a:lstStyle>
-          <a:p>
-            <a:endParaRPr lang="en-US" dirty="0"/>
-          </a:p>
-        </p:txBody>
-      </p:sp>
-      <p:sp>
-        <p:nvSpPr>
-          <p:cNvPr id="6" name="Slide Number Placeholder 5"/>
-          <p:cNvSpPr>
-            <a:spLocks noGrp="1"/>
-          </p:cNvSpPr>
-          <p:nvPr>
-            <p:ph type="sldNum" sz="quarter" idx="4"/>
-          </p:nvPr>
-        </p:nvSpPr>
-        <p:spPr>
-          <a:xfrm>
-            <a:off x="10558300" y="6423914"/>
-            <a:ext cx="1052510" cy="365125"/>
-          </a:xfrm>
-          <a:prstGeom prst="rect">
-            <a:avLst/>
-          </a:prstGeom>
-        </p:spPr>
-        <p:txBody>
-          <a:bodyPr vert="horz" lIns="91440" tIns="45720" rIns="91440" bIns="45720" rtlCol="0" anchor="ctr"/>
-          <a:lstStyle>
-            <a:lvl1pPr algn="r">
-              <a:defRPr sz="900">
-                <a:solidFill>
-                  <a:schemeClr val="tx1">
-                    <a:lumMod val="75000"/>
-                    <a:lumOff val="25000"/>
-                  </a:schemeClr>
-                </a:solidFill>
-              </a:defRPr>
-            </a:lvl1pPr>
-          </a:lstStyle>
-          <a:p>
-            <a:fld id="{3A98EE3D-8CD1-4C3F-BD1C-C98C9596463C}" type="slidenum">
-              <a:rPr lang="en-US" smtClean="0"/>
-              <a:t>‹#›</a:t>
-            </a:fld>
-            <a:endParaRPr lang="en-US" dirty="0"/>
-          </a:p>
-        </p:txBody>
-      </p:sp>
-      <p:sp>
-        <p:nvSpPr>
-          <p:cNvPr id="9" name="Rectangle 8"/>
-          <p:cNvSpPr/>
-          <p:nvPr/>
-        </p:nvSpPr>
-        <p:spPr>
-          <a:xfrm>
-            <a:off x="446534" y="457200"/>
-            <a:ext cx="3703320" cy="94997"/>
-          </a:xfrm>
-          <a:prstGeom prst="rect">
-            <a:avLst/>
-          </a:prstGeom>
-          <a:solidFill>
-            <a:srgbClr val="465359"/>
-          </a:solidFill>
-          <a:ln>
-            <a:noFill/>
-          </a:ln>
-          <a:effectLst/>
-        </p:spPr>
-        <p:style>
-          <a:lnRef idx="1">
-            <a:schemeClr val="accent1"/>
-          </a:lnRef>
-          <a:fillRef idx="3">
-            <a:schemeClr val="accent1"/>
-          </a:fillRef>
-          <a:effectRef idx="2">
-            <a:schemeClr val="accent1"/>
-          </a:effectRef>
-          <a:fontRef idx="minor">
-            <a:schemeClr val="lt1"/>
-          </a:fontRef>
-        </p:style>
-      </p:sp>
-      <p:sp>
-        <p:nvSpPr>
-          <p:cNvPr id="10" name="Rectangle 9"/>
-          <p:cNvSpPr/>
-          <p:nvPr/>
-        </p:nvSpPr>
-        <p:spPr>
-          <a:xfrm>
-            <a:off x="8042147" y="453643"/>
-            <a:ext cx="3703320" cy="98554"/>
-          </a:xfrm>
-          <a:prstGeom prst="rect">
-            <a:avLst/>
-          </a:prstGeom>
-          <a:solidFill>
-            <a:srgbClr val="969FA7"/>
-          </a:solidFill>
-          <a:ln>
-            <a:noFill/>
-          </a:ln>
-          <a:effectLst/>
-        </p:spPr>
-        <p:style>
-          <a:lnRef idx="1">
-            <a:schemeClr val="accent1"/>
-          </a:lnRef>
-          <a:fillRef idx="3">
-            <a:schemeClr val="accent1"/>
-          </a:fillRef>
-          <a:effectRef idx="2">
-            <a:schemeClr val="accent1"/>
-          </a:effectRef>
-          <a:fontRef idx="minor">
-            <a:schemeClr val="lt1"/>
-          </a:fontRef>
-        </p:style>
-      </p:sp>
-      <p:sp>
-        <p:nvSpPr>
-          <p:cNvPr id="11" name="Rectangle 10"/>
-          <p:cNvSpPr/>
-          <p:nvPr/>
-        </p:nvSpPr>
-        <p:spPr>
-          <a:xfrm>
-            <a:off x="4241830" y="457200"/>
-            <a:ext cx="3703320" cy="91440"/>
-          </a:xfrm>
-          <a:prstGeom prst="rect">
-            <a:avLst/>
-          </a:prstGeom>
-          <a:solidFill>
-            <a:schemeClr val="accent1"/>
-          </a:solidFill>
-          <a:ln>
-            <a:noFill/>
-          </a:ln>
-          <a:effectLst/>
-        </p:spPr>
-        <p:style>
-          <a:lnRef idx="1">
-            <a:schemeClr val="accent1"/>
-          </a:lnRef>
-          <a:fillRef idx="3">
-            <a:schemeClr val="accent1"/>
-          </a:fillRef>
-          <a:effectRef idx="2">
-            <a:schemeClr val="accent1"/>
-          </a:effectRef>
-          <a:fontRef idx="minor">
-            <a:schemeClr val="lt1"/>
-          </a:fontRef>
-        </p:style>
-      </p:sp>
-    </p:spTree>
-    <p:extLst>
-      <p:ext uri="{BB962C8B-B14F-4D97-AF65-F5344CB8AC3E}">
-        <p14:creationId xmlns:p14="http://schemas.microsoft.com/office/powerpoint/2010/main" val="1965219802"/>
-      </p:ext>
-    </p:extLst>
-  </p:cSld>
-  <p:clrMap bg1="lt1" tx1="dk1" bg2="lt2" tx2="dk2" accent1="accent1" accent2="accent2" accent3="accent3" accent4="accent4" accent5="accent5" accent6="accent6" hlink="hlink" folHlink="folHlink"/>
-  <p:sldLayoutIdLst>
-    <p:sldLayoutId id="2147483661" r:id="rId1"/>
-    <p:sldLayoutId id="2147483662" r:id="rId2"/>
-    <p:sldLayoutId id="2147483663" r:id="rId3"/>
-    <p:sldLayoutId id="2147483664" r:id="rId4"/>
-    <p:sldLayoutId id="2147483665" r:id="rId5"/>
-    <p:sldLayoutId id="2147483666" r:id="rId6"/>
-    <p:sldLayoutId id="2147483667" r:id="rId7"/>
-    <p:sldLayoutId id="2147483668" r:id="rId8"/>
-    <p:sldLayoutId id="2147483669" r:id="rId9"/>
-  </p:sldLayoutIdLst>
-  <p:hf hdr="0" ftr="0"/>
-  <p:txStyles>
-    <p:titleStyle>
-      <a:lvl1pPr algn="l" defTabSz="457200" rtl="0" eaLnBrk="1" latinLnBrk="0" hangingPunct="1">
-        <a:lnSpc>
-          <a:spcPct val="100000"/>
-        </a:lnSpc>
-        <a:spcBef>
-          <a:spcPct val="0"/>
-        </a:spcBef>
-        <a:buNone/>
-        <a:defRPr sz="2800" b="0" kern="1200" cap="all">
-          <a:solidFill>
-            <a:schemeClr val="tx1">
-              <a:lumMod val="75000"/>
-              <a:lumOff val="25000"/>
-            </a:schemeClr>
-          </a:solidFill>
-          <a:latin typeface="+mj-lt"/>
-          <a:ea typeface="+mj-ea"/>
-          <a:cs typeface="+mj-cs"/>
-        </a:defRPr>
-      </a:lvl1pPr>
-      <a:lvl2pPr eaLnBrk="1" hangingPunct="1">
-        <a:defRPr>
-          <a:solidFill>
-            <a:schemeClr val="tx2"/>
-          </a:solidFill>
-        </a:defRPr>
-      </a:lvl2pPr>
-      <a:lvl3pPr eaLnBrk="1" hangingPunct="1">
-        <a:defRPr>
-          <a:solidFill>
-            <a:schemeClr val="tx2"/>
-          </a:solidFill>
-        </a:defRPr>
-      </a:lvl3pPr>
-      <a:lvl4pPr eaLnBrk="1" hangingPunct="1">
-        <a:defRPr>
-          <a:solidFill>
-            <a:schemeClr val="tx2"/>
-          </a:solidFill>
-        </a:defRPr>
-      </a:lvl4pPr>
-      <a:lvl5pPr eaLnBrk="1" hangingPunct="1">
-        <a:defRPr>
-          <a:solidFill>
-            <a:schemeClr val="tx2"/>
-          </a:solidFill>
-        </a:defRPr>
-      </a:lvl5pPr>
-      <a:lvl6pPr eaLnBrk="1" hangingPunct="1">
-        <a:defRPr>
-          <a:solidFill>
-            <a:schemeClr val="tx2"/>
-          </a:solidFill>
-        </a:defRPr>
-      </a:lvl6pPr>
-      <a:lvl7pPr eaLnBrk="1" hangingPunct="1">
-        <a:defRPr>
-          <a:solidFill>
-            <a:schemeClr val="tx2"/>
-          </a:solidFill>
-        </a:defRPr>
-      </a:lvl7pPr>
-      <a:lvl8pPr eaLnBrk="1" hangingPunct="1">
-        <a:defRPr>
-          <a:solidFill>
-            <a:schemeClr val="tx2"/>
-          </a:solidFill>
-        </a:defRPr>
-      </a:lvl8pPr>
-      <a:lvl9pPr eaLnBrk="1" hangingPunct="1">
-        <a:defRPr>
-          <a:solidFill>
-            <a:schemeClr val="tx2"/>
-          </a:solidFill>
-        </a:defRPr>
-      </a:lvl9pPr>
-    </p:titleStyle>
-    <p:bodyStyle>
-      <a:lvl1pPr marL="306000" indent="-306000" algn="l" defTabSz="457200" rtl="0" eaLnBrk="1" latinLnBrk="0" hangingPunct="1">
-        <a:lnSpc>
-          <a:spcPct val="110000"/>
-        </a:lnSpc>
-        <a:spcBef>
-          <a:spcPct val="20000"/>
-        </a:spcBef>
-        <a:spcAft>
-          <a:spcPts val="600"/>
-        </a:spcAft>
-        <a:buClr>
-          <a:schemeClr val="accent1"/>
-        </a:buClr>
-        <a:buSzPct val="92000"/>
-        <a:buFont typeface="Wingdings 2" panose="05020102010507070707" pitchFamily="18" charset="2"/>
-        <a:buChar char=""/>
-        <a:defRPr sz="1700" kern="1200">
-          <a:solidFill>
-            <a:schemeClr val="tx1">
-              <a:lumMod val="75000"/>
-              <a:lumOff val="25000"/>
-            </a:schemeClr>
-          </a:solidFill>
-          <a:latin typeface="+mn-lt"/>
-          <a:ea typeface="+mn-ea"/>
-          <a:cs typeface="+mn-cs"/>
-        </a:defRPr>
-      </a:lvl1pPr>
-      <a:lvl2pPr marL="630000" indent="-306000" algn="l" defTabSz="457200" rtl="0" eaLnBrk="1" latinLnBrk="0" hangingPunct="1">
-        <a:spcBef>
-          <a:spcPct val="20000"/>
-        </a:spcBef>
-        <a:spcAft>
-          <a:spcPts val="600"/>
-        </a:spcAft>
-        <a:buClr>
-          <a:schemeClr val="accent1"/>
-        </a:buClr>
-        <a:buSzPct val="92000"/>
-        <a:buFont typeface="Wingdings 2" panose="05020102010507070707" pitchFamily="18" charset="2"/>
-        <a:buChar char=""/>
-        <a:defRPr sz="1400" kern="1200">
-          <a:solidFill>
-            <a:schemeClr val="tx1">
-              <a:lumMod val="75000"/>
-              <a:lumOff val="25000"/>
-            </a:schemeClr>
-          </a:solidFill>
-          <a:latin typeface="+mn-lt"/>
-          <a:ea typeface="+mn-ea"/>
-          <a:cs typeface="+mn-cs"/>
-        </a:defRPr>
-      </a:lvl2pPr>
-      <a:lvl3pPr marL="900000" indent="-270000" algn="l" defTabSz="457200" rtl="0" eaLnBrk="1" latinLnBrk="0" hangingPunct="1">
-        <a:spcBef>
-          <a:spcPct val="20000"/>
-        </a:spcBef>
-        <a:spcAft>
-          <a:spcPts val="600"/>
-        </a:spcAft>
-        <a:buClr>
-          <a:schemeClr val="accent1"/>
-        </a:buClr>
-        <a:buSzPct val="92000"/>
-        <a:buFont typeface="Wingdings 2" panose="05020102010507070707" pitchFamily="18" charset="2"/>
-        <a:buChar char=""/>
-        <a:defRPr sz="1300" kern="1200">
-          <a:solidFill>
-            <a:schemeClr val="tx1">
-              <a:lumMod val="75000"/>
-              <a:lumOff val="25000"/>
-            </a:schemeClr>
-          </a:solidFill>
-          <a:latin typeface="+mn-lt"/>
-          <a:ea typeface="+mn-ea"/>
-          <a:cs typeface="+mn-cs"/>
-        </a:defRPr>
-      </a:lvl3pPr>
-      <a:lvl4pPr marL="1242000" indent="-234000" algn="l" defTabSz="457200" rtl="0" eaLnBrk="1" latinLnBrk="0" hangingPunct="1">
-        <a:spcBef>
-          <a:spcPct val="20000"/>
-        </a:spcBef>
-        <a:spcAft>
-          <a:spcPts val="600"/>
-        </a:spcAft>
-        <a:buClr>
-          <a:schemeClr val="accent1"/>
-        </a:buClr>
-        <a:buSzPct val="92000"/>
-        <a:buFont typeface="Wingdings 2" panose="05020102010507070707" pitchFamily="18" charset="2"/>
-        <a:buChar char=""/>
-        <a:defRPr sz="1100" kern="1200">
-          <a:solidFill>
-            <a:schemeClr val="tx1">
-              <a:lumMod val="75000"/>
-              <a:lumOff val="25000"/>
-            </a:schemeClr>
-          </a:solidFill>
-          <a:latin typeface="+mn-lt"/>
-          <a:ea typeface="+mn-ea"/>
-          <a:cs typeface="+mn-cs"/>
-        </a:defRPr>
-      </a:lvl4pPr>
-      <a:lvl5pPr marL="1602000" indent="-234000" algn="l" defTabSz="457200" rtl="0" eaLnBrk="1" latinLnBrk="0" hangingPunct="1">
-        <a:spcBef>
-          <a:spcPct val="20000"/>
-        </a:spcBef>
-        <a:spcAft>
-          <a:spcPts val="600"/>
-        </a:spcAft>
-        <a:buClr>
-          <a:schemeClr val="accent1"/>
-        </a:buClr>
-        <a:buSzPct val="92000"/>
-        <a:buFont typeface="Wingdings 2" panose="05020102010507070707" pitchFamily="18" charset="2"/>
-        <a:buChar char=""/>
-        <a:defRPr sz="1100" kern="1200">
-          <a:solidFill>
-            <a:schemeClr val="tx1">
-              <a:lumMod val="75000"/>
-              <a:lumOff val="25000"/>
-            </a:schemeClr>
-          </a:solidFill>
-          <a:latin typeface="+mn-lt"/>
-          <a:ea typeface="+mn-ea"/>
-          <a:cs typeface="+mn-cs"/>
-        </a:defRPr>
-      </a:lvl5pPr>
-      <a:lvl6pPr marL="1900000" indent="-228600" algn="l" defTabSz="457200" rtl="0" eaLnBrk="1" latinLnBrk="0" hangingPunct="1">
-        <a:spcBef>
-          <a:spcPct val="20000"/>
-        </a:spcBef>
-        <a:spcAft>
-          <a:spcPts val="600"/>
-        </a:spcAft>
-        <a:buClr>
-          <a:schemeClr val="accent2"/>
-        </a:buClr>
-        <a:buSzPct val="92000"/>
-        <a:buFont typeface="Wingdings 2" panose="05020102010507070707" pitchFamily="18" charset="2"/>
-        <a:buChar char=""/>
-        <a:defRPr sz="1200" kern="1200">
-          <a:solidFill>
-            <a:schemeClr val="tx2"/>
-          </a:solidFill>
-          <a:latin typeface="+mn-lt"/>
-          <a:ea typeface="+mn-ea"/>
-          <a:cs typeface="+mn-cs"/>
-        </a:defRPr>
-      </a:lvl6pPr>
-      <a:lvl7pPr marL="2200000" indent="-228600" algn="l" defTabSz="457200" rtl="0" eaLnBrk="1" latinLnBrk="0" hangingPunct="1">
-        <a:spcBef>
-          <a:spcPct val="20000"/>
-        </a:spcBef>
-        <a:spcAft>
-          <a:spcPts val="600"/>
-        </a:spcAft>
-        <a:buClr>
-          <a:schemeClr val="accent2"/>
-        </a:buClr>
-        <a:buSzPct val="92000"/>
-        <a:buFont typeface="Wingdings 2" panose="05020102010507070707" pitchFamily="18" charset="2"/>
-        <a:buChar char=""/>
-        <a:defRPr sz="1200" kern="1200">
-          <a:solidFill>
-            <a:schemeClr val="tx2"/>
-          </a:solidFill>
-          <a:latin typeface="+mn-lt"/>
-          <a:ea typeface="+mn-ea"/>
-          <a:cs typeface="+mn-cs"/>
-        </a:defRPr>
-      </a:lvl7pPr>
-      <a:lvl8pPr marL="2500000" indent="-228600" algn="l" defTabSz="457200" rtl="0" eaLnBrk="1" latinLnBrk="0" hangingPunct="1">
-        <a:spcBef>
-          <a:spcPct val="20000"/>
-        </a:spcBef>
-        <a:spcAft>
-          <a:spcPts val="600"/>
-        </a:spcAft>
-        <a:buClr>
-          <a:schemeClr val="accent2"/>
-        </a:buClr>
-        <a:buSzPct val="92000"/>
-        <a:buFont typeface="Wingdings 2" panose="05020102010507070707" pitchFamily="18" charset="2"/>
-        <a:buChar char=""/>
-        <a:defRPr sz="1200" kern="1200">
-          <a:solidFill>
-            <a:schemeClr val="tx2"/>
-          </a:solidFill>
-          <a:latin typeface="+mn-lt"/>
-          <a:ea typeface="+mn-ea"/>
-          <a:cs typeface="+mn-cs"/>
-        </a:defRPr>
-      </a:lvl8pPr>
-      <a:lvl9pPr marL="2800000" indent="-228600" algn="l" defTabSz="457200" rtl="0" eaLnBrk="1" latinLnBrk="0" hangingPunct="1">
-        <a:spcBef>
-          <a:spcPct val="20000"/>
-        </a:spcBef>
-        <a:spcAft>
-          <a:spcPts val="600"/>
-        </a:spcAft>
-        <a:buClr>
-          <a:schemeClr val="accent2"/>
-        </a:buClr>
-        <a:buSzPct val="92000"/>
-        <a:buFont typeface="Wingdings 2" panose="05020102010507070707" pitchFamily="18" charset="2"/>
-        <a:buChar char=""/>
-        <a:defRPr sz="1200" kern="1200">
-          <a:solidFill>
-            <a:schemeClr val="tx2"/>
-          </a:solidFill>
-          <a:latin typeface="+mn-lt"/>
-          <a:ea typeface="+mn-ea"/>
-          <a:cs typeface="+mn-cs"/>
-        </a:defRPr>
-      </a:lvl9pPr>
-    </p:bodyStyle>
-    <p:otherStyle>
-      <a:defPPr>
-        <a:defRPr lang="en-US"/>
-      </a:defPPr>
-      <a:lvl1pPr marL="0" algn="l" defTabSz="457200" rtl="0" eaLnBrk="1" latinLnBrk="0" hangingPunct="1">
-        <a:defRPr sz="1800" kern="1200">
-          <a:solidFill>
-            <a:schemeClr val="tx1"/>
-          </a:solidFill>
-          <a:latin typeface="+mn-lt"/>
-          <a:ea typeface="+mn-ea"/>
-          <a:cs typeface="+mn-cs"/>
-        </a:defRPr>
-      </a:lvl1pPr>
-      <a:lvl2pPr marL="457200" algn="l" defTabSz="457200" rtl="0" eaLnBrk="1" latinLnBrk="0" hangingPunct="1">
-        <a:defRPr sz="1800" kern="1200">
-          <a:solidFill>
-            <a:schemeClr val="tx1"/>
-          </a:solidFill>
-          <a:latin typeface="+mn-lt"/>
-          <a:ea typeface="+mn-ea"/>
-          <a:cs typeface="+mn-cs"/>
-        </a:defRPr>
-      </a:lvl2pPr>
-      <a:lvl3pPr marL="914400" algn="l" defTabSz="457200" rtl="0" eaLnBrk="1" latinLnBrk="0" hangingPunct="1">
-        <a:defRPr sz="1800" kern="1200">
-          <a:solidFill>
-            <a:schemeClr val="tx1"/>
-          </a:solidFill>
-          <a:latin typeface="+mn-lt"/>
-          <a:ea typeface="+mn-ea"/>
-          <a:cs typeface="+mn-cs"/>
-        </a:defRPr>
-      </a:lvl3pPr>
-      <a:lvl4pPr marL="1371600" algn="l" defTabSz="457200" rtl="0" eaLnBrk="1" latinLnBrk="0" hangingPunct="1">
-        <a:defRPr sz="1800" kern="1200">
-          <a:solidFill>
-            <a:schemeClr val="tx1"/>
-          </a:solidFill>
-          <a:latin typeface="+mn-lt"/>
-          <a:ea typeface="+mn-ea"/>
-          <a:cs typeface="+mn-cs"/>
-        </a:defRPr>
-      </a:lvl4pPr>
-      <a:lvl5pPr marL="1828800" algn="l" defTabSz="457200" rtl="0" eaLnBrk="1" latinLnBrk="0" hangingPunct="1">
-        <a:defRPr sz="1800" kern="1200">
-          <a:solidFill>
-            <a:schemeClr val="tx1"/>
-          </a:solidFill>
-          <a:latin typeface="+mn-lt"/>
-          <a:ea typeface="+mn-ea"/>
-          <a:cs typeface="+mn-cs"/>
-        </a:defRPr>
-      </a:lvl5pPr>
-      <a:lvl6pPr marL="2286000" algn="l" defTabSz="457200" rtl="0" eaLnBrk="1" latinLnBrk="0" hangingPunct="1">
-        <a:defRPr sz="1800" kern="1200">
-          <a:solidFill>
-            <a:schemeClr val="tx1"/>
-          </a:solidFill>
-          <a:latin typeface="+mn-lt"/>
-          <a:ea typeface="+mn-ea"/>
-          <a:cs typeface="+mn-cs"/>
-        </a:defRPr>
-      </a:lvl6pPr>
-      <a:lvl7pPr marL="2743200" algn="l" defTabSz="457200" rtl="0" eaLnBrk="1" latinLnBrk="0" hangingPunct="1">
-        <a:defRPr sz="1800" kern="1200">
-          <a:solidFill>
-            <a:schemeClr val="tx1"/>
-          </a:solidFill>
-          <a:latin typeface="+mn-lt"/>
-          <a:ea typeface="+mn-ea"/>
-          <a:cs typeface="+mn-cs"/>
-        </a:defRPr>
-      </a:lvl7pPr>
-      <a:lvl8pPr marL="3200400" algn="l" defTabSz="457200" rtl="0" eaLnBrk="1" latinLnBrk="0" hangingPunct="1">
-        <a:defRPr sz="1800" kern="1200">
-          <a:solidFill>
-            <a:schemeClr val="tx1"/>
-          </a:solidFill>
-          <a:latin typeface="+mn-lt"/>
-          <a:ea typeface="+mn-ea"/>
-          <a:cs typeface="+mn-cs"/>
-        </a:defRPr>
-      </a:lvl8pPr>
-      <a:lvl9pPr marL="3657600" algn="l" defTabSz="457200" rtl="0" eaLnBrk="1" latinLnBrk="0" hangingPunct="1">
-        <a:defRPr sz="1800" kern="1200">
-          <a:solidFill>
-            <a:schemeClr val="tx1"/>
-          </a:solidFill>
-          <a:latin typeface="+mn-lt"/>
-          <a:ea typeface="+mn-ea"/>
-          <a:cs typeface="+mn-cs"/>
-        </a:defRPr>
-      </a:lvl9pPr>
-    </p:otherStyle>
-  </p:txStyles>
-</p:sldMaster>
-</file>
-
-<file path=ppt/slides/slide1.xml><?xml version="1.0" encoding="utf-8"?>
-<p:sld xmlns:a="http://schemas.openxmlformats.org/drawingml/2006/main" xmlns:r="http://schemas.openxmlformats.org/officeDocument/2006/relationships" xmlns:p="http://schemas.openxmlformats.org/presentationml/2006/main">
-  <p:cSld>
-    <p:bg>
-      <p:bgPr>
-        <a:solidFill>
-          <a:schemeClr val="bg1"/>
-        </a:solidFill>
-        <a:effectLst/>
-      </p:bgPr>
-    </p:bg>
-    <p:spTree>
-      <p:nvGrpSpPr>
-        <p:cNvPr id="1" name=""/>
-        <p:cNvGrpSpPr/>
-        <p:nvPr/>
-      </p:nvGrpSpPr>
-      <p:grpSpPr>
-        <a:xfrm>
-          <a:off x="0" y="0"/>
-          <a:ext cx="0" cy="0"/>
-          <a:chOff x="0" y="0"/>
-          <a:chExt cx="0" cy="0"/>
-        </a:xfrm>
-      </p:grpSpPr>
-      <p:sp useBgFill="1">
-        <p:nvSpPr>
-          <p:cNvPr id="44" name="Rectangle 37">
-            <a:extLst>
-              <a:ext uri="{FF2B5EF4-FFF2-40B4-BE49-F238E27FC236}">
-                <a16:creationId xmlns:a16="http://schemas.microsoft.com/office/drawing/2014/main" id="{6B695AA2-4B70-477F-AF90-536B720A1343}"/>
-              </a:ext>
-              <a:ext uri="{C183D7F6-B498-43B3-948B-1728B52AA6E4}">
-                <adec:decorative xmlns:adec="http://schemas.microsoft.com/office/drawing/2017/decorative" val="1"/>
-              </a:ext>
-            </a:extLst>
-          </p:cNvPr>
-          <p:cNvSpPr>
-            <a:spLocks noGrp="1" noRot="1" noChangeAspect="1" noMove="1" noResize="1" noEditPoints="1" noAdjustHandles="1" noChangeArrowheads="1" noChangeShapeType="1" noTextEdit="1"/>
-          </p:cNvSpPr>
-          <p:nvPr>
-            <p:extLst>
-              <p:ext uri="{386F3935-93C4-4BCD-93E2-E3B085C9AB24}">
-                <p16:designElem xmlns:p16="http://schemas.microsoft.com/office/powerpoint/2015/main" val="1"/>
-              </p:ext>
-            </p:extLst>
-          </p:nvPr>
-        </p:nvSpPr>
-        <p:spPr>
-          <a:xfrm>
-            <a:off x="0" y="0"/>
-            <a:ext cx="12192000" cy="6858000"/>
-          </a:xfrm>
-          <a:prstGeom prst="rect">
-            <a:avLst/>
-          </a:prstGeom>
+          <a:gradFill flip="none" rotWithShape="1">
+            <a:gsLst>
+              <a:gs pos="0">
+                <a:schemeClr val="bg2">
+                  <a:alpha val="0"/>
+                </a:schemeClr>
+              </a:gs>
+              <a:gs pos="100000">
+                <a:schemeClr val="bg2"/>
+              </a:gs>
+            </a:gsLst>
+            <a:lin ang="5400000" scaled="0"/>
+            <a:tileRect/>
+          </a:gradFill>
           <a:ln>
             <a:noFill/>
           </a:ln>
@@ -4578,44 +4315,661 @@
             <a:schemeClr val="lt1"/>
           </a:fontRef>
         </p:style>
-        <p:txBody>
-          <a:bodyPr rtlCol="0" anchor="ctr"/>
-          <a:lstStyle/>
-          <a:p>
-            <a:pPr marL="0" marR="0" lvl="0" indent="0" algn="ctr" defTabSz="914400" rtl="0" eaLnBrk="1" fontAlgn="auto" latinLnBrk="0" hangingPunct="1">
-              <a:lnSpc>
-                <a:spcPct val="100000"/>
-              </a:lnSpc>
-              <a:spcBef>
-                <a:spcPts val="0"/>
-              </a:spcBef>
-              <a:spcAft>
-                <a:spcPts val="0"/>
-              </a:spcAft>
-              <a:buClrTx/>
-              <a:buSzTx/>
-              <a:buFontTx/>
-              <a:buNone/>
-              <a:tabLst/>
-              <a:defRPr/>
-            </a:pPr>
-            <a:endParaRPr kumimoji="0" lang="en-US" sz="1800" b="0" i="0" u="none" strike="noStrike" kern="1200" cap="none" spc="0" normalizeH="0" baseline="0" noProof="0" dirty="0">
-              <a:ln>
-                <a:noFill/>
-              </a:ln>
-              <a:solidFill>
-                <a:prstClr val="white"/>
-              </a:solidFill>
-              <a:effectLst/>
-              <a:uLnTx/>
-              <a:uFillTx/>
-              <a:latin typeface="Franklin Gothic Book" panose="020B0502020104020203"/>
-              <a:ea typeface="+mn-ea"/>
-              <a:cs typeface="+mn-cs"/>
-            </a:endParaRPr>
-          </a:p>
-        </p:txBody>
-      </p:sp>
+      </p:sp>
+      <p:pic>
+        <p:nvPicPr>
+          <p:cNvPr id="7" name="Picture 6"/>
+          <p:cNvPicPr>
+            <a:picLocks noChangeAspect="1"/>
+          </p:cNvPicPr>
+          <p:nvPr/>
+        </p:nvPicPr>
+        <p:blipFill rotWithShape="1">
+          <a:blip r:embed="rId13">
+            <a:extLst>
+              <a:ext uri="{28A0092B-C50C-407E-A947-70E740481C1C}">
+                <a14:useLocalDpi xmlns:a14="http://schemas.microsoft.com/office/drawing/2010/main" val="0"/>
+              </a:ext>
+            </a:extLst>
+          </a:blip>
+          <a:srcRect t="1538" b="-1538"/>
+          <a:stretch/>
+        </p:blipFill>
+        <p:spPr bwMode="black">
+          <a:xfrm>
+            <a:off x="0" y="6126480"/>
+            <a:ext cx="12192000" cy="742950"/>
+          </a:xfrm>
+          <a:prstGeom prst="rect">
+            <a:avLst/>
+          </a:prstGeom>
+        </p:spPr>
+      </p:pic>
+      <p:sp>
+        <p:nvSpPr>
+          <p:cNvPr id="2" name="Title Placeholder 1"/>
+          <p:cNvSpPr>
+            <a:spLocks noGrp="1"/>
+          </p:cNvSpPr>
+          <p:nvPr>
+            <p:ph type="title"/>
+          </p:nvPr>
+        </p:nvSpPr>
+        <p:spPr>
+          <a:xfrm>
+            <a:off x="1451579" y="804519"/>
+            <a:ext cx="9603275" cy="1049235"/>
+          </a:xfrm>
+          <a:prstGeom prst="rect">
+            <a:avLst/>
+          </a:prstGeom>
+        </p:spPr>
+        <p:txBody>
+          <a:bodyPr vert="horz" lIns="91440" tIns="45720" rIns="91440" bIns="45720" rtlCol="0" anchor="t">
+            <a:normAutofit/>
+          </a:bodyPr>
+          <a:lstStyle/>
+          <a:p>
+            <a:r>
+              <a:rPr lang="en-US"/>
+              <a:t>Click to edit Master title style</a:t>
+            </a:r>
+            <a:endParaRPr lang="en-US" dirty="0"/>
+          </a:p>
+        </p:txBody>
+      </p:sp>
+      <p:sp>
+        <p:nvSpPr>
+          <p:cNvPr id="3" name="Text Placeholder 2"/>
+          <p:cNvSpPr>
+            <a:spLocks noGrp="1"/>
+          </p:cNvSpPr>
+          <p:nvPr>
+            <p:ph type="body" idx="1"/>
+          </p:nvPr>
+        </p:nvSpPr>
+        <p:spPr>
+          <a:xfrm>
+            <a:off x="1451579" y="2015732"/>
+            <a:ext cx="9603275" cy="3450613"/>
+          </a:xfrm>
+          <a:prstGeom prst="rect">
+            <a:avLst/>
+          </a:prstGeom>
+        </p:spPr>
+        <p:txBody>
+          <a:bodyPr vert="horz" lIns="91440" tIns="45720" rIns="91440" bIns="45720" rtlCol="0">
+            <a:normAutofit/>
+          </a:bodyPr>
+          <a:lstStyle/>
+          <a:p>
+            <a:pPr lvl="0"/>
+            <a:r>
+              <a:rPr lang="en-US"/>
+              <a:t>Click to edit Master text styles</a:t>
+            </a:r>
+          </a:p>
+          <a:p>
+            <a:pPr lvl="1"/>
+            <a:r>
+              <a:rPr lang="en-US"/>
+              <a:t>Second level</a:t>
+            </a:r>
+          </a:p>
+          <a:p>
+            <a:pPr lvl="2"/>
+            <a:r>
+              <a:rPr lang="en-US"/>
+              <a:t>Third level</a:t>
+            </a:r>
+          </a:p>
+          <a:p>
+            <a:pPr lvl="3"/>
+            <a:r>
+              <a:rPr lang="en-US"/>
+              <a:t>Fourth level</a:t>
+            </a:r>
+          </a:p>
+          <a:p>
+            <a:pPr lvl="4"/>
+            <a:r>
+              <a:rPr lang="en-US"/>
+              <a:t>Fifth level</a:t>
+            </a:r>
+            <a:endParaRPr lang="en-US" dirty="0"/>
+          </a:p>
+        </p:txBody>
+      </p:sp>
+      <p:sp>
+        <p:nvSpPr>
+          <p:cNvPr id="4" name="Date Placeholder 3"/>
+          <p:cNvSpPr>
+            <a:spLocks noGrp="1"/>
+          </p:cNvSpPr>
+          <p:nvPr>
+            <p:ph type="dt" sz="half" idx="2"/>
+          </p:nvPr>
+        </p:nvSpPr>
+        <p:spPr>
+          <a:xfrm>
+            <a:off x="7554138" y="330370"/>
+            <a:ext cx="3500715" cy="309201"/>
+          </a:xfrm>
+          <a:prstGeom prst="rect">
+            <a:avLst/>
+          </a:prstGeom>
+        </p:spPr>
+        <p:txBody>
+          <a:bodyPr vert="horz" lIns="91440" tIns="45720" rIns="91440" bIns="45720" rtlCol="0" anchor="ctr"/>
+          <a:lstStyle>
+            <a:lvl1pPr algn="r">
+              <a:defRPr sz="1000">
+                <a:solidFill>
+                  <a:schemeClr val="tx1">
+                    <a:tint val="75000"/>
+                  </a:schemeClr>
+                </a:solidFill>
+              </a:defRPr>
+            </a:lvl1pPr>
+          </a:lstStyle>
+          <a:p>
+            <a:fld id="{30903CCB-60D7-4D43-9F7D-8A1E4FCCE356}" type="datetime1">
+              <a:rPr lang="en-US" smtClean="0"/>
+              <a:t>5/9/2022</a:t>
+            </a:fld>
+            <a:endParaRPr lang="en-US" dirty="0"/>
+          </a:p>
+        </p:txBody>
+      </p:sp>
+      <p:sp>
+        <p:nvSpPr>
+          <p:cNvPr id="5" name="Footer Placeholder 4"/>
+          <p:cNvSpPr>
+            <a:spLocks noGrp="1"/>
+          </p:cNvSpPr>
+          <p:nvPr>
+            <p:ph type="ftr" sz="quarter" idx="3"/>
+          </p:nvPr>
+        </p:nvSpPr>
+        <p:spPr>
+          <a:xfrm>
+            <a:off x="1451579" y="329307"/>
+            <a:ext cx="5938836" cy="309201"/>
+          </a:xfrm>
+          <a:prstGeom prst="rect">
+            <a:avLst/>
+          </a:prstGeom>
+        </p:spPr>
+        <p:txBody>
+          <a:bodyPr vert="horz" lIns="91440" tIns="45720" rIns="91440" bIns="45720" rtlCol="0" anchor="ctr"/>
+          <a:lstStyle>
+            <a:lvl1pPr algn="l">
+              <a:defRPr sz="1000">
+                <a:solidFill>
+                  <a:schemeClr val="tx1">
+                    <a:tint val="75000"/>
+                  </a:schemeClr>
+                </a:solidFill>
+              </a:defRPr>
+            </a:lvl1pPr>
+          </a:lstStyle>
+          <a:p>
+            <a:endParaRPr lang="en-US" dirty="0"/>
+          </a:p>
+        </p:txBody>
+      </p:sp>
+      <p:sp>
+        <p:nvSpPr>
+          <p:cNvPr id="6" name="Slide Number Placeholder 5"/>
+          <p:cNvSpPr>
+            <a:spLocks noGrp="1"/>
+          </p:cNvSpPr>
+          <p:nvPr>
+            <p:ph type="sldNum" sz="quarter" idx="4"/>
+          </p:nvPr>
+        </p:nvSpPr>
+        <p:spPr>
+          <a:xfrm>
+            <a:off x="480060" y="798973"/>
+            <a:ext cx="811019" cy="503578"/>
+          </a:xfrm>
+          <a:prstGeom prst="rect">
+            <a:avLst/>
+          </a:prstGeom>
+        </p:spPr>
+        <p:txBody>
+          <a:bodyPr vert="horz" lIns="91440" tIns="45720" rIns="91440" bIns="45720" rtlCol="0" anchor="t"/>
+          <a:lstStyle>
+            <a:lvl1pPr algn="r">
+              <a:defRPr sz="2800">
+                <a:solidFill>
+                  <a:schemeClr val="accent1"/>
+                </a:solidFill>
+              </a:defRPr>
+            </a:lvl1pPr>
+          </a:lstStyle>
+          <a:p>
+            <a:fld id="{3A98EE3D-8CD1-4C3F-BD1C-C98C9596463C}" type="slidenum">
+              <a:rPr lang="en-US" smtClean="0"/>
+              <a:t>‹#›</a:t>
+            </a:fld>
+            <a:endParaRPr lang="en-US" dirty="0"/>
+          </a:p>
+        </p:txBody>
+      </p:sp>
+      <p:cxnSp>
+        <p:nvCxnSpPr>
+          <p:cNvPr id="10" name="Straight Connector 9"/>
+          <p:cNvCxnSpPr/>
+          <p:nvPr/>
+        </p:nvCxnSpPr>
+        <p:spPr>
+          <a:xfrm>
+            <a:off x="0" y="6128413"/>
+            <a:ext cx="12192000" cy="0"/>
+          </a:xfrm>
+          <a:prstGeom prst="line">
+            <a:avLst/>
+          </a:prstGeom>
+          <a:ln w="12700">
+            <a:solidFill>
+              <a:srgbClr val="000001">
+                <a:alpha val="20000"/>
+              </a:srgbClr>
+            </a:solidFill>
+          </a:ln>
+        </p:spPr>
+        <p:style>
+          <a:lnRef idx="1">
+            <a:schemeClr val="accent1"/>
+          </a:lnRef>
+          <a:fillRef idx="0">
+            <a:schemeClr val="accent1"/>
+          </a:fillRef>
+          <a:effectRef idx="0">
+            <a:schemeClr val="accent1"/>
+          </a:effectRef>
+          <a:fontRef idx="minor">
+            <a:schemeClr val="tx1"/>
+          </a:fontRef>
+        </p:style>
+      </p:cxnSp>
+    </p:spTree>
+    <p:extLst>
+      <p:ext uri="{BB962C8B-B14F-4D97-AF65-F5344CB8AC3E}">
+        <p14:creationId xmlns:p14="http://schemas.microsoft.com/office/powerpoint/2010/main" val="293848531"/>
+      </p:ext>
+    </p:extLst>
+  </p:cSld>
+  <p:clrMap bg1="lt1" tx1="dk1" bg2="lt2" tx2="dk2" accent1="accent1" accent2="accent2" accent3="accent3" accent4="accent4" accent5="accent5" accent6="accent6" hlink="hlink" folHlink="folHlink"/>
+  <p:sldLayoutIdLst>
+    <p:sldLayoutId id="2147483671" r:id="rId1"/>
+    <p:sldLayoutId id="2147483672" r:id="rId2"/>
+    <p:sldLayoutId id="2147483673" r:id="rId3"/>
+    <p:sldLayoutId id="2147483674" r:id="rId4"/>
+    <p:sldLayoutId id="2147483675" r:id="rId5"/>
+    <p:sldLayoutId id="2147483676" r:id="rId6"/>
+    <p:sldLayoutId id="2147483677" r:id="rId7"/>
+    <p:sldLayoutId id="2147483678" r:id="rId8"/>
+    <p:sldLayoutId id="2147483679" r:id="rId9"/>
+    <p:sldLayoutId id="2147483680" r:id="rId10"/>
+    <p:sldLayoutId id="2147483681" r:id="rId11"/>
+  </p:sldLayoutIdLst>
+  <p:hf hdr="0" ftr="0"/>
+  <p:txStyles>
+    <p:titleStyle>
+      <a:lvl1pPr algn="l" defTabSz="914400" rtl="0" eaLnBrk="1" latinLnBrk="0" hangingPunct="1">
+        <a:lnSpc>
+          <a:spcPct val="90000"/>
+        </a:lnSpc>
+        <a:spcBef>
+          <a:spcPct val="0"/>
+        </a:spcBef>
+        <a:buNone/>
+        <a:defRPr sz="3200" b="0" i="0" kern="1200" cap="all">
+          <a:solidFill>
+            <a:schemeClr val="tx1"/>
+          </a:solidFill>
+          <a:effectLst/>
+          <a:latin typeface="+mj-lt"/>
+          <a:ea typeface="+mj-ea"/>
+          <a:cs typeface="+mj-cs"/>
+        </a:defRPr>
+      </a:lvl1pPr>
+    </p:titleStyle>
+    <p:bodyStyle>
+      <a:lvl1pPr marL="228600" indent="-228600" algn="l" defTabSz="914400" rtl="0" eaLnBrk="1" latinLnBrk="0" hangingPunct="1">
+        <a:lnSpc>
+          <a:spcPct val="120000"/>
+        </a:lnSpc>
+        <a:spcBef>
+          <a:spcPts val="1000"/>
+        </a:spcBef>
+        <a:buClr>
+          <a:schemeClr val="accent1"/>
+        </a:buClr>
+        <a:buSzPct val="100000"/>
+        <a:buFont typeface="Arial" panose="020B0604020202020204" pitchFamily="34" charset="0"/>
+        <a:buChar char="•"/>
+        <a:defRPr sz="2000" kern="1200">
+          <a:solidFill>
+            <a:schemeClr val="tx1"/>
+          </a:solidFill>
+          <a:effectLst/>
+          <a:latin typeface="+mn-lt"/>
+          <a:ea typeface="+mn-ea"/>
+          <a:cs typeface="+mn-cs"/>
+        </a:defRPr>
+      </a:lvl1pPr>
+      <a:lvl2pPr marL="685800" indent="-228600" algn="l" defTabSz="914400" rtl="0" eaLnBrk="1" latinLnBrk="0" hangingPunct="1">
+        <a:lnSpc>
+          <a:spcPct val="120000"/>
+        </a:lnSpc>
+        <a:spcBef>
+          <a:spcPts val="500"/>
+        </a:spcBef>
+        <a:buClr>
+          <a:schemeClr val="accent1"/>
+        </a:buClr>
+        <a:buSzPct val="100000"/>
+        <a:buFont typeface="Arial" panose="020B0604020202020204" pitchFamily="34" charset="0"/>
+        <a:buChar char="•"/>
+        <a:defRPr sz="1800" kern="1200" cap="none" baseline="0">
+          <a:solidFill>
+            <a:schemeClr val="tx1"/>
+          </a:solidFill>
+          <a:effectLst/>
+          <a:latin typeface="+mn-lt"/>
+          <a:ea typeface="+mn-ea"/>
+          <a:cs typeface="+mn-cs"/>
+        </a:defRPr>
+      </a:lvl2pPr>
+      <a:lvl3pPr marL="1143000" indent="-228600" algn="l" defTabSz="914400" rtl="0" eaLnBrk="1" latinLnBrk="0" hangingPunct="1">
+        <a:lnSpc>
+          <a:spcPct val="120000"/>
+        </a:lnSpc>
+        <a:spcBef>
+          <a:spcPts val="500"/>
+        </a:spcBef>
+        <a:buClr>
+          <a:schemeClr val="accent1"/>
+        </a:buClr>
+        <a:buSzPct val="100000"/>
+        <a:buFont typeface="Arial" panose="020B0604020202020204" pitchFamily="34" charset="0"/>
+        <a:buChar char="•"/>
+        <a:defRPr sz="1600" kern="1200">
+          <a:solidFill>
+            <a:schemeClr val="tx1"/>
+          </a:solidFill>
+          <a:effectLst/>
+          <a:latin typeface="+mn-lt"/>
+          <a:ea typeface="+mn-ea"/>
+          <a:cs typeface="+mn-cs"/>
+        </a:defRPr>
+      </a:lvl3pPr>
+      <a:lvl4pPr marL="1600200" indent="-228600" algn="l" defTabSz="914400" rtl="0" eaLnBrk="1" latinLnBrk="0" hangingPunct="1">
+        <a:lnSpc>
+          <a:spcPct val="120000"/>
+        </a:lnSpc>
+        <a:spcBef>
+          <a:spcPts val="500"/>
+        </a:spcBef>
+        <a:buClr>
+          <a:schemeClr val="accent1"/>
+        </a:buClr>
+        <a:buSzPct val="100000"/>
+        <a:buFont typeface="Arial" panose="020B0604020202020204" pitchFamily="34" charset="0"/>
+        <a:buChar char="•"/>
+        <a:defRPr sz="1400" kern="1200" cap="none" baseline="0">
+          <a:solidFill>
+            <a:schemeClr val="tx1"/>
+          </a:solidFill>
+          <a:effectLst/>
+          <a:latin typeface="+mn-lt"/>
+          <a:ea typeface="+mn-ea"/>
+          <a:cs typeface="+mn-cs"/>
+        </a:defRPr>
+      </a:lvl4pPr>
+      <a:lvl5pPr marL="2057400" indent="-228600" algn="l" defTabSz="914400" rtl="0" eaLnBrk="1" latinLnBrk="0" hangingPunct="1">
+        <a:lnSpc>
+          <a:spcPct val="120000"/>
+        </a:lnSpc>
+        <a:spcBef>
+          <a:spcPts val="500"/>
+        </a:spcBef>
+        <a:buClr>
+          <a:schemeClr val="accent1"/>
+        </a:buClr>
+        <a:buSzPct val="100000"/>
+        <a:buFont typeface="Arial" panose="020B0604020202020204" pitchFamily="34" charset="0"/>
+        <a:buChar char="•"/>
+        <a:defRPr sz="1200" kern="1200">
+          <a:solidFill>
+            <a:schemeClr val="tx1"/>
+          </a:solidFill>
+          <a:effectLst/>
+          <a:latin typeface="+mn-lt"/>
+          <a:ea typeface="+mn-ea"/>
+          <a:cs typeface="+mn-cs"/>
+        </a:defRPr>
+      </a:lvl5pPr>
+      <a:lvl6pPr marL="2514600" indent="-228600" algn="l" defTabSz="914400" rtl="0" eaLnBrk="1" latinLnBrk="0" hangingPunct="1">
+        <a:lnSpc>
+          <a:spcPct val="120000"/>
+        </a:lnSpc>
+        <a:spcBef>
+          <a:spcPts val="500"/>
+        </a:spcBef>
+        <a:buClr>
+          <a:schemeClr val="accent1"/>
+        </a:buClr>
+        <a:buSzPct val="100000"/>
+        <a:buFont typeface="Arial" panose="020B0604020202020204" pitchFamily="34" charset="0"/>
+        <a:buChar char="•"/>
+        <a:defRPr sz="1200" kern="1200">
+          <a:solidFill>
+            <a:schemeClr val="tx1"/>
+          </a:solidFill>
+          <a:effectLst/>
+          <a:latin typeface="+mn-lt"/>
+          <a:ea typeface="+mn-ea"/>
+          <a:cs typeface="+mn-cs"/>
+        </a:defRPr>
+      </a:lvl6pPr>
+      <a:lvl7pPr marL="2971800" indent="-228600" algn="l" defTabSz="914400" rtl="0" eaLnBrk="1" latinLnBrk="0" hangingPunct="1">
+        <a:lnSpc>
+          <a:spcPct val="120000"/>
+        </a:lnSpc>
+        <a:spcBef>
+          <a:spcPts val="500"/>
+        </a:spcBef>
+        <a:buClr>
+          <a:schemeClr val="accent1"/>
+        </a:buClr>
+        <a:buSzPct val="100000"/>
+        <a:buFont typeface="Arial" panose="020B0604020202020204" pitchFamily="34" charset="0"/>
+        <a:buChar char="•"/>
+        <a:defRPr sz="1200" kern="1200">
+          <a:solidFill>
+            <a:schemeClr val="tx1"/>
+          </a:solidFill>
+          <a:effectLst/>
+          <a:latin typeface="+mn-lt"/>
+          <a:ea typeface="+mn-ea"/>
+          <a:cs typeface="+mn-cs"/>
+        </a:defRPr>
+      </a:lvl7pPr>
+      <a:lvl8pPr marL="3429000" indent="-228600" algn="l" defTabSz="914400" rtl="0" eaLnBrk="1" latinLnBrk="0" hangingPunct="1">
+        <a:lnSpc>
+          <a:spcPct val="120000"/>
+        </a:lnSpc>
+        <a:spcBef>
+          <a:spcPts val="500"/>
+        </a:spcBef>
+        <a:buClr>
+          <a:schemeClr val="accent1"/>
+        </a:buClr>
+        <a:buSzPct val="100000"/>
+        <a:buFont typeface="Arial" panose="020B0604020202020204" pitchFamily="34" charset="0"/>
+        <a:buChar char="•"/>
+        <a:defRPr sz="1200" kern="1200" baseline="0">
+          <a:solidFill>
+            <a:schemeClr val="tx1"/>
+          </a:solidFill>
+          <a:effectLst/>
+          <a:latin typeface="+mn-lt"/>
+          <a:ea typeface="+mn-ea"/>
+          <a:cs typeface="+mn-cs"/>
+        </a:defRPr>
+      </a:lvl8pPr>
+      <a:lvl9pPr marL="3886200" indent="-228600" algn="l" defTabSz="914400" rtl="0" eaLnBrk="1" latinLnBrk="0" hangingPunct="1">
+        <a:lnSpc>
+          <a:spcPct val="120000"/>
+        </a:lnSpc>
+        <a:spcBef>
+          <a:spcPts val="500"/>
+        </a:spcBef>
+        <a:buClr>
+          <a:schemeClr val="accent1"/>
+        </a:buClr>
+        <a:buSzPct val="100000"/>
+        <a:buFont typeface="Arial" panose="020B0604020202020204" pitchFamily="34" charset="0"/>
+        <a:buChar char="•"/>
+        <a:defRPr sz="1200" kern="1200" baseline="0">
+          <a:solidFill>
+            <a:schemeClr val="tx1"/>
+          </a:solidFill>
+          <a:effectLst/>
+          <a:latin typeface="+mn-lt"/>
+          <a:ea typeface="+mn-ea"/>
+          <a:cs typeface="+mn-cs"/>
+        </a:defRPr>
+      </a:lvl9pPr>
+    </p:bodyStyle>
+    <p:otherStyle>
+      <a:defPPr>
+        <a:defRPr lang="en-US"/>
+      </a:defPPr>
+      <a:lvl1pPr marL="0" algn="l" defTabSz="914400" rtl="0" eaLnBrk="1" latinLnBrk="0" hangingPunct="1">
+        <a:defRPr sz="1800" kern="1200">
+          <a:solidFill>
+            <a:schemeClr val="tx1"/>
+          </a:solidFill>
+          <a:latin typeface="+mn-lt"/>
+          <a:ea typeface="+mn-ea"/>
+          <a:cs typeface="+mn-cs"/>
+        </a:defRPr>
+      </a:lvl1pPr>
+      <a:lvl2pPr marL="457200" algn="l" defTabSz="914400" rtl="0" eaLnBrk="1" latinLnBrk="0" hangingPunct="1">
+        <a:defRPr sz="1800" kern="1200">
+          <a:solidFill>
+            <a:schemeClr val="tx1"/>
+          </a:solidFill>
+          <a:latin typeface="+mn-lt"/>
+          <a:ea typeface="+mn-ea"/>
+          <a:cs typeface="+mn-cs"/>
+        </a:defRPr>
+      </a:lvl2pPr>
+      <a:lvl3pPr marL="914400" algn="l" defTabSz="914400" rtl="0" eaLnBrk="1" latinLnBrk="0" hangingPunct="1">
+        <a:defRPr sz="1800" kern="1200">
+          <a:solidFill>
+            <a:schemeClr val="tx1"/>
+          </a:solidFill>
+          <a:latin typeface="+mn-lt"/>
+          <a:ea typeface="+mn-ea"/>
+          <a:cs typeface="+mn-cs"/>
+        </a:defRPr>
+      </a:lvl3pPr>
+      <a:lvl4pPr marL="1371600" algn="l" defTabSz="914400" rtl="0" eaLnBrk="1" latinLnBrk="0" hangingPunct="1">
+        <a:defRPr sz="1800" kern="1200">
+          <a:solidFill>
+            <a:schemeClr val="tx1"/>
+          </a:solidFill>
+          <a:latin typeface="+mn-lt"/>
+          <a:ea typeface="+mn-ea"/>
+          <a:cs typeface="+mn-cs"/>
+        </a:defRPr>
+      </a:lvl4pPr>
+      <a:lvl5pPr marL="1828800" algn="l" defTabSz="914400" rtl="0" eaLnBrk="1" latinLnBrk="0" hangingPunct="1">
+        <a:defRPr sz="1800" kern="1200">
+          <a:solidFill>
+            <a:schemeClr val="tx1"/>
+          </a:solidFill>
+          <a:latin typeface="+mn-lt"/>
+          <a:ea typeface="+mn-ea"/>
+          <a:cs typeface="+mn-cs"/>
+        </a:defRPr>
+      </a:lvl5pPr>
+      <a:lvl6pPr marL="2286000" algn="l" defTabSz="914400" rtl="0" eaLnBrk="1" latinLnBrk="0" hangingPunct="1">
+        <a:defRPr sz="1800" kern="1200">
+          <a:solidFill>
+            <a:schemeClr val="tx1"/>
+          </a:solidFill>
+          <a:latin typeface="+mn-lt"/>
+          <a:ea typeface="+mn-ea"/>
+          <a:cs typeface="+mn-cs"/>
+        </a:defRPr>
+      </a:lvl6pPr>
+      <a:lvl7pPr marL="2743200" algn="l" defTabSz="914400" rtl="0" eaLnBrk="1" latinLnBrk="0" hangingPunct="1">
+        <a:defRPr sz="1800" kern="1200">
+          <a:solidFill>
+            <a:schemeClr val="tx1"/>
+          </a:solidFill>
+          <a:latin typeface="+mn-lt"/>
+          <a:ea typeface="+mn-ea"/>
+          <a:cs typeface="+mn-cs"/>
+        </a:defRPr>
+      </a:lvl7pPr>
+      <a:lvl8pPr marL="3200400" algn="l" defTabSz="914400" rtl="0" eaLnBrk="1" latinLnBrk="0" hangingPunct="1">
+        <a:defRPr sz="1800" kern="1200">
+          <a:solidFill>
+            <a:schemeClr val="tx1"/>
+          </a:solidFill>
+          <a:latin typeface="+mn-lt"/>
+          <a:ea typeface="+mn-ea"/>
+          <a:cs typeface="+mn-cs"/>
+        </a:defRPr>
+      </a:lvl8pPr>
+      <a:lvl9pPr marL="3657600" algn="l" defTabSz="914400" rtl="0" eaLnBrk="1" latinLnBrk="0" hangingPunct="1">
+        <a:defRPr sz="1800" kern="1200">
+          <a:solidFill>
+            <a:schemeClr val="tx1"/>
+          </a:solidFill>
+          <a:latin typeface="+mn-lt"/>
+          <a:ea typeface="+mn-ea"/>
+          <a:cs typeface="+mn-cs"/>
+        </a:defRPr>
+      </a:lvl9pPr>
+    </p:otherStyle>
+  </p:txStyles>
+</p:sldMaster>
+</file>
+
+<file path=ppt/slides/slide1.xml><?xml version="1.0" encoding="utf-8"?>
+<p:sld xmlns:a="http://schemas.openxmlformats.org/drawingml/2006/main" xmlns:r="http://schemas.openxmlformats.org/officeDocument/2006/relationships" xmlns:p="http://schemas.openxmlformats.org/presentationml/2006/main" showMasterSp="0">
+  <p:cSld>
+    <p:bg>
+      <p:bgPr>
+        <a:solidFill>
+          <a:srgbClr val="FFCC66"/>
+        </a:solidFill>
+        <a:effectLst/>
+      </p:bgPr>
+    </p:bg>
+    <p:spTree>
+      <p:nvGrpSpPr>
+        <p:cNvPr id="1" name=""/>
+        <p:cNvGrpSpPr/>
+        <p:nvPr/>
+      </p:nvGrpSpPr>
+      <p:grpSpPr>
+        <a:xfrm>
+          <a:off x="0" y="0"/>
+          <a:ext cx="0" cy="0"/>
+          <a:chOff x="0" y="0"/>
+          <a:chExt cx="0" cy="0"/>
+        </a:xfrm>
+      </p:grpSpPr>
       <p:pic>
         <p:nvPicPr>
           <p:cNvPr id="8" name="Picture 7" descr="A dog looking at the camera">
@@ -4631,7 +4985,7 @@
           <p:nvPr/>
         </p:nvPicPr>
         <p:blipFill rotWithShape="1">
-          <a:blip r:embed="rId3">
+          <a:blip r:embed="rId2">
             <a:alphaModFix amt="40000"/>
             <a:extLst>
               <a:ext uri="{28A0092B-C50C-407E-A947-70E740481C1C}">
@@ -4639,13 +4993,13 @@
               </a:ext>
             </a:extLst>
           </a:blip>
-          <a:srcRect/>
+          <a:srcRect t="16677"/>
           <a:stretch/>
         </p:blipFill>
         <p:spPr>
           <a:xfrm>
-            <a:off x="20" y="10"/>
-            <a:ext cx="12191980" cy="6857990"/>
+            <a:off x="0" y="0"/>
+            <a:ext cx="12191980" cy="4876800"/>
           </a:xfrm>
           <a:prstGeom prst="rect">
             <a:avLst/>
@@ -4670,13 +5024,13 @@
         </p:nvSpPr>
         <p:spPr>
           <a:xfrm>
-            <a:off x="1065869" y="549788"/>
-            <a:ext cx="10225530" cy="867092"/>
+            <a:off x="0" y="5565557"/>
+            <a:ext cx="8116399" cy="637309"/>
           </a:xfrm>
         </p:spPr>
         <p:txBody>
           <a:bodyPr>
-            <a:normAutofit/>
+            <a:normAutofit fontScale="90000"/>
           </a:bodyPr>
           <a:lstStyle/>
           <a:p>
@@ -4684,11 +5038,43 @@
             <a:r>
               <a:rPr lang="en-US" sz="4000" dirty="0">
                 <a:solidFill>
-                  <a:schemeClr val="tx1"/>
+                  <a:schemeClr val="bg1">
+                    <a:lumMod val="75000"/>
+                    <a:lumOff val="25000"/>
+                  </a:schemeClr>
                 </a:solidFill>
               </a:rPr>
               <a:t>Team 1: Bad dog woodshop</a:t>
             </a:r>
+            <a:br>
+              <a:rPr lang="en-US" sz="4000" dirty="0">
+                <a:solidFill>
+                  <a:schemeClr val="bg1">
+                    <a:lumMod val="75000"/>
+                    <a:lumOff val="25000"/>
+                  </a:schemeClr>
+                </a:solidFill>
+              </a:rPr>
+            </a:br>
+            <a:r>
+              <a:rPr lang="en-US" sz="2700" dirty="0">
+                <a:solidFill>
+                  <a:schemeClr val="bg1">
+                    <a:lumMod val="75000"/>
+                    <a:lumOff val="25000"/>
+                  </a:schemeClr>
+                </a:solidFill>
+              </a:rPr>
+              <a:t>Final project presentation, 5/11/2022</a:t>
+            </a:r>
+            <a:endParaRPr lang="en-US" sz="4000" dirty="0">
+              <a:solidFill>
+                <a:schemeClr val="bg1">
+                  <a:lumMod val="75000"/>
+                  <a:lumOff val="25000"/>
+                </a:schemeClr>
+              </a:solidFill>
+            </a:endParaRPr>
           </a:p>
         </p:txBody>
       </p:sp>
@@ -4710,27 +5096,23 @@
         </p:nvSpPr>
         <p:spPr>
           <a:xfrm>
-            <a:off x="436694" y="3699235"/>
-            <a:ext cx="3728906" cy="2608977"/>
+            <a:off x="8357076" y="4876800"/>
+            <a:ext cx="3728906" cy="1974396"/>
           </a:xfrm>
         </p:spPr>
         <p:txBody>
           <a:bodyPr>
-            <a:normAutofit lnSpcReduction="10000"/>
+            <a:normAutofit fontScale="92500" lnSpcReduction="20000"/>
           </a:bodyPr>
           <a:lstStyle/>
-          <a:p>
-            <a:endParaRPr lang="en-US" sz="1600" dirty="0">
-              <a:solidFill>
-                <a:schemeClr val="tx1"/>
-              </a:solidFill>
-            </a:endParaRPr>
-          </a:p>
           <a:p>
             <a:r>
               <a:rPr lang="en-US" sz="3500" dirty="0">
                 <a:solidFill>
-                  <a:schemeClr val="tx1"/>
+                  <a:schemeClr val="bg1">
+                    <a:lumMod val="75000"/>
+                    <a:lumOff val="25000"/>
+                  </a:schemeClr>
                 </a:solidFill>
               </a:rPr>
               <a:t>Zaira perez</a:t>
@@ -4740,7 +5122,10 @@
             <a:r>
               <a:rPr lang="en-US" sz="3500" dirty="0">
                 <a:solidFill>
-                  <a:schemeClr val="tx1"/>
+                  <a:schemeClr val="bg1">
+                    <a:lumMod val="75000"/>
+                    <a:lumOff val="25000"/>
+                  </a:schemeClr>
                 </a:solidFill>
               </a:rPr>
               <a:t>Carlie smith</a:t>
@@ -4750,7 +5135,10 @@
             <a:r>
               <a:rPr lang="en-US" sz="3500" dirty="0">
                 <a:solidFill>
-                  <a:schemeClr val="tx1"/>
+                  <a:schemeClr val="bg1">
+                    <a:lumMod val="75000"/>
+                    <a:lumOff val="25000"/>
+                  </a:schemeClr>
                 </a:solidFill>
               </a:rPr>
               <a:t>Justin vanhaven</a:t>
@@ -4839,7 +5227,12 @@
             <p:ph idx="1"/>
           </p:nvPr>
         </p:nvSpPr>
-        <p:spPr/>
+        <p:spPr>
+          <a:xfrm>
+            <a:off x="1451579" y="2340864"/>
+            <a:ext cx="9603275" cy="3125481"/>
+          </a:xfrm>
+        </p:spPr>
         <p:txBody>
           <a:bodyPr/>
           <a:lstStyle/>
@@ -4871,9 +5264,9 @@
             </a:r>
             <a:r>
               <a:rPr lang="en-US" sz="2000" dirty="0">
-                <a:hlinkClick r:id="rId4"/>
+                <a:hlinkClick r:id="rId3"/>
               </a:rPr>
-              <a:t>www.baddogwoodshop.com</a:t>
+              <a:t>www.BadDogWoodshop.com</a:t>
             </a:r>
             <a:r>
               <a:rPr lang="en-US" sz="2000" dirty="0"/>
@@ -4882,6 +5275,77 @@
           </a:p>
           <a:p>
             <a:endParaRPr lang="en-US" dirty="0"/>
+          </a:p>
+        </p:txBody>
+      </p:sp>
+      <p:sp>
+        <p:nvSpPr>
+          <p:cNvPr id="8" name="Date Placeholder 7">
+            <a:extLst>
+              <a:ext uri="{FF2B5EF4-FFF2-40B4-BE49-F238E27FC236}">
+                <a16:creationId xmlns:a16="http://schemas.microsoft.com/office/drawing/2014/main" id="{0225A38C-01DC-AF58-7E92-02055F90BE30}"/>
+              </a:ext>
+            </a:extLst>
+          </p:cNvPr>
+          <p:cNvSpPr>
+            <a:spLocks noGrp="1"/>
+          </p:cNvSpPr>
+          <p:nvPr>
+            <p:ph type="dt" sz="half" idx="10"/>
+          </p:nvPr>
+        </p:nvSpPr>
+        <p:spPr/>
+        <p:txBody>
+          <a:bodyPr/>
+          <a:lstStyle/>
+          <a:p>
+            <a:fld id="{6C330050-6E9C-4973-9DE5-6203BC3166BF}" type="datetime1">
+              <a:rPr lang="en-US" sz="1100" smtClean="0">
+                <a:solidFill>
+                  <a:srgbClr val="FF0000"/>
+                </a:solidFill>
+              </a:rPr>
+              <a:t>5/9/2022</a:t>
+            </a:fld>
+            <a:endParaRPr lang="en-US" dirty="0">
+              <a:solidFill>
+                <a:srgbClr val="FF0000"/>
+              </a:solidFill>
+            </a:endParaRPr>
+          </a:p>
+        </p:txBody>
+      </p:sp>
+      <p:sp>
+        <p:nvSpPr>
+          <p:cNvPr id="9" name="Slide Number Placeholder 8">
+            <a:extLst>
+              <a:ext uri="{FF2B5EF4-FFF2-40B4-BE49-F238E27FC236}">
+                <a16:creationId xmlns:a16="http://schemas.microsoft.com/office/drawing/2014/main" id="{F6A7A84A-A1D9-7670-33EB-790C1EBD8FAF}"/>
+              </a:ext>
+            </a:extLst>
+          </p:cNvPr>
+          <p:cNvSpPr>
+            <a:spLocks noGrp="1"/>
+          </p:cNvSpPr>
+          <p:nvPr>
+            <p:ph type="sldNum" sz="quarter" idx="12"/>
+          </p:nvPr>
+        </p:nvSpPr>
+        <p:spPr>
+          <a:xfrm>
+            <a:off x="11054853" y="5504448"/>
+            <a:ext cx="811019" cy="503578"/>
+          </a:xfrm>
+        </p:spPr>
+        <p:txBody>
+          <a:bodyPr/>
+          <a:lstStyle/>
+          <a:p>
+            <a:fld id="{3A98EE3D-8CD1-4C3F-BD1C-C98C9596463C}" type="slidenum">
+              <a:rPr lang="en-US" sz="1100" smtClean="0"/>
+              <a:t>2</a:t>
+            </a:fld>
+            <a:endParaRPr lang="en-US" sz="1100" dirty="0"/>
           </a:p>
         </p:txBody>
       </p:sp>
@@ -4900,7 +5364,7 @@
           <p:nvPr/>
         </p:nvPicPr>
         <p:blipFill>
-          <a:blip r:embed="rId5"/>
+          <a:blip r:embed="rId4"/>
           <a:stretch>
             <a:fillRect/>
           </a:stretch>
@@ -4915,64 +5379,6 @@
           </a:prstGeom>
         </p:spPr>
       </p:pic>
-      <p:sp>
-        <p:nvSpPr>
-          <p:cNvPr id="8" name="Date Placeholder 7">
-            <a:extLst>
-              <a:ext uri="{FF2B5EF4-FFF2-40B4-BE49-F238E27FC236}">
-                <a16:creationId xmlns:a16="http://schemas.microsoft.com/office/drawing/2014/main" id="{0225A38C-01DC-AF58-7E92-02055F90BE30}"/>
-              </a:ext>
-            </a:extLst>
-          </p:cNvPr>
-          <p:cNvSpPr>
-            <a:spLocks noGrp="1"/>
-          </p:cNvSpPr>
-          <p:nvPr>
-            <p:ph type="dt" sz="half" idx="10"/>
-          </p:nvPr>
-        </p:nvSpPr>
-        <p:spPr/>
-        <p:txBody>
-          <a:bodyPr/>
-          <a:lstStyle/>
-          <a:p>
-            <a:fld id="{6C330050-6E9C-4973-9DE5-6203BC3166BF}" type="datetime1">
-              <a:rPr lang="en-US" sz="1100" smtClean="0"/>
-              <a:t>5/9/2022</a:t>
-            </a:fld>
-            <a:endParaRPr lang="en-US" dirty="0"/>
-          </a:p>
-        </p:txBody>
-      </p:sp>
-      <p:sp>
-        <p:nvSpPr>
-          <p:cNvPr id="9" name="Slide Number Placeholder 8">
-            <a:extLst>
-              <a:ext uri="{FF2B5EF4-FFF2-40B4-BE49-F238E27FC236}">
-                <a16:creationId xmlns:a16="http://schemas.microsoft.com/office/drawing/2014/main" id="{F6A7A84A-A1D9-7670-33EB-790C1EBD8FAF}"/>
-              </a:ext>
-            </a:extLst>
-          </p:cNvPr>
-          <p:cNvSpPr>
-            <a:spLocks noGrp="1"/>
-          </p:cNvSpPr>
-          <p:nvPr>
-            <p:ph type="sldNum" sz="quarter" idx="12"/>
-          </p:nvPr>
-        </p:nvSpPr>
-        <p:spPr/>
-        <p:txBody>
-          <a:bodyPr/>
-          <a:lstStyle/>
-          <a:p>
-            <a:fld id="{3A98EE3D-8CD1-4C3F-BD1C-C98C9596463C}" type="slidenum">
-              <a:rPr lang="en-US" sz="1100" smtClean="0"/>
-              <a:t>2</a:t>
-            </a:fld>
-            <a:endParaRPr lang="en-US" sz="1100" dirty="0"/>
-          </a:p>
-        </p:txBody>
-      </p:sp>
     </p:spTree>
     <p:extLst>
       <p:ext uri="{BB962C8B-B14F-4D97-AF65-F5344CB8AC3E}">
@@ -5053,35 +5459,755 @@
           <a:lstStyle/>
           <a:p>
             <a:r>
+              <a:rPr lang="en-US" sz="2000" dirty="0"/>
+              <a:t>Inventory site for wood products</a:t>
+            </a:r>
+          </a:p>
+          <a:p>
+            <a:r>
+              <a:rPr lang="en-US" sz="2000" dirty="0"/>
+              <a:t>Motivation – site for actual business</a:t>
+            </a:r>
+          </a:p>
+          <a:p>
+            <a:r>
+              <a:rPr lang="en-US" sz="2000" dirty="0"/>
+              <a:t>Ability to order – use Stripe for purchases</a:t>
+            </a:r>
+          </a:p>
+          <a:p>
+            <a:r>
+              <a:rPr lang="en-US" sz="2000" dirty="0"/>
+              <a:t>Modal for custom orders/contact</a:t>
+            </a:r>
+          </a:p>
+          <a:p>
+            <a:r>
+              <a:rPr lang="en-US" sz="2000" dirty="0"/>
+              <a:t>As a woodshop owner, I would like a website that prospective customers can visit to get an idea of what is possible so that I can accept orders for inventoried products or contact them for custom orders.</a:t>
+            </a:r>
+          </a:p>
+          <a:p>
+            <a:endParaRPr lang="en-US" dirty="0"/>
+          </a:p>
+        </p:txBody>
+      </p:sp>
+      <p:sp>
+        <p:nvSpPr>
+          <p:cNvPr id="8" name="Date Placeholder 7">
+            <a:extLst>
+              <a:ext uri="{FF2B5EF4-FFF2-40B4-BE49-F238E27FC236}">
+                <a16:creationId xmlns:a16="http://schemas.microsoft.com/office/drawing/2014/main" id="{0225A38C-01DC-AF58-7E92-02055F90BE30}"/>
+              </a:ext>
+            </a:extLst>
+          </p:cNvPr>
+          <p:cNvSpPr>
+            <a:spLocks noGrp="1"/>
+          </p:cNvSpPr>
+          <p:nvPr>
+            <p:ph type="dt" sz="half" idx="10"/>
+          </p:nvPr>
+        </p:nvSpPr>
+        <p:spPr/>
+        <p:txBody>
+          <a:bodyPr/>
+          <a:lstStyle/>
+          <a:p>
+            <a:fld id="{06BD3843-EC40-4B40-8EA7-FB9314932519}" type="datetime1">
+              <a:rPr lang="en-US" sz="1050" smtClean="0">
+                <a:solidFill>
+                  <a:srgbClr val="FF0000"/>
+                </a:solidFill>
+              </a:rPr>
+              <a:t>5/9/2022</a:t>
+            </a:fld>
+            <a:endParaRPr lang="en-US" dirty="0">
+              <a:solidFill>
+                <a:srgbClr val="FF0000"/>
+              </a:solidFill>
+            </a:endParaRPr>
+          </a:p>
+        </p:txBody>
+      </p:sp>
+      <p:sp>
+        <p:nvSpPr>
+          <p:cNvPr id="9" name="Slide Number Placeholder 8">
+            <a:extLst>
+              <a:ext uri="{FF2B5EF4-FFF2-40B4-BE49-F238E27FC236}">
+                <a16:creationId xmlns:a16="http://schemas.microsoft.com/office/drawing/2014/main" id="{F6A7A84A-A1D9-7670-33EB-790C1EBD8FAF}"/>
+              </a:ext>
+            </a:extLst>
+          </p:cNvPr>
+          <p:cNvSpPr>
+            <a:spLocks noGrp="1"/>
+          </p:cNvSpPr>
+          <p:nvPr>
+            <p:ph type="sldNum" sz="quarter" idx="12"/>
+          </p:nvPr>
+        </p:nvSpPr>
+        <p:spPr>
+          <a:xfrm>
+            <a:off x="11054853" y="5567022"/>
+            <a:ext cx="811019" cy="503578"/>
+          </a:xfrm>
+        </p:spPr>
+        <p:txBody>
+          <a:bodyPr/>
+          <a:lstStyle/>
+          <a:p>
+            <a:fld id="{3A98EE3D-8CD1-4C3F-BD1C-C98C9596463C}" type="slidenum">
+              <a:rPr lang="en-US" sz="1100" smtClean="0"/>
+              <a:t>3</a:t>
+            </a:fld>
+            <a:endParaRPr lang="en-US" sz="1100" dirty="0"/>
+          </a:p>
+        </p:txBody>
+      </p:sp>
+      <p:pic>
+        <p:nvPicPr>
+          <p:cNvPr id="7" name="Picture 6">
+            <a:extLst>
+              <a:ext uri="{FF2B5EF4-FFF2-40B4-BE49-F238E27FC236}">
+                <a16:creationId xmlns:a16="http://schemas.microsoft.com/office/drawing/2014/main" id="{9B163992-30E1-EE4C-F299-8AF01D9A3D05}"/>
+              </a:ext>
+            </a:extLst>
+          </p:cNvPr>
+          <p:cNvPicPr>
+            <a:picLocks noChangeAspect="1"/>
+          </p:cNvPicPr>
+          <p:nvPr/>
+        </p:nvPicPr>
+        <p:blipFill>
+          <a:blip r:embed="rId3"/>
+          <a:stretch>
+            <a:fillRect/>
+          </a:stretch>
+        </p:blipFill>
+        <p:spPr>
+          <a:xfrm>
+            <a:off x="10038687" y="880364"/>
+            <a:ext cx="1572120" cy="1460500"/>
+          </a:xfrm>
+          <a:prstGeom prst="rect">
+            <a:avLst/>
+          </a:prstGeom>
+        </p:spPr>
+      </p:pic>
+    </p:spTree>
+    <p:extLst>
+      <p:ext uri="{BB962C8B-B14F-4D97-AF65-F5344CB8AC3E}">
+        <p14:creationId xmlns:p14="http://schemas.microsoft.com/office/powerpoint/2010/main" val="3847961372"/>
+      </p:ext>
+    </p:extLst>
+  </p:cSld>
+  <p:clrMapOvr>
+    <a:masterClrMapping/>
+  </p:clrMapOvr>
+</p:sld>
+</file>
+
+<file path=ppt/slides/slide4.xml><?xml version="1.0" encoding="utf-8"?>
+<p:sld xmlns:a="http://schemas.openxmlformats.org/drawingml/2006/main" xmlns:r="http://schemas.openxmlformats.org/officeDocument/2006/relationships" xmlns:p="http://schemas.openxmlformats.org/presentationml/2006/main">
+  <p:cSld>
+    <p:spTree>
+      <p:nvGrpSpPr>
+        <p:cNvPr id="1" name=""/>
+        <p:cNvGrpSpPr/>
+        <p:nvPr/>
+      </p:nvGrpSpPr>
+      <p:grpSpPr>
+        <a:xfrm>
+          <a:off x="0" y="0"/>
+          <a:ext cx="0" cy="0"/>
+          <a:chOff x="0" y="0"/>
+          <a:chExt cx="0" cy="0"/>
+        </a:xfrm>
+      </p:grpSpPr>
+      <p:sp>
+        <p:nvSpPr>
+          <p:cNvPr id="2" name="Title 1">
+            <a:extLst>
+              <a:ext uri="{FF2B5EF4-FFF2-40B4-BE49-F238E27FC236}">
+                <a16:creationId xmlns:a16="http://schemas.microsoft.com/office/drawing/2014/main" id="{E52D4D1E-BA60-4A23-8EBC-1159C82F9571}"/>
+              </a:ext>
+            </a:extLst>
+          </p:cNvPr>
+          <p:cNvSpPr>
+            <a:spLocks noGrp="1"/>
+          </p:cNvSpPr>
+          <p:nvPr>
+            <p:ph type="title"/>
+          </p:nvPr>
+        </p:nvSpPr>
+        <p:spPr/>
+        <p:txBody>
+          <a:bodyPr/>
+          <a:lstStyle/>
+          <a:p>
+            <a:r>
               <a:rPr lang="en-US" dirty="0"/>
-              <a:t>Inventory site for wood products</a:t>
-            </a:r>
-          </a:p>
+              <a:t>Process</a:t>
+            </a:r>
+          </a:p>
+        </p:txBody>
+      </p:sp>
+      <p:sp>
+        <p:nvSpPr>
+          <p:cNvPr id="4" name="Content Placeholder 3">
+            <a:extLst>
+              <a:ext uri="{FF2B5EF4-FFF2-40B4-BE49-F238E27FC236}">
+                <a16:creationId xmlns:a16="http://schemas.microsoft.com/office/drawing/2014/main" id="{F7A2391F-37A6-75DA-6C9F-AFEEF859D389}"/>
+              </a:ext>
+            </a:extLst>
+          </p:cNvPr>
+          <p:cNvSpPr>
+            <a:spLocks noGrp="1"/>
+          </p:cNvSpPr>
+          <p:nvPr>
+            <p:ph idx="1"/>
+          </p:nvPr>
+        </p:nvSpPr>
+        <p:spPr/>
+        <p:txBody>
+          <a:bodyPr>
+            <a:normAutofit lnSpcReduction="10000"/>
+          </a:bodyPr>
+          <a:lstStyle/>
+          <a:p>
+            <a:r>
+              <a:rPr lang="en-US" sz="2000" dirty="0"/>
+              <a:t>Technologies used:</a:t>
+            </a:r>
+          </a:p>
+          <a:p>
+            <a:pPr lvl="1"/>
+            <a:r>
+              <a:rPr lang="en-US" sz="1800" dirty="0" err="1"/>
+              <a:t>GraphQL</a:t>
+            </a:r>
+            <a:r>
+              <a:rPr lang="en-US" sz="1800" dirty="0"/>
+              <a:t>, Mongoose, MongoDB, React</a:t>
+            </a:r>
+          </a:p>
+          <a:p>
+            <a:r>
+              <a:rPr lang="en-US" sz="2000" dirty="0"/>
+              <a:t>Breakdown of tasks and roles: ALL IN!</a:t>
+            </a:r>
+          </a:p>
+          <a:p>
+            <a:pPr lvl="1"/>
+            <a:r>
+              <a:rPr lang="en-US" sz="1800" dirty="0"/>
+              <a:t>We collaborated on design and code.  Most of our sessions were in single-coder format.</a:t>
+            </a:r>
+          </a:p>
+          <a:p>
+            <a:r>
+              <a:rPr lang="en-US" sz="2000" dirty="0"/>
+              <a:t>Challenges:</a:t>
+            </a:r>
+          </a:p>
+          <a:p>
+            <a:pPr lvl="1"/>
+            <a:r>
+              <a:rPr lang="en-US" sz="1800" dirty="0"/>
+              <a:t>Design, getting seeded inventory to display on Home page</a:t>
+            </a:r>
+          </a:p>
+          <a:p>
+            <a:r>
+              <a:rPr lang="en-US" sz="2000" dirty="0"/>
+              <a:t>Successes:</a:t>
+            </a:r>
+          </a:p>
+          <a:p>
+            <a:pPr lvl="1"/>
+            <a:r>
+              <a:rPr lang="en-US" sz="1800" dirty="0"/>
+              <a:t>Moved forward at all times.  Used faker and actual seeds together.</a:t>
+            </a:r>
+          </a:p>
+        </p:txBody>
+      </p:sp>
+      <p:sp>
+        <p:nvSpPr>
+          <p:cNvPr id="8" name="Date Placeholder 7">
+            <a:extLst>
+              <a:ext uri="{FF2B5EF4-FFF2-40B4-BE49-F238E27FC236}">
+                <a16:creationId xmlns:a16="http://schemas.microsoft.com/office/drawing/2014/main" id="{0225A38C-01DC-AF58-7E92-02055F90BE30}"/>
+              </a:ext>
+            </a:extLst>
+          </p:cNvPr>
+          <p:cNvSpPr>
+            <a:spLocks noGrp="1"/>
+          </p:cNvSpPr>
+          <p:nvPr>
+            <p:ph type="dt" sz="half" idx="10"/>
+          </p:nvPr>
+        </p:nvSpPr>
+        <p:spPr/>
+        <p:txBody>
+          <a:bodyPr/>
+          <a:lstStyle/>
+          <a:p>
+            <a:fld id="{021C9F59-1328-4359-933A-2FFBBD3ECFB7}" type="datetime1">
+              <a:rPr lang="en-US" sz="1100" smtClean="0">
+                <a:solidFill>
+                  <a:srgbClr val="FF0000"/>
+                </a:solidFill>
+              </a:rPr>
+              <a:t>5/9/2022</a:t>
+            </a:fld>
+            <a:endParaRPr lang="en-US" dirty="0">
+              <a:solidFill>
+                <a:srgbClr val="FF0000"/>
+              </a:solidFill>
+            </a:endParaRPr>
+          </a:p>
+        </p:txBody>
+      </p:sp>
+      <p:sp>
+        <p:nvSpPr>
+          <p:cNvPr id="9" name="Slide Number Placeholder 8">
+            <a:extLst>
+              <a:ext uri="{FF2B5EF4-FFF2-40B4-BE49-F238E27FC236}">
+                <a16:creationId xmlns:a16="http://schemas.microsoft.com/office/drawing/2014/main" id="{F6A7A84A-A1D9-7670-33EB-790C1EBD8FAF}"/>
+              </a:ext>
+            </a:extLst>
+          </p:cNvPr>
+          <p:cNvSpPr>
+            <a:spLocks noGrp="1"/>
+          </p:cNvSpPr>
+          <p:nvPr>
+            <p:ph type="sldNum" sz="quarter" idx="12"/>
+          </p:nvPr>
+        </p:nvSpPr>
+        <p:spPr>
+          <a:xfrm>
+            <a:off x="11054853" y="5628323"/>
+            <a:ext cx="811019" cy="503578"/>
+          </a:xfrm>
+        </p:spPr>
+        <p:txBody>
+          <a:bodyPr/>
+          <a:lstStyle/>
+          <a:p>
+            <a:fld id="{3A98EE3D-8CD1-4C3F-BD1C-C98C9596463C}" type="slidenum">
+              <a:rPr lang="en-US" sz="1100" smtClean="0"/>
+              <a:t>4</a:t>
+            </a:fld>
+            <a:endParaRPr lang="en-US" dirty="0"/>
+          </a:p>
+        </p:txBody>
+      </p:sp>
+      <p:pic>
+        <p:nvPicPr>
+          <p:cNvPr id="7" name="Picture 6">
+            <a:extLst>
+              <a:ext uri="{FF2B5EF4-FFF2-40B4-BE49-F238E27FC236}">
+                <a16:creationId xmlns:a16="http://schemas.microsoft.com/office/drawing/2014/main" id="{9B163992-30E1-EE4C-F299-8AF01D9A3D05}"/>
+              </a:ext>
+            </a:extLst>
+          </p:cNvPr>
+          <p:cNvPicPr>
+            <a:picLocks noChangeAspect="1"/>
+          </p:cNvPicPr>
+          <p:nvPr/>
+        </p:nvPicPr>
+        <p:blipFill>
+          <a:blip r:embed="rId3"/>
+          <a:stretch>
+            <a:fillRect/>
+          </a:stretch>
+        </p:blipFill>
+        <p:spPr>
+          <a:xfrm>
+            <a:off x="10038687" y="880364"/>
+            <a:ext cx="1572120" cy="1460500"/>
+          </a:xfrm>
+          <a:prstGeom prst="rect">
+            <a:avLst/>
+          </a:prstGeom>
+        </p:spPr>
+      </p:pic>
+    </p:spTree>
+    <p:extLst>
+      <p:ext uri="{BB962C8B-B14F-4D97-AF65-F5344CB8AC3E}">
+        <p14:creationId xmlns:p14="http://schemas.microsoft.com/office/powerpoint/2010/main" val="3945171099"/>
+      </p:ext>
+    </p:extLst>
+  </p:cSld>
+  <p:clrMapOvr>
+    <a:masterClrMapping/>
+  </p:clrMapOvr>
+</p:sld>
+</file>
+
+<file path=ppt/slides/slide5.xml><?xml version="1.0" encoding="utf-8"?>
+<p:sld xmlns:a="http://schemas.openxmlformats.org/drawingml/2006/main" xmlns:r="http://schemas.openxmlformats.org/officeDocument/2006/relationships" xmlns:p="http://schemas.openxmlformats.org/presentationml/2006/main">
+  <p:cSld>
+    <p:spTree>
+      <p:nvGrpSpPr>
+        <p:cNvPr id="1" name=""/>
+        <p:cNvGrpSpPr/>
+        <p:nvPr/>
+      </p:nvGrpSpPr>
+      <p:grpSpPr>
+        <a:xfrm>
+          <a:off x="0" y="0"/>
+          <a:ext cx="0" cy="0"/>
+          <a:chOff x="0" y="0"/>
+          <a:chExt cx="0" cy="0"/>
+        </a:xfrm>
+      </p:grpSpPr>
+      <p:sp>
+        <p:nvSpPr>
+          <p:cNvPr id="2" name="Title 1">
+            <a:extLst>
+              <a:ext uri="{FF2B5EF4-FFF2-40B4-BE49-F238E27FC236}">
+                <a16:creationId xmlns:a16="http://schemas.microsoft.com/office/drawing/2014/main" id="{E52D4D1E-BA60-4A23-8EBC-1159C82F9571}"/>
+              </a:ext>
+            </a:extLst>
+          </p:cNvPr>
+          <p:cNvSpPr>
+            <a:spLocks noGrp="1"/>
+          </p:cNvSpPr>
+          <p:nvPr>
+            <p:ph type="title"/>
+          </p:nvPr>
+        </p:nvSpPr>
+        <p:spPr/>
+        <p:txBody>
+          <a:bodyPr/>
+          <a:lstStyle/>
           <a:p>
             <a:r>
               <a:rPr lang="en-US" dirty="0"/>
-              <a:t>Motivation – site for actual business</a:t>
-            </a:r>
-          </a:p>
+              <a:t>Demonstration</a:t>
+            </a:r>
+          </a:p>
+        </p:txBody>
+      </p:sp>
+      <p:sp>
+        <p:nvSpPr>
+          <p:cNvPr id="8" name="Date Placeholder 7">
+            <a:extLst>
+              <a:ext uri="{FF2B5EF4-FFF2-40B4-BE49-F238E27FC236}">
+                <a16:creationId xmlns:a16="http://schemas.microsoft.com/office/drawing/2014/main" id="{0225A38C-01DC-AF58-7E92-02055F90BE30}"/>
+              </a:ext>
+            </a:extLst>
+          </p:cNvPr>
+          <p:cNvSpPr>
+            <a:spLocks noGrp="1"/>
+          </p:cNvSpPr>
+          <p:nvPr>
+            <p:ph type="dt" sz="half" idx="10"/>
+          </p:nvPr>
+        </p:nvSpPr>
+        <p:spPr/>
+        <p:txBody>
+          <a:bodyPr/>
+          <a:lstStyle/>
+          <a:p>
+            <a:fld id="{9B9809C3-8B86-4841-8A50-762E2335F71C}" type="datetime1">
+              <a:rPr lang="en-US" sz="1200" smtClean="0">
+                <a:solidFill>
+                  <a:srgbClr val="FF0000"/>
+                </a:solidFill>
+              </a:rPr>
+              <a:t>5/9/2022</a:t>
+            </a:fld>
+            <a:endParaRPr lang="en-US" dirty="0">
+              <a:solidFill>
+                <a:srgbClr val="FF0000"/>
+              </a:solidFill>
+            </a:endParaRPr>
+          </a:p>
+        </p:txBody>
+      </p:sp>
+      <p:sp>
+        <p:nvSpPr>
+          <p:cNvPr id="9" name="Slide Number Placeholder 8">
+            <a:extLst>
+              <a:ext uri="{FF2B5EF4-FFF2-40B4-BE49-F238E27FC236}">
+                <a16:creationId xmlns:a16="http://schemas.microsoft.com/office/drawing/2014/main" id="{F6A7A84A-A1D9-7670-33EB-790C1EBD8FAF}"/>
+              </a:ext>
+            </a:extLst>
+          </p:cNvPr>
+          <p:cNvSpPr>
+            <a:spLocks noGrp="1"/>
+          </p:cNvSpPr>
+          <p:nvPr>
+            <p:ph type="sldNum" sz="quarter" idx="12"/>
+          </p:nvPr>
+        </p:nvSpPr>
+        <p:spPr>
+          <a:xfrm>
+            <a:off x="11054853" y="5592422"/>
+            <a:ext cx="811019" cy="503578"/>
+          </a:xfrm>
+        </p:spPr>
+        <p:txBody>
+          <a:bodyPr/>
+          <a:lstStyle/>
+          <a:p>
+            <a:fld id="{3A98EE3D-8CD1-4C3F-BD1C-C98C9596463C}" type="slidenum">
+              <a:rPr lang="en-US" sz="1100" smtClean="0"/>
+              <a:t>5</a:t>
+            </a:fld>
+            <a:endParaRPr lang="en-US" dirty="0"/>
+          </a:p>
+        </p:txBody>
+      </p:sp>
+      <p:pic>
+        <p:nvPicPr>
+          <p:cNvPr id="7" name="Picture 6">
+            <a:extLst>
+              <a:ext uri="{FF2B5EF4-FFF2-40B4-BE49-F238E27FC236}">
+                <a16:creationId xmlns:a16="http://schemas.microsoft.com/office/drawing/2014/main" id="{9B163992-30E1-EE4C-F299-8AF01D9A3D05}"/>
+              </a:ext>
+            </a:extLst>
+          </p:cNvPr>
+          <p:cNvPicPr>
+            <a:picLocks noChangeAspect="1"/>
+          </p:cNvPicPr>
+          <p:nvPr/>
+        </p:nvPicPr>
+        <p:blipFill>
+          <a:blip r:embed="rId3"/>
+          <a:stretch>
+            <a:fillRect/>
+          </a:stretch>
+        </p:blipFill>
+        <p:spPr>
+          <a:xfrm>
+            <a:off x="10038687" y="880364"/>
+            <a:ext cx="1572120" cy="1460500"/>
+          </a:xfrm>
+          <a:prstGeom prst="rect">
+            <a:avLst/>
+          </a:prstGeom>
+        </p:spPr>
+      </p:pic>
+    </p:spTree>
+    <p:extLst>
+      <p:ext uri="{BB962C8B-B14F-4D97-AF65-F5344CB8AC3E}">
+        <p14:creationId xmlns:p14="http://schemas.microsoft.com/office/powerpoint/2010/main" val="292201189"/>
+      </p:ext>
+    </p:extLst>
+  </p:cSld>
+  <p:clrMapOvr>
+    <a:masterClrMapping/>
+  </p:clrMapOvr>
+</p:sld>
+</file>
+
+<file path=ppt/slides/slide6.xml><?xml version="1.0" encoding="utf-8"?>
+<p:sld xmlns:a="http://schemas.openxmlformats.org/drawingml/2006/main" xmlns:r="http://schemas.openxmlformats.org/officeDocument/2006/relationships" xmlns:p="http://schemas.openxmlformats.org/presentationml/2006/main">
+  <p:cSld>
+    <p:spTree>
+      <p:nvGrpSpPr>
+        <p:cNvPr id="1" name=""/>
+        <p:cNvGrpSpPr/>
+        <p:nvPr/>
+      </p:nvGrpSpPr>
+      <p:grpSpPr>
+        <a:xfrm>
+          <a:off x="0" y="0"/>
+          <a:ext cx="0" cy="0"/>
+          <a:chOff x="0" y="0"/>
+          <a:chExt cx="0" cy="0"/>
+        </a:xfrm>
+      </p:grpSpPr>
+      <p:sp>
+        <p:nvSpPr>
+          <p:cNvPr id="2" name="Title 1">
+            <a:extLst>
+              <a:ext uri="{FF2B5EF4-FFF2-40B4-BE49-F238E27FC236}">
+                <a16:creationId xmlns:a16="http://schemas.microsoft.com/office/drawing/2014/main" id="{E52D4D1E-BA60-4A23-8EBC-1159C82F9571}"/>
+              </a:ext>
+            </a:extLst>
+          </p:cNvPr>
+          <p:cNvSpPr>
+            <a:spLocks noGrp="1"/>
+          </p:cNvSpPr>
+          <p:nvPr>
+            <p:ph type="title"/>
+          </p:nvPr>
+        </p:nvSpPr>
+        <p:spPr/>
+        <p:txBody>
+          <a:bodyPr/>
+          <a:lstStyle/>
           <a:p>
             <a:r>
               <a:rPr lang="en-US" dirty="0"/>
-              <a:t>Ability to order – use Stripe for purchases</a:t>
-            </a:r>
-          </a:p>
-          <a:p>
-            <a:r>
-              <a:rPr lang="en-US" dirty="0"/>
-              <a:t>Modal for custom orders/contact</a:t>
-            </a:r>
-          </a:p>
-          <a:p>
-            <a:r>
-              <a:rPr lang="en-US" dirty="0"/>
-              <a:t>As a woodshop owner, I would like a website that prospective customers can visit to get an idea of what is possible so that I can accept orders for inventoried products or contact them for custom orders.</a:t>
-            </a:r>
-          </a:p>
-          <a:p>
+              <a:t>Future development &amp; links</a:t>
+            </a:r>
+          </a:p>
+        </p:txBody>
+      </p:sp>
+      <p:sp>
+        <p:nvSpPr>
+          <p:cNvPr id="4" name="Content Placeholder 3">
+            <a:extLst>
+              <a:ext uri="{FF2B5EF4-FFF2-40B4-BE49-F238E27FC236}">
+                <a16:creationId xmlns:a16="http://schemas.microsoft.com/office/drawing/2014/main" id="{F7A2391F-37A6-75DA-6C9F-AFEEF859D389}"/>
+              </a:ext>
+            </a:extLst>
+          </p:cNvPr>
+          <p:cNvSpPr>
+            <a:spLocks noGrp="1"/>
+          </p:cNvSpPr>
+          <p:nvPr>
+            <p:ph idx="1"/>
+          </p:nvPr>
+        </p:nvSpPr>
+        <p:spPr/>
+        <p:txBody>
+          <a:bodyPr>
+            <a:normAutofit/>
+          </a:bodyPr>
+          <a:lstStyle/>
+          <a:p>
+            <a:r>
+              <a:rPr lang="en-US" sz="2000" dirty="0"/>
+              <a:t>We would want to refine the design</a:t>
+            </a:r>
+          </a:p>
+          <a:p>
+            <a:r>
+              <a:rPr lang="en-US" sz="2000" dirty="0"/>
+              <a:t>Include multiple payment options: </a:t>
+            </a:r>
+            <a:r>
+              <a:rPr lang="en-US" sz="2000" dirty="0" err="1"/>
+              <a:t>ApplePay</a:t>
+            </a:r>
+            <a:r>
+              <a:rPr lang="en-US" sz="2000" dirty="0"/>
+              <a:t>, </a:t>
+            </a:r>
+            <a:r>
+              <a:rPr lang="en-US" sz="2000" dirty="0" err="1"/>
+              <a:t>GooglePay</a:t>
+            </a:r>
+            <a:r>
+              <a:rPr lang="en-US" sz="2000" dirty="0"/>
+              <a:t>, PayPal, Venmo</a:t>
+            </a:r>
+          </a:p>
+          <a:p>
+            <a:pPr marL="0" indent="0">
+              <a:buNone/>
+            </a:pPr>
+            <a:r>
+              <a:rPr lang="en-US" sz="2000" dirty="0"/>
+              <a:t>    ~~~~~~~~~~~~~~~~~~~~~~~~~~~~~~~~~~~~~~~~~~~~~~~~~~~~~~~~~~~~~~~~~~~~~</a:t>
+            </a:r>
+          </a:p>
+          <a:p>
+            <a:r>
+              <a:rPr lang="en-US" sz="2000" dirty="0"/>
+              <a:t>Links:</a:t>
+            </a:r>
+          </a:p>
+          <a:p>
+            <a:pPr lvl="1"/>
+            <a:r>
+              <a:rPr lang="en-US" sz="1800" dirty="0" err="1"/>
+              <a:t>Github</a:t>
+            </a:r>
+            <a:r>
+              <a:rPr lang="en-US" sz="1800" dirty="0"/>
+              <a:t>: </a:t>
+            </a:r>
+            <a:r>
+              <a:rPr lang="en-US" sz="1800" dirty="0">
+                <a:hlinkClick r:id="rId3"/>
+              </a:rPr>
+              <a:t>https://github.com/doctordutch/project3.git</a:t>
+            </a:r>
+            <a:endParaRPr lang="en-US" sz="1800" dirty="0"/>
+          </a:p>
+          <a:p>
+            <a:pPr lvl="1"/>
+            <a:r>
+              <a:rPr lang="en-US" sz="1800" dirty="0"/>
+              <a:t>Heroku: </a:t>
+            </a:r>
+          </a:p>
+        </p:txBody>
+      </p:sp>
+      <p:sp>
+        <p:nvSpPr>
+          <p:cNvPr id="8" name="Date Placeholder 7">
+            <a:extLst>
+              <a:ext uri="{FF2B5EF4-FFF2-40B4-BE49-F238E27FC236}">
+                <a16:creationId xmlns:a16="http://schemas.microsoft.com/office/drawing/2014/main" id="{0225A38C-01DC-AF58-7E92-02055F90BE30}"/>
+              </a:ext>
+            </a:extLst>
+          </p:cNvPr>
+          <p:cNvSpPr>
+            <a:spLocks noGrp="1"/>
+          </p:cNvSpPr>
+          <p:nvPr>
+            <p:ph type="dt" sz="half" idx="10"/>
+          </p:nvPr>
+        </p:nvSpPr>
+        <p:spPr/>
+        <p:txBody>
+          <a:bodyPr/>
+          <a:lstStyle/>
+          <a:p>
+            <a:fld id="{9B9809C3-8B86-4841-8A50-762E2335F71C}" type="datetime1">
+              <a:rPr lang="en-US" sz="1200" smtClean="0">
+                <a:solidFill>
+                  <a:srgbClr val="FF0000"/>
+                </a:solidFill>
+              </a:rPr>
+              <a:t>5/9/2022</a:t>
+            </a:fld>
+            <a:endParaRPr lang="en-US" dirty="0">
+              <a:solidFill>
+                <a:srgbClr val="FF0000"/>
+              </a:solidFill>
+            </a:endParaRPr>
+          </a:p>
+        </p:txBody>
+      </p:sp>
+      <p:sp>
+        <p:nvSpPr>
+          <p:cNvPr id="9" name="Slide Number Placeholder 8">
+            <a:extLst>
+              <a:ext uri="{FF2B5EF4-FFF2-40B4-BE49-F238E27FC236}">
+                <a16:creationId xmlns:a16="http://schemas.microsoft.com/office/drawing/2014/main" id="{F6A7A84A-A1D9-7670-33EB-790C1EBD8FAF}"/>
+              </a:ext>
+            </a:extLst>
+          </p:cNvPr>
+          <p:cNvSpPr>
+            <a:spLocks noGrp="1"/>
+          </p:cNvSpPr>
+          <p:nvPr>
+            <p:ph type="sldNum" sz="quarter" idx="12"/>
+          </p:nvPr>
+        </p:nvSpPr>
+        <p:spPr>
+          <a:xfrm>
+            <a:off x="11054853" y="5628323"/>
+            <a:ext cx="811019" cy="503578"/>
+          </a:xfrm>
+        </p:spPr>
+        <p:txBody>
+          <a:bodyPr/>
+          <a:lstStyle/>
+          <a:p>
+            <a:fld id="{3A98EE3D-8CD1-4C3F-BD1C-C98C9596463C}" type="slidenum">
+              <a:rPr lang="en-US" sz="1100" smtClean="0"/>
+              <a:t>6</a:t>
+            </a:fld>
             <a:endParaRPr lang="en-US" dirty="0"/>
           </a:p>
         </p:txBody>
@@ -5116,651 +6242,6 @@
           </a:prstGeom>
         </p:spPr>
       </p:pic>
-      <p:sp>
-        <p:nvSpPr>
-          <p:cNvPr id="8" name="Date Placeholder 7">
-            <a:extLst>
-              <a:ext uri="{FF2B5EF4-FFF2-40B4-BE49-F238E27FC236}">
-                <a16:creationId xmlns:a16="http://schemas.microsoft.com/office/drawing/2014/main" id="{0225A38C-01DC-AF58-7E92-02055F90BE30}"/>
-              </a:ext>
-            </a:extLst>
-          </p:cNvPr>
-          <p:cNvSpPr>
-            <a:spLocks noGrp="1"/>
-          </p:cNvSpPr>
-          <p:nvPr>
-            <p:ph type="dt" sz="half" idx="10"/>
-          </p:nvPr>
-        </p:nvSpPr>
-        <p:spPr/>
-        <p:txBody>
-          <a:bodyPr/>
-          <a:lstStyle/>
-          <a:p>
-            <a:fld id="{06BD3843-EC40-4B40-8EA7-FB9314932519}" type="datetime1">
-              <a:rPr lang="en-US" sz="1050" smtClean="0"/>
-              <a:t>5/9/2022</a:t>
-            </a:fld>
-            <a:endParaRPr lang="en-US" dirty="0"/>
-          </a:p>
-        </p:txBody>
-      </p:sp>
-      <p:sp>
-        <p:nvSpPr>
-          <p:cNvPr id="9" name="Slide Number Placeholder 8">
-            <a:extLst>
-              <a:ext uri="{FF2B5EF4-FFF2-40B4-BE49-F238E27FC236}">
-                <a16:creationId xmlns:a16="http://schemas.microsoft.com/office/drawing/2014/main" id="{F6A7A84A-A1D9-7670-33EB-790C1EBD8FAF}"/>
-              </a:ext>
-            </a:extLst>
-          </p:cNvPr>
-          <p:cNvSpPr>
-            <a:spLocks noGrp="1"/>
-          </p:cNvSpPr>
-          <p:nvPr>
-            <p:ph type="sldNum" sz="quarter" idx="12"/>
-          </p:nvPr>
-        </p:nvSpPr>
-        <p:spPr/>
-        <p:txBody>
-          <a:bodyPr/>
-          <a:lstStyle/>
-          <a:p>
-            <a:fld id="{3A98EE3D-8CD1-4C3F-BD1C-C98C9596463C}" type="slidenum">
-              <a:rPr lang="en-US" sz="1100" smtClean="0"/>
-              <a:t>3</a:t>
-            </a:fld>
-            <a:endParaRPr lang="en-US" sz="1100" dirty="0"/>
-          </a:p>
-        </p:txBody>
-      </p:sp>
-    </p:spTree>
-    <p:extLst>
-      <p:ext uri="{BB962C8B-B14F-4D97-AF65-F5344CB8AC3E}">
-        <p14:creationId xmlns:p14="http://schemas.microsoft.com/office/powerpoint/2010/main" val="3847961372"/>
-      </p:ext>
-    </p:extLst>
-  </p:cSld>
-  <p:clrMapOvr>
-    <a:masterClrMapping/>
-  </p:clrMapOvr>
-</p:sld>
-</file>
-
-<file path=ppt/slides/slide4.xml><?xml version="1.0" encoding="utf-8"?>
-<p:sld xmlns:a="http://schemas.openxmlformats.org/drawingml/2006/main" xmlns:r="http://schemas.openxmlformats.org/officeDocument/2006/relationships" xmlns:p="http://schemas.openxmlformats.org/presentationml/2006/main">
-  <p:cSld>
-    <p:spTree>
-      <p:nvGrpSpPr>
-        <p:cNvPr id="1" name=""/>
-        <p:cNvGrpSpPr/>
-        <p:nvPr/>
-      </p:nvGrpSpPr>
-      <p:grpSpPr>
-        <a:xfrm>
-          <a:off x="0" y="0"/>
-          <a:ext cx="0" cy="0"/>
-          <a:chOff x="0" y="0"/>
-          <a:chExt cx="0" cy="0"/>
-        </a:xfrm>
-      </p:grpSpPr>
-      <p:sp>
-        <p:nvSpPr>
-          <p:cNvPr id="2" name="Title 1">
-            <a:extLst>
-              <a:ext uri="{FF2B5EF4-FFF2-40B4-BE49-F238E27FC236}">
-                <a16:creationId xmlns:a16="http://schemas.microsoft.com/office/drawing/2014/main" id="{E52D4D1E-BA60-4A23-8EBC-1159C82F9571}"/>
-              </a:ext>
-            </a:extLst>
-          </p:cNvPr>
-          <p:cNvSpPr>
-            <a:spLocks noGrp="1"/>
-          </p:cNvSpPr>
-          <p:nvPr>
-            <p:ph type="title"/>
-          </p:nvPr>
-        </p:nvSpPr>
-        <p:spPr/>
-        <p:txBody>
-          <a:bodyPr/>
-          <a:lstStyle/>
-          <a:p>
-            <a:r>
-              <a:rPr lang="en-US" dirty="0"/>
-              <a:t>Process</a:t>
-            </a:r>
-          </a:p>
-        </p:txBody>
-      </p:sp>
-      <p:sp>
-        <p:nvSpPr>
-          <p:cNvPr id="4" name="Content Placeholder 3">
-            <a:extLst>
-              <a:ext uri="{FF2B5EF4-FFF2-40B4-BE49-F238E27FC236}">
-                <a16:creationId xmlns:a16="http://schemas.microsoft.com/office/drawing/2014/main" id="{F7A2391F-37A6-75DA-6C9F-AFEEF859D389}"/>
-              </a:ext>
-            </a:extLst>
-          </p:cNvPr>
-          <p:cNvSpPr>
-            <a:spLocks noGrp="1"/>
-          </p:cNvSpPr>
-          <p:nvPr>
-            <p:ph idx="1"/>
-          </p:nvPr>
-        </p:nvSpPr>
-        <p:spPr/>
-        <p:txBody>
-          <a:bodyPr/>
-          <a:lstStyle/>
-          <a:p>
-            <a:r>
-              <a:rPr lang="en-US" dirty="0"/>
-              <a:t>Technologies used:</a:t>
-            </a:r>
-          </a:p>
-          <a:p>
-            <a:pPr lvl="1"/>
-            <a:r>
-              <a:rPr lang="en-US" dirty="0" err="1"/>
-              <a:t>GraphQL</a:t>
-            </a:r>
-            <a:r>
-              <a:rPr lang="en-US" dirty="0"/>
-              <a:t>, Mongoose, MongoDB, React</a:t>
-            </a:r>
-          </a:p>
-          <a:p>
-            <a:r>
-              <a:rPr lang="en-US" dirty="0"/>
-              <a:t>Breakdown of tasks and roles: ALL IN!</a:t>
-            </a:r>
-          </a:p>
-          <a:p>
-            <a:pPr lvl="1"/>
-            <a:r>
-              <a:rPr lang="en-US" dirty="0"/>
-              <a:t>We collaborated on design and code.  Most of our sessions were in single-coder format.</a:t>
-            </a:r>
-          </a:p>
-          <a:p>
-            <a:r>
-              <a:rPr lang="en-US" dirty="0"/>
-              <a:t>Challenges:</a:t>
-            </a:r>
-          </a:p>
-          <a:p>
-            <a:pPr lvl="1"/>
-            <a:r>
-              <a:rPr lang="en-US" dirty="0"/>
-              <a:t>Design</a:t>
-            </a:r>
-          </a:p>
-          <a:p>
-            <a:r>
-              <a:rPr lang="en-US" dirty="0"/>
-              <a:t>Successes:</a:t>
-            </a:r>
-          </a:p>
-          <a:p>
-            <a:pPr lvl="1"/>
-            <a:r>
-              <a:rPr lang="en-US" dirty="0"/>
-              <a:t>Moved forward at all times.  Used faker and actual seeds together.</a:t>
-            </a:r>
-          </a:p>
-        </p:txBody>
-      </p:sp>
-      <p:pic>
-        <p:nvPicPr>
-          <p:cNvPr id="7" name="Picture 6">
-            <a:extLst>
-              <a:ext uri="{FF2B5EF4-FFF2-40B4-BE49-F238E27FC236}">
-                <a16:creationId xmlns:a16="http://schemas.microsoft.com/office/drawing/2014/main" id="{9B163992-30E1-EE4C-F299-8AF01D9A3D05}"/>
-              </a:ext>
-            </a:extLst>
-          </p:cNvPr>
-          <p:cNvPicPr>
-            <a:picLocks noChangeAspect="1"/>
-          </p:cNvPicPr>
-          <p:nvPr/>
-        </p:nvPicPr>
-        <p:blipFill>
-          <a:blip r:embed="rId4"/>
-          <a:stretch>
-            <a:fillRect/>
-          </a:stretch>
-        </p:blipFill>
-        <p:spPr>
-          <a:xfrm>
-            <a:off x="10038687" y="880364"/>
-            <a:ext cx="1572120" cy="1460500"/>
-          </a:xfrm>
-          <a:prstGeom prst="rect">
-            <a:avLst/>
-          </a:prstGeom>
-        </p:spPr>
-      </p:pic>
-      <p:sp>
-        <p:nvSpPr>
-          <p:cNvPr id="8" name="Date Placeholder 7">
-            <a:extLst>
-              <a:ext uri="{FF2B5EF4-FFF2-40B4-BE49-F238E27FC236}">
-                <a16:creationId xmlns:a16="http://schemas.microsoft.com/office/drawing/2014/main" id="{0225A38C-01DC-AF58-7E92-02055F90BE30}"/>
-              </a:ext>
-            </a:extLst>
-          </p:cNvPr>
-          <p:cNvSpPr>
-            <a:spLocks noGrp="1"/>
-          </p:cNvSpPr>
-          <p:nvPr>
-            <p:ph type="dt" sz="half" idx="10"/>
-          </p:nvPr>
-        </p:nvSpPr>
-        <p:spPr/>
-        <p:txBody>
-          <a:bodyPr/>
-          <a:lstStyle/>
-          <a:p>
-            <a:fld id="{021C9F59-1328-4359-933A-2FFBBD3ECFB7}" type="datetime1">
-              <a:rPr lang="en-US" sz="1100" smtClean="0"/>
-              <a:t>5/9/2022</a:t>
-            </a:fld>
-            <a:endParaRPr lang="en-US" dirty="0"/>
-          </a:p>
-        </p:txBody>
-      </p:sp>
-      <p:sp>
-        <p:nvSpPr>
-          <p:cNvPr id="9" name="Slide Number Placeholder 8">
-            <a:extLst>
-              <a:ext uri="{FF2B5EF4-FFF2-40B4-BE49-F238E27FC236}">
-                <a16:creationId xmlns:a16="http://schemas.microsoft.com/office/drawing/2014/main" id="{F6A7A84A-A1D9-7670-33EB-790C1EBD8FAF}"/>
-              </a:ext>
-            </a:extLst>
-          </p:cNvPr>
-          <p:cNvSpPr>
-            <a:spLocks noGrp="1"/>
-          </p:cNvSpPr>
-          <p:nvPr>
-            <p:ph type="sldNum" sz="quarter" idx="12"/>
-          </p:nvPr>
-        </p:nvSpPr>
-        <p:spPr/>
-        <p:txBody>
-          <a:bodyPr/>
-          <a:lstStyle/>
-          <a:p>
-            <a:fld id="{3A98EE3D-8CD1-4C3F-BD1C-C98C9596463C}" type="slidenum">
-              <a:rPr lang="en-US" sz="1100" smtClean="0"/>
-              <a:t>4</a:t>
-            </a:fld>
-            <a:endParaRPr lang="en-US" dirty="0"/>
-          </a:p>
-        </p:txBody>
-      </p:sp>
-    </p:spTree>
-    <p:extLst>
-      <p:ext uri="{BB962C8B-B14F-4D97-AF65-F5344CB8AC3E}">
-        <p14:creationId xmlns:p14="http://schemas.microsoft.com/office/powerpoint/2010/main" val="3945171099"/>
-      </p:ext>
-    </p:extLst>
-  </p:cSld>
-  <p:clrMapOvr>
-    <a:masterClrMapping/>
-  </p:clrMapOvr>
-</p:sld>
-</file>
-
-<file path=ppt/slides/slide5.xml><?xml version="1.0" encoding="utf-8"?>
-<p:sld xmlns:a="http://schemas.openxmlformats.org/drawingml/2006/main" xmlns:r="http://schemas.openxmlformats.org/officeDocument/2006/relationships" xmlns:p="http://schemas.openxmlformats.org/presentationml/2006/main">
-  <p:cSld>
-    <p:spTree>
-      <p:nvGrpSpPr>
-        <p:cNvPr id="1" name=""/>
-        <p:cNvGrpSpPr/>
-        <p:nvPr/>
-      </p:nvGrpSpPr>
-      <p:grpSpPr>
-        <a:xfrm>
-          <a:off x="0" y="0"/>
-          <a:ext cx="0" cy="0"/>
-          <a:chOff x="0" y="0"/>
-          <a:chExt cx="0" cy="0"/>
-        </a:xfrm>
-      </p:grpSpPr>
-      <p:sp>
-        <p:nvSpPr>
-          <p:cNvPr id="2" name="Title 1">
-            <a:extLst>
-              <a:ext uri="{FF2B5EF4-FFF2-40B4-BE49-F238E27FC236}">
-                <a16:creationId xmlns:a16="http://schemas.microsoft.com/office/drawing/2014/main" id="{E52D4D1E-BA60-4A23-8EBC-1159C82F9571}"/>
-              </a:ext>
-            </a:extLst>
-          </p:cNvPr>
-          <p:cNvSpPr>
-            <a:spLocks noGrp="1"/>
-          </p:cNvSpPr>
-          <p:nvPr>
-            <p:ph type="title"/>
-          </p:nvPr>
-        </p:nvSpPr>
-        <p:spPr/>
-        <p:txBody>
-          <a:bodyPr/>
-          <a:lstStyle/>
-          <a:p>
-            <a:r>
-              <a:rPr lang="en-US" dirty="0" err="1"/>
-              <a:t>DEMONstration</a:t>
-            </a:r>
-            <a:endParaRPr lang="en-US" dirty="0"/>
-          </a:p>
-        </p:txBody>
-      </p:sp>
-      <p:pic>
-        <p:nvPicPr>
-          <p:cNvPr id="7" name="Picture 6">
-            <a:extLst>
-              <a:ext uri="{FF2B5EF4-FFF2-40B4-BE49-F238E27FC236}">
-                <a16:creationId xmlns:a16="http://schemas.microsoft.com/office/drawing/2014/main" id="{9B163992-30E1-EE4C-F299-8AF01D9A3D05}"/>
-              </a:ext>
-            </a:extLst>
-          </p:cNvPr>
-          <p:cNvPicPr>
-            <a:picLocks noChangeAspect="1"/>
-          </p:cNvPicPr>
-          <p:nvPr/>
-        </p:nvPicPr>
-        <p:blipFill>
-          <a:blip r:embed="rId4"/>
-          <a:stretch>
-            <a:fillRect/>
-          </a:stretch>
-        </p:blipFill>
-        <p:spPr>
-          <a:xfrm>
-            <a:off x="10038687" y="880364"/>
-            <a:ext cx="1572120" cy="1460500"/>
-          </a:xfrm>
-          <a:prstGeom prst="rect">
-            <a:avLst/>
-          </a:prstGeom>
-        </p:spPr>
-      </p:pic>
-      <p:sp>
-        <p:nvSpPr>
-          <p:cNvPr id="8" name="Date Placeholder 7">
-            <a:extLst>
-              <a:ext uri="{FF2B5EF4-FFF2-40B4-BE49-F238E27FC236}">
-                <a16:creationId xmlns:a16="http://schemas.microsoft.com/office/drawing/2014/main" id="{0225A38C-01DC-AF58-7E92-02055F90BE30}"/>
-              </a:ext>
-            </a:extLst>
-          </p:cNvPr>
-          <p:cNvSpPr>
-            <a:spLocks noGrp="1"/>
-          </p:cNvSpPr>
-          <p:nvPr>
-            <p:ph type="dt" sz="half" idx="10"/>
-          </p:nvPr>
-        </p:nvSpPr>
-        <p:spPr/>
-        <p:txBody>
-          <a:bodyPr/>
-          <a:lstStyle/>
-          <a:p>
-            <a:fld id="{9B9809C3-8B86-4841-8A50-762E2335F71C}" type="datetime1">
-              <a:rPr lang="en-US" sz="1200" smtClean="0"/>
-              <a:t>5/9/2022</a:t>
-            </a:fld>
-            <a:endParaRPr lang="en-US" dirty="0"/>
-          </a:p>
-        </p:txBody>
-      </p:sp>
-      <p:sp>
-        <p:nvSpPr>
-          <p:cNvPr id="9" name="Slide Number Placeholder 8">
-            <a:extLst>
-              <a:ext uri="{FF2B5EF4-FFF2-40B4-BE49-F238E27FC236}">
-                <a16:creationId xmlns:a16="http://schemas.microsoft.com/office/drawing/2014/main" id="{F6A7A84A-A1D9-7670-33EB-790C1EBD8FAF}"/>
-              </a:ext>
-            </a:extLst>
-          </p:cNvPr>
-          <p:cNvSpPr>
-            <a:spLocks noGrp="1"/>
-          </p:cNvSpPr>
-          <p:nvPr>
-            <p:ph type="sldNum" sz="quarter" idx="12"/>
-          </p:nvPr>
-        </p:nvSpPr>
-        <p:spPr/>
-        <p:txBody>
-          <a:bodyPr/>
-          <a:lstStyle/>
-          <a:p>
-            <a:fld id="{3A98EE3D-8CD1-4C3F-BD1C-C98C9596463C}" type="slidenum">
-              <a:rPr lang="en-US" sz="1100" smtClean="0"/>
-              <a:t>5</a:t>
-            </a:fld>
-            <a:endParaRPr lang="en-US" dirty="0"/>
-          </a:p>
-        </p:txBody>
-      </p:sp>
-    </p:spTree>
-    <p:extLst>
-      <p:ext uri="{BB962C8B-B14F-4D97-AF65-F5344CB8AC3E}">
-        <p14:creationId xmlns:p14="http://schemas.microsoft.com/office/powerpoint/2010/main" val="292201189"/>
-      </p:ext>
-    </p:extLst>
-  </p:cSld>
-  <p:clrMapOvr>
-    <a:masterClrMapping/>
-  </p:clrMapOvr>
-</p:sld>
-</file>
-
-<file path=ppt/slides/slide6.xml><?xml version="1.0" encoding="utf-8"?>
-<p:sld xmlns:a="http://schemas.openxmlformats.org/drawingml/2006/main" xmlns:r="http://schemas.openxmlformats.org/officeDocument/2006/relationships" xmlns:p="http://schemas.openxmlformats.org/presentationml/2006/main">
-  <p:cSld>
-    <p:spTree>
-      <p:nvGrpSpPr>
-        <p:cNvPr id="1" name=""/>
-        <p:cNvGrpSpPr/>
-        <p:nvPr/>
-      </p:nvGrpSpPr>
-      <p:grpSpPr>
-        <a:xfrm>
-          <a:off x="0" y="0"/>
-          <a:ext cx="0" cy="0"/>
-          <a:chOff x="0" y="0"/>
-          <a:chExt cx="0" cy="0"/>
-        </a:xfrm>
-      </p:grpSpPr>
-      <p:sp>
-        <p:nvSpPr>
-          <p:cNvPr id="2" name="Title 1">
-            <a:extLst>
-              <a:ext uri="{FF2B5EF4-FFF2-40B4-BE49-F238E27FC236}">
-                <a16:creationId xmlns:a16="http://schemas.microsoft.com/office/drawing/2014/main" id="{E52D4D1E-BA60-4A23-8EBC-1159C82F9571}"/>
-              </a:ext>
-            </a:extLst>
-          </p:cNvPr>
-          <p:cNvSpPr>
-            <a:spLocks noGrp="1"/>
-          </p:cNvSpPr>
-          <p:nvPr>
-            <p:ph type="title"/>
-          </p:nvPr>
-        </p:nvSpPr>
-        <p:spPr/>
-        <p:txBody>
-          <a:bodyPr/>
-          <a:lstStyle/>
-          <a:p>
-            <a:r>
-              <a:rPr lang="en-US" dirty="0"/>
-              <a:t>Future development &amp; links</a:t>
-            </a:r>
-          </a:p>
-        </p:txBody>
-      </p:sp>
-      <p:sp>
-        <p:nvSpPr>
-          <p:cNvPr id="4" name="Content Placeholder 3">
-            <a:extLst>
-              <a:ext uri="{FF2B5EF4-FFF2-40B4-BE49-F238E27FC236}">
-                <a16:creationId xmlns:a16="http://schemas.microsoft.com/office/drawing/2014/main" id="{F7A2391F-37A6-75DA-6C9F-AFEEF859D389}"/>
-              </a:ext>
-            </a:extLst>
-          </p:cNvPr>
-          <p:cNvSpPr>
-            <a:spLocks noGrp="1"/>
-          </p:cNvSpPr>
-          <p:nvPr>
-            <p:ph idx="1"/>
-          </p:nvPr>
-        </p:nvSpPr>
-        <p:spPr/>
-        <p:txBody>
-          <a:bodyPr/>
-          <a:lstStyle/>
-          <a:p>
-            <a:r>
-              <a:rPr lang="en-US" dirty="0"/>
-              <a:t>We would want to refine the design</a:t>
-            </a:r>
-          </a:p>
-          <a:p>
-            <a:r>
-              <a:rPr lang="en-US" dirty="0"/>
-              <a:t>Include multiple payment options: </a:t>
-            </a:r>
-            <a:r>
-              <a:rPr lang="en-US" dirty="0" err="1"/>
-              <a:t>ApplePay</a:t>
-            </a:r>
-            <a:r>
-              <a:rPr lang="en-US" dirty="0"/>
-              <a:t>, </a:t>
-            </a:r>
-            <a:r>
-              <a:rPr lang="en-US" dirty="0" err="1"/>
-              <a:t>GooglePay</a:t>
-            </a:r>
-            <a:r>
-              <a:rPr lang="en-US" dirty="0"/>
-              <a:t>, PayPal, Venmo</a:t>
-            </a:r>
-          </a:p>
-          <a:p>
-            <a:endParaRPr lang="en-US" dirty="0"/>
-          </a:p>
-          <a:p>
-            <a:r>
-              <a:rPr lang="en-US" dirty="0"/>
-              <a:t>Links:</a:t>
-            </a:r>
-          </a:p>
-          <a:p>
-            <a:pPr lvl="1"/>
-            <a:r>
-              <a:rPr lang="en-US" dirty="0" err="1"/>
-              <a:t>Github</a:t>
-            </a:r>
-            <a:r>
-              <a:rPr lang="en-US" dirty="0"/>
-              <a:t>: https://github.com/doctordutch/project3.git</a:t>
-            </a:r>
-          </a:p>
-        </p:txBody>
-      </p:sp>
-      <p:pic>
-        <p:nvPicPr>
-          <p:cNvPr id="7" name="Picture 6">
-            <a:extLst>
-              <a:ext uri="{FF2B5EF4-FFF2-40B4-BE49-F238E27FC236}">
-                <a16:creationId xmlns:a16="http://schemas.microsoft.com/office/drawing/2014/main" id="{9B163992-30E1-EE4C-F299-8AF01D9A3D05}"/>
-              </a:ext>
-            </a:extLst>
-          </p:cNvPr>
-          <p:cNvPicPr>
-            <a:picLocks noChangeAspect="1"/>
-          </p:cNvPicPr>
-          <p:nvPr/>
-        </p:nvPicPr>
-        <p:blipFill>
-          <a:blip r:embed="rId4"/>
-          <a:stretch>
-            <a:fillRect/>
-          </a:stretch>
-        </p:blipFill>
-        <p:spPr>
-          <a:xfrm>
-            <a:off x="10038687" y="880364"/>
-            <a:ext cx="1572120" cy="1460500"/>
-          </a:xfrm>
-          <a:prstGeom prst="rect">
-            <a:avLst/>
-          </a:prstGeom>
-        </p:spPr>
-      </p:pic>
-      <p:sp>
-        <p:nvSpPr>
-          <p:cNvPr id="8" name="Date Placeholder 7">
-            <a:extLst>
-              <a:ext uri="{FF2B5EF4-FFF2-40B4-BE49-F238E27FC236}">
-                <a16:creationId xmlns:a16="http://schemas.microsoft.com/office/drawing/2014/main" id="{0225A38C-01DC-AF58-7E92-02055F90BE30}"/>
-              </a:ext>
-            </a:extLst>
-          </p:cNvPr>
-          <p:cNvSpPr>
-            <a:spLocks noGrp="1"/>
-          </p:cNvSpPr>
-          <p:nvPr>
-            <p:ph type="dt" sz="half" idx="10"/>
-          </p:nvPr>
-        </p:nvSpPr>
-        <p:spPr/>
-        <p:txBody>
-          <a:bodyPr/>
-          <a:lstStyle/>
-          <a:p>
-            <a:fld id="{9B9809C3-8B86-4841-8A50-762E2335F71C}" type="datetime1">
-              <a:rPr lang="en-US" sz="1200" smtClean="0"/>
-              <a:t>5/9/2022</a:t>
-            </a:fld>
-            <a:endParaRPr lang="en-US" dirty="0"/>
-          </a:p>
-        </p:txBody>
-      </p:sp>
-      <p:sp>
-        <p:nvSpPr>
-          <p:cNvPr id="9" name="Slide Number Placeholder 8">
-            <a:extLst>
-              <a:ext uri="{FF2B5EF4-FFF2-40B4-BE49-F238E27FC236}">
-                <a16:creationId xmlns:a16="http://schemas.microsoft.com/office/drawing/2014/main" id="{F6A7A84A-A1D9-7670-33EB-790C1EBD8FAF}"/>
-              </a:ext>
-            </a:extLst>
-          </p:cNvPr>
-          <p:cNvSpPr>
-            <a:spLocks noGrp="1"/>
-          </p:cNvSpPr>
-          <p:nvPr>
-            <p:ph type="sldNum" sz="quarter" idx="12"/>
-          </p:nvPr>
-        </p:nvSpPr>
-        <p:spPr/>
-        <p:txBody>
-          <a:bodyPr/>
-          <a:lstStyle/>
-          <a:p>
-            <a:fld id="{3A98EE3D-8CD1-4C3F-BD1C-C98C9596463C}" type="slidenum">
-              <a:rPr lang="en-US" sz="1100" smtClean="0"/>
-              <a:t>6</a:t>
-            </a:fld>
-            <a:endParaRPr lang="en-US" dirty="0"/>
-          </a:p>
-        </p:txBody>
-      </p:sp>
     </p:spTree>
     <p:extLst>
       <p:ext uri="{BB962C8B-B14F-4D97-AF65-F5344CB8AC3E}">
@@ -5774,219 +6255,10 @@
 </p:sld>
 </file>
 
-<file path=ppt/slides/slide7.xml><?xml version="1.0" encoding="utf-8"?>
-<p:sld xmlns:a="http://schemas.openxmlformats.org/drawingml/2006/main" xmlns:r="http://schemas.openxmlformats.org/officeDocument/2006/relationships" xmlns:p="http://schemas.openxmlformats.org/presentationml/2006/main">
-  <p:cSld>
-    <p:spTree>
-      <p:nvGrpSpPr>
-        <p:cNvPr id="1" name=""/>
-        <p:cNvGrpSpPr/>
-        <p:nvPr/>
-      </p:nvGrpSpPr>
-      <p:grpSpPr>
-        <a:xfrm>
-          <a:off x="0" y="0"/>
-          <a:ext cx="0" cy="0"/>
-          <a:chOff x="0" y="0"/>
-          <a:chExt cx="0" cy="0"/>
-        </a:xfrm>
-      </p:grpSpPr>
-      <p:sp>
-        <p:nvSpPr>
-          <p:cNvPr id="2" name="Title 1">
-            <a:extLst>
-              <a:ext uri="{FF2B5EF4-FFF2-40B4-BE49-F238E27FC236}">
-                <a16:creationId xmlns:a16="http://schemas.microsoft.com/office/drawing/2014/main" id="{E52D4D1E-BA60-4A23-8EBC-1159C82F9571}"/>
-              </a:ext>
-            </a:extLst>
-          </p:cNvPr>
-          <p:cNvSpPr>
-            <a:spLocks noGrp="1"/>
-          </p:cNvSpPr>
-          <p:nvPr>
-            <p:ph type="title"/>
-          </p:nvPr>
-        </p:nvSpPr>
-        <p:spPr/>
-        <p:txBody>
-          <a:bodyPr/>
-          <a:lstStyle/>
-          <a:p>
-            <a:r>
-              <a:rPr lang="en-US" dirty="0" err="1"/>
-              <a:t>DEMONstration</a:t>
-            </a:r>
-            <a:endParaRPr lang="en-US" dirty="0"/>
-          </a:p>
-        </p:txBody>
-      </p:sp>
-      <p:sp>
-        <p:nvSpPr>
-          <p:cNvPr id="4" name="Content Placeholder 3">
-            <a:extLst>
-              <a:ext uri="{FF2B5EF4-FFF2-40B4-BE49-F238E27FC236}">
-                <a16:creationId xmlns:a16="http://schemas.microsoft.com/office/drawing/2014/main" id="{F7A2391F-37A6-75DA-6C9F-AFEEF859D389}"/>
-              </a:ext>
-            </a:extLst>
-          </p:cNvPr>
-          <p:cNvSpPr>
-            <a:spLocks noGrp="1"/>
-          </p:cNvSpPr>
-          <p:nvPr>
-            <p:ph idx="1"/>
-          </p:nvPr>
-        </p:nvSpPr>
-        <p:spPr/>
-        <p:txBody>
-          <a:bodyPr/>
-          <a:lstStyle/>
-          <a:p>
-            <a:pPr marL="0" indent="0" algn="ctr">
-              <a:buNone/>
-            </a:pPr>
-            <a:r>
-              <a:rPr lang="en-US" sz="2000" dirty="0"/>
-              <a:t>Your house is your home and we can help make it a reflection of your style, comfort and individuality.  Custom design and crafting of in-home furniture, cabinetry and home elements is affordable and available to you!</a:t>
-            </a:r>
-          </a:p>
-          <a:p>
-            <a:pPr marL="0" indent="0" algn="ctr">
-              <a:buNone/>
-            </a:pPr>
-            <a:r>
-              <a:rPr lang="en-US" sz="2000" dirty="0"/>
-              <a:t>Bring your idea or build one with design consultation.  Unique species and sizes are our specialty!</a:t>
-            </a:r>
-          </a:p>
-          <a:p>
-            <a:pPr marL="0" indent="0" algn="ctr">
-              <a:buNone/>
-            </a:pPr>
-            <a:r>
-              <a:rPr lang="en-US" sz="2000" dirty="0"/>
-              <a:t>Visit </a:t>
-            </a:r>
-            <a:r>
-              <a:rPr lang="en-US" sz="2000" dirty="0">
-                <a:hlinkClick r:id="rId4"/>
-              </a:rPr>
-              <a:t>www.baddogwoodshop.com</a:t>
-            </a:r>
-            <a:r>
-              <a:rPr lang="en-US" sz="2000" dirty="0"/>
-              <a:t> today!</a:t>
-            </a:r>
-          </a:p>
-          <a:p>
-            <a:endParaRPr lang="en-US" dirty="0"/>
-          </a:p>
-        </p:txBody>
-      </p:sp>
-      <p:pic>
-        <p:nvPicPr>
-          <p:cNvPr id="7" name="Picture 6">
-            <a:extLst>
-              <a:ext uri="{FF2B5EF4-FFF2-40B4-BE49-F238E27FC236}">
-                <a16:creationId xmlns:a16="http://schemas.microsoft.com/office/drawing/2014/main" id="{9B163992-30E1-EE4C-F299-8AF01D9A3D05}"/>
-              </a:ext>
-            </a:extLst>
-          </p:cNvPr>
-          <p:cNvPicPr>
-            <a:picLocks noChangeAspect="1"/>
-          </p:cNvPicPr>
-          <p:nvPr/>
-        </p:nvPicPr>
-        <p:blipFill>
-          <a:blip r:embed="rId5"/>
-          <a:stretch>
-            <a:fillRect/>
-          </a:stretch>
-        </p:blipFill>
-        <p:spPr>
-          <a:xfrm>
-            <a:off x="10038687" y="880364"/>
-            <a:ext cx="1572120" cy="1460500"/>
-          </a:xfrm>
-          <a:prstGeom prst="rect">
-            <a:avLst/>
-          </a:prstGeom>
-        </p:spPr>
-      </p:pic>
-      <p:sp>
-        <p:nvSpPr>
-          <p:cNvPr id="8" name="Date Placeholder 7">
-            <a:extLst>
-              <a:ext uri="{FF2B5EF4-FFF2-40B4-BE49-F238E27FC236}">
-                <a16:creationId xmlns:a16="http://schemas.microsoft.com/office/drawing/2014/main" id="{0225A38C-01DC-AF58-7E92-02055F90BE30}"/>
-              </a:ext>
-            </a:extLst>
-          </p:cNvPr>
-          <p:cNvSpPr>
-            <a:spLocks noGrp="1"/>
-          </p:cNvSpPr>
-          <p:nvPr>
-            <p:ph type="dt" sz="half" idx="10"/>
-          </p:nvPr>
-        </p:nvSpPr>
-        <p:spPr/>
-        <p:txBody>
-          <a:bodyPr/>
-          <a:lstStyle/>
-          <a:p>
-            <a:fld id="{9B9809C3-8B86-4841-8A50-762E2335F71C}" type="datetime1">
-              <a:rPr lang="en-US" sz="1200" smtClean="0"/>
-              <a:t>5/9/2022</a:t>
-            </a:fld>
-            <a:endParaRPr lang="en-US" dirty="0"/>
-          </a:p>
-        </p:txBody>
-      </p:sp>
-      <p:sp>
-        <p:nvSpPr>
-          <p:cNvPr id="9" name="Slide Number Placeholder 8">
-            <a:extLst>
-              <a:ext uri="{FF2B5EF4-FFF2-40B4-BE49-F238E27FC236}">
-                <a16:creationId xmlns:a16="http://schemas.microsoft.com/office/drawing/2014/main" id="{F6A7A84A-A1D9-7670-33EB-790C1EBD8FAF}"/>
-              </a:ext>
-            </a:extLst>
-          </p:cNvPr>
-          <p:cNvSpPr>
-            <a:spLocks noGrp="1"/>
-          </p:cNvSpPr>
-          <p:nvPr>
-            <p:ph type="sldNum" sz="quarter" idx="12"/>
-          </p:nvPr>
-        </p:nvSpPr>
-        <p:spPr/>
-        <p:txBody>
-          <a:bodyPr/>
-          <a:lstStyle/>
-          <a:p>
-            <a:fld id="{3A98EE3D-8CD1-4C3F-BD1C-C98C9596463C}" type="slidenum">
-              <a:rPr lang="en-US" sz="1100" smtClean="0"/>
-              <a:t>7</a:t>
-            </a:fld>
-            <a:endParaRPr lang="en-US" dirty="0"/>
-          </a:p>
-        </p:txBody>
-      </p:sp>
-    </p:spTree>
-    <p:extLst>
-      <p:ext uri="{BB962C8B-B14F-4D97-AF65-F5344CB8AC3E}">
-        <p14:creationId xmlns:p14="http://schemas.microsoft.com/office/powerpoint/2010/main" val="309406657"/>
-      </p:ext>
-    </p:extLst>
-  </p:cSld>
-  <p:clrMapOvr>
-    <a:masterClrMapping/>
-  </p:clrMapOvr>
-</p:sld>
-</file>
-
 <file path=ppt/theme/theme1.xml><?xml version="1.0" encoding="utf-8"?>
-<a:theme xmlns:a="http://schemas.openxmlformats.org/drawingml/2006/main" name="DividendVTI">
+<a:theme xmlns:a="http://schemas.openxmlformats.org/drawingml/2006/main" name="Gallery">
   <a:themeElements>
-    <a:clrScheme name="Aspect">
+    <a:clrScheme name="Gallery">
       <a:dk1>
         <a:sysClr val="windowText" lastClr="000000"/>
       </a:dk1>
@@ -5994,48 +6266,81 @@
         <a:sysClr val="window" lastClr="FFFFFF"/>
       </a:lt1>
       <a:dk2>
-        <a:srgbClr val="585753"/>
+        <a:srgbClr val="454545"/>
       </a:dk2>
       <a:lt2>
-        <a:srgbClr val="EBDDC3"/>
+        <a:srgbClr val="DFDBD5"/>
       </a:lt2>
       <a:accent1>
-        <a:srgbClr val="71B9E4"/>
+        <a:srgbClr val="B71E42"/>
       </a:accent1>
       <a:accent2>
-        <a:srgbClr val="E25D3C"/>
+        <a:srgbClr val="DE478E"/>
       </a:accent2>
       <a:accent3>
-        <a:srgbClr val="BDB59D"/>
+        <a:srgbClr val="BC72F0"/>
       </a:accent3>
       <a:accent4>
-        <a:srgbClr val="A5AB81"/>
+        <a:srgbClr val="795FAF"/>
       </a:accent4>
       <a:accent5>
-        <a:srgbClr val="7BA79D"/>
+        <a:srgbClr val="586EA6"/>
       </a:accent5>
       <a:accent6>
-        <a:srgbClr val="968C8C"/>
+        <a:srgbClr val="6892A0"/>
       </a:accent6>
       <a:hlink>
-        <a:srgbClr val="F7B615"/>
+        <a:srgbClr val="FA2B5C"/>
       </a:hlink>
       <a:folHlink>
-        <a:srgbClr val="704404"/>
+        <a:srgbClr val="BC658E"/>
       </a:folHlink>
     </a:clrScheme>
-    <a:fontScheme name="Dividend">
+    <a:fontScheme name="Gallery">
       <a:majorFont>
-        <a:latin typeface="Franklin Gothic Demi" panose="020B0502020104020203"/>
+        <a:latin typeface="Gill Sans MT" panose="020B0502020104020203"/>
         <a:ea typeface=""/>
         <a:cs typeface=""/>
-        <a:font script="Grek" typeface="Corbel"/>
-        <a:font script="Cyrl" typeface="Corbel"/>
-        <a:font script="Jpan" typeface="HGｺﾞｼｯｸE"/>
-        <a:font script="Hang" typeface="휴먼매직체"/>
-        <a:font script="Hans" typeface="华文中宋"/>
-        <a:font script="Hant" typeface="微軟正黑體"/>
-        <a:font script="Arab" typeface="Majalla UI"/>
+        <a:font script="Jpan" typeface="游ゴシック Light"/>
+        <a:font script="Hang" typeface="맑은 고딕"/>
+        <a:font script="Hans" typeface="等线 Light"/>
+        <a:font script="Hant" typeface="新細明體"/>
+        <a:font script="Arab" typeface="Times New Roman"/>
+        <a:font script="Hebr" typeface="Times New Roman"/>
+        <a:font script="Thai" typeface="Angsana New"/>
+        <a:font script="Ethi" typeface="Nyala"/>
+        <a:font script="Beng" typeface="Vrinda"/>
+        <a:font script="Gujr" typeface="Shruti"/>
+        <a:font script="Khmr" typeface="MoolBoran"/>
+        <a:font script="Knda" typeface="Tunga"/>
+        <a:font script="Guru" typeface="Raavi"/>
+        <a:font script="Cans" typeface="Euphemia"/>
+        <a:font script="Cher" typeface="Plantagenet Cherokee"/>
+        <a:font script="Yiii" typeface="Microsoft Yi Baiti"/>
+        <a:font script="Tibt" typeface="Microsoft Himalaya"/>
+        <a:font script="Thaa" typeface="MV Boli"/>
+        <a:font script="Deva" typeface="Mangal"/>
+        <a:font script="Telu" typeface="Gautami"/>
+        <a:font script="Taml" typeface="Latha"/>
+        <a:font script="Syrc" typeface="Estrangelo Edessa"/>
+        <a:font script="Orya" typeface="Kalinga"/>
+        <a:font script="Mlym" typeface="Kartika"/>
+        <a:font script="Laoo" typeface="DokChampa"/>
+        <a:font script="Sinh" typeface="Iskoola Pota"/>
+        <a:font script="Mong" typeface="Mongolian Baiti"/>
+        <a:font script="Viet" typeface="Times New Roman"/>
+        <a:font script="Uigh" typeface="Microsoft Uighur"/>
+        <a:font script="Geor" typeface="Sylfaen"/>
+      </a:majorFont>
+      <a:minorFont>
+        <a:latin typeface="Gill Sans MT" panose="020B0502020104020203"/>
+        <a:ea typeface=""/>
+        <a:cs typeface=""/>
+        <a:font script="Jpan" typeface="游ゴシック"/>
+        <a:font script="Hang" typeface="맑은 고딕"/>
+        <a:font script="Hans" typeface="等线"/>
+        <a:font script="Hant" typeface="新細明體"/>
+        <a:font script="Arab" typeface="Arial"/>
         <a:font script="Hebr" typeface="Arial"/>
         <a:font script="Thai" typeface="Cordia New"/>
         <a:font script="Ethi" typeface="Nyala"/>
@@ -6058,49 +6363,12 @@
         <a:font script="Laoo" typeface="DokChampa"/>
         <a:font script="Sinh" typeface="Iskoola Pota"/>
         <a:font script="Mong" typeface="Mongolian Baiti"/>
-        <a:font script="Viet" typeface="Tahoma"/>
-        <a:font script="Uigh" typeface="Microsoft Uighur"/>
-        <a:font script="Geor" typeface="Sylfaen"/>
-      </a:majorFont>
-      <a:minorFont>
-        <a:latin typeface="Franklin Gothic Book" panose="020B0502020104020203"/>
-        <a:ea typeface=""/>
-        <a:cs typeface=""/>
-        <a:font script="Grek" typeface="Corbel"/>
-        <a:font script="Cyrl" typeface="Corbel"/>
-        <a:font script="Jpan" typeface="HGｺﾞｼｯｸE"/>
-        <a:font script="Hang" typeface="휴먼매직체"/>
-        <a:font script="Hans" typeface="华文中宋"/>
-        <a:font script="Hant" typeface="微軟正黑體"/>
-        <a:font script="Arab" typeface="Majalla UI"/>
-        <a:font script="Hebr" typeface="Arial"/>
-        <a:font script="Thai" typeface="Cordia New"/>
-        <a:font script="Ethi" typeface="Nyala"/>
-        <a:font script="Beng" typeface="Vrinda"/>
-        <a:font script="Gujr" typeface="Shruti"/>
-        <a:font script="Khmr" typeface="DaunPenh"/>
-        <a:font script="Knda" typeface="Tunga"/>
-        <a:font script="Guru" typeface="Raavi"/>
-        <a:font script="Cans" typeface="Euphemia"/>
-        <a:font script="Cher" typeface="Plantagenet Cherokee"/>
-        <a:font script="Yiii" typeface="Microsoft Yi Baiti"/>
-        <a:font script="Tibt" typeface="Microsoft Himalaya"/>
-        <a:font script="Thaa" typeface="MV Boli"/>
-        <a:font script="Deva" typeface="Mangal"/>
-        <a:font script="Telu" typeface="Gautami"/>
-        <a:font script="Taml" typeface="Latha"/>
-        <a:font script="Syrc" typeface="Estrangelo Edessa"/>
-        <a:font script="Orya" typeface="Kalinga"/>
-        <a:font script="Mlym" typeface="Kartika"/>
-        <a:font script="Laoo" typeface="DokChampa"/>
-        <a:font script="Sinh" typeface="Iskoola Pota"/>
-        <a:font script="Mong" typeface="Mongolian Baiti"/>
-        <a:font script="Viet" typeface="Tahoma"/>
+        <a:font script="Viet" typeface="Arial"/>
         <a:font script="Uigh" typeface="Microsoft Uighur"/>
         <a:font script="Geor" typeface="Sylfaen"/>
       </a:minorFont>
     </a:fontScheme>
-    <a:fmtScheme name="Dividend">
+    <a:fmtScheme name="Gallery">
       <a:fillStyleLst>
         <a:solidFill>
           <a:schemeClr val="phClr"/>
@@ -6109,32 +6377,44 @@
           <a:gsLst>
             <a:gs pos="0">
               <a:schemeClr val="phClr">
-                <a:tint val="68000"/>
-                <a:alpha val="90000"/>
-                <a:lumMod val="100000"/>
+                <a:tint val="54000"/>
+                <a:alpha val="100000"/>
+                <a:satMod val="105000"/>
+                <a:lumMod val="110000"/>
               </a:schemeClr>
             </a:gs>
             <a:gs pos="100000">
               <a:schemeClr val="phClr">
-                <a:tint val="90000"/>
-                <a:lumMod val="95000"/>
+                <a:tint val="78000"/>
+                <a:alpha val="92000"/>
+                <a:satMod val="109000"/>
+                <a:lumMod val="100000"/>
               </a:schemeClr>
             </a:gs>
           </a:gsLst>
-          <a:lin ang="5400000" scaled="1"/>
+          <a:lin ang="5400000" scaled="0"/>
         </a:gradFill>
         <a:gradFill rotWithShape="1">
           <a:gsLst>
             <a:gs pos="0">
               <a:schemeClr val="phClr">
                 <a:tint val="98000"/>
-                <a:lumMod val="110000"/>
+                <a:satMod val="110000"/>
+                <a:lumMod val="104000"/>
               </a:schemeClr>
             </a:gs>
-            <a:gs pos="84000">
+            <a:gs pos="69000">
               <a:schemeClr val="phClr">
-                <a:shade val="90000"/>
-                <a:lumMod val="88000"/>
+                <a:shade val="88000"/>
+                <a:satMod val="130000"/>
+                <a:lumMod val="92000"/>
+              </a:schemeClr>
+            </a:gs>
+            <a:gs pos="100000">
+              <a:schemeClr val="phClr">
+                <a:shade val="78000"/>
+                <a:satMod val="130000"/>
+                <a:lumMod val="92000"/>
               </a:schemeClr>
             </a:gs>
           </a:gsLst>
@@ -6142,21 +6422,19 @@
         </a:gradFill>
       </a:fillStyleLst>
       <a:lnStyleLst>
-        <a:ln w="12700" cap="rnd" cmpd="sng" algn="ctr">
-          <a:solidFill>
-            <a:schemeClr val="phClr">
-              <a:lumMod val="90000"/>
-            </a:schemeClr>
-          </a:solidFill>
-          <a:prstDash val="solid"/>
-        </a:ln>
-        <a:ln w="22225" cap="rnd" cmpd="sng" algn="ctr">
+        <a:ln w="9525" cap="flat" cmpd="sng" algn="ctr">
           <a:solidFill>
             <a:schemeClr val="phClr"/>
           </a:solidFill>
           <a:prstDash val="solid"/>
         </a:ln>
-        <a:ln w="25400" cap="rnd" cmpd="sng" algn="ctr">
+        <a:ln w="15875" cap="flat" cmpd="sng" algn="ctr">
+          <a:solidFill>
+            <a:schemeClr val="phClr"/>
+          </a:solidFill>
+          <a:prstDash val="solid"/>
+        </a:ln>
+        <a:ln w="22225" cap="flat" cmpd="sng" algn="ctr">
           <a:solidFill>
             <a:schemeClr val="phClr"/>
           </a:solidFill>
@@ -6168,19 +6446,13 @@
           <a:effectLst/>
         </a:effectStyle>
         <a:effectStyle>
-          <a:effectLst>
-            <a:outerShdw blurRad="38100" dist="25400" dir="5400000" rotWithShape="0">
-              <a:srgbClr val="000000">
-                <a:alpha val="55000"/>
-              </a:srgbClr>
-            </a:outerShdw>
-          </a:effectLst>
+          <a:effectLst/>
         </a:effectStyle>
         <a:effectStyle>
           <a:effectLst>
-            <a:outerShdw blurRad="88900" dist="38100" dir="5040000" rotWithShape="0">
+            <a:outerShdw blurRad="50800" dist="50800" dir="5400000" sx="96000" sy="96000" rotWithShape="0">
               <a:srgbClr val="000000">
-                <a:alpha val="60000"/>
+                <a:alpha val="48000"/>
               </a:srgbClr>
             </a:outerShdw>
           </a:effectLst>
@@ -6188,12 +6460,12 @@
             <a:camera prst="orthographicFront">
               <a:rot lat="0" lon="0" rev="0"/>
             </a:camera>
-            <a:lightRig rig="threePt" dir="tl">
-              <a:rot lat="0" lon="0" rev="1200000"/>
+            <a:lightRig rig="balanced" dir="t">
+              <a:rot lat="0" lon="0" rev="1080000"/>
             </a:lightRig>
           </a:scene3d>
           <a:sp3d>
-            <a:bevelT w="38100" h="50800"/>
+            <a:bevelT w="38100" h="12700" prst="softRound"/>
           </a:sp3d>
         </a:effectStyle>
       </a:effectStyleLst>
@@ -6201,42 +6473,26 @@
         <a:solidFill>
           <a:schemeClr val="phClr"/>
         </a:solidFill>
+        <a:solidFill>
+          <a:schemeClr val="phClr"/>
+        </a:solidFill>
         <a:gradFill rotWithShape="1">
           <a:gsLst>
             <a:gs pos="0">
               <a:schemeClr val="phClr">
-                <a:tint val="90000"/>
-                <a:lumMod val="110000"/>
-              </a:schemeClr>
-            </a:gs>
-            <a:gs pos="88000">
-              <a:schemeClr val="phClr">
-                <a:shade val="94000"/>
-                <a:satMod val="110000"/>
-                <a:lumMod val="88000"/>
-              </a:schemeClr>
-            </a:gs>
-          </a:gsLst>
-          <a:lin ang="5400000" scaled="0"/>
-        </a:gradFill>
-        <a:gradFill rotWithShape="1">
-          <a:gsLst>
-            <a:gs pos="0">
-              <a:schemeClr val="phClr">
-                <a:tint val="90000"/>
-                <a:lumMod val="110000"/>
+                <a:tint val="94000"/>
+                <a:satMod val="80000"/>
+                <a:lumMod val="106000"/>
               </a:schemeClr>
             </a:gs>
             <a:gs pos="100000">
               <a:schemeClr val="phClr">
-                <a:shade val="98000"/>
-                <a:satMod val="110000"/>
-                <a:lumMod val="86000"/>
+                <a:shade val="80000"/>
               </a:schemeClr>
             </a:gs>
           </a:gsLst>
           <a:path path="circle">
-            <a:fillToRect l="50000" t="50000" r="100000" b="100000"/>
+            <a:fillToRect l="50000" t="50000" r="50000" b="50000"/>
           </a:path>
         </a:gradFill>
       </a:bgFillStyleLst>
@@ -6246,7 +6502,7 @@
   <a:extraClrSchemeLst/>
   <a:extLst>
     <a:ext uri="{05A4C25C-085E-4340-85A3-A5531E510DB2}">
-      <thm15:themeFamily xmlns:thm15="http://schemas.microsoft.com/office/thememl/2012/main" name="DividendVTI" id="{97558BDE-0B66-457C-BB6F-7B1B22DAA9B8}" vid="{F53508A3-AC60-448A-AF37-934D5F1A0D5E}"/>
+      <thm15:themeFamily xmlns:thm15="http://schemas.microsoft.com/office/thememl/2012/main" name="Gallery" id="{BBFCD31E-59A1-489D-B089-A3EAD7CAE12E}" vid="{F5E91637-A7B6-4E27-B710-77DA7014EE1E}"/>
     </a:ext>
   </a:extLst>
 </a:theme>
@@ -6547,323 +6803,22 @@
 </a:theme>
 </file>
 
-<file path=ppt/theme/themeOverride1.xml><?xml version="1.0" encoding="utf-8"?>
-<a:themeOverride xmlns:a="http://schemas.openxmlformats.org/drawingml/2006/main">
-  <a:clrScheme name="Green">
-    <a:dk1>
-      <a:sysClr val="windowText" lastClr="000000"/>
-    </a:dk1>
-    <a:lt1>
-      <a:sysClr val="window" lastClr="FFFFFF"/>
-    </a:lt1>
-    <a:dk2>
-      <a:srgbClr val="455F51"/>
-    </a:dk2>
-    <a:lt2>
-      <a:srgbClr val="E3DED1"/>
-    </a:lt2>
-    <a:accent1>
-      <a:srgbClr val="549E39"/>
-    </a:accent1>
-    <a:accent2>
-      <a:srgbClr val="8AB833"/>
-    </a:accent2>
-    <a:accent3>
-      <a:srgbClr val="C0CF3A"/>
-    </a:accent3>
-    <a:accent4>
-      <a:srgbClr val="029676"/>
-    </a:accent4>
-    <a:accent5>
-      <a:srgbClr val="4AB5C4"/>
-    </a:accent5>
-    <a:accent6>
-      <a:srgbClr val="0989B1"/>
-    </a:accent6>
-    <a:hlink>
-      <a:srgbClr val="6B9F25"/>
-    </a:hlink>
-    <a:folHlink>
-      <a:srgbClr val="BA6906"/>
-    </a:folHlink>
-  </a:clrScheme>
-</a:themeOverride>
+<file path=customXml/item1.xml><?xml version="1.0" encoding="utf-8"?>
+<?mso-contentType ?>
+<FormTemplates xmlns="http://schemas.microsoft.com/sharepoint/v3/contenttype/forms">
+  <Display>DocumentLibraryForm</Display>
+  <Edit>DocumentLibraryForm</Edit>
+  <New>DocumentLibraryForm</New>
+</FormTemplates>
 </file>
 
-<file path=ppt/theme/themeOverride2.xml><?xml version="1.0" encoding="utf-8"?>
-<a:themeOverride xmlns:a="http://schemas.openxmlformats.org/drawingml/2006/main">
-  <a:clrScheme name="Green">
-    <a:dk1>
-      <a:sysClr val="windowText" lastClr="000000"/>
-    </a:dk1>
-    <a:lt1>
-      <a:sysClr val="window" lastClr="FFFFFF"/>
-    </a:lt1>
-    <a:dk2>
-      <a:srgbClr val="455F51"/>
-    </a:dk2>
-    <a:lt2>
-      <a:srgbClr val="E3DED1"/>
-    </a:lt2>
-    <a:accent1>
-      <a:srgbClr val="549E39"/>
-    </a:accent1>
-    <a:accent2>
-      <a:srgbClr val="8AB833"/>
-    </a:accent2>
-    <a:accent3>
-      <a:srgbClr val="C0CF3A"/>
-    </a:accent3>
-    <a:accent4>
-      <a:srgbClr val="029676"/>
-    </a:accent4>
-    <a:accent5>
-      <a:srgbClr val="4AB5C4"/>
-    </a:accent5>
-    <a:accent6>
-      <a:srgbClr val="0989B1"/>
-    </a:accent6>
-    <a:hlink>
-      <a:srgbClr val="6B9F25"/>
-    </a:hlink>
-    <a:folHlink>
-      <a:srgbClr val="BA6906"/>
-    </a:folHlink>
-  </a:clrScheme>
-</a:themeOverride>
-</file>
-
-<file path=ppt/theme/themeOverride3.xml><?xml version="1.0" encoding="utf-8"?>
-<a:themeOverride xmlns:a="http://schemas.openxmlformats.org/drawingml/2006/main">
-  <a:clrScheme name="Green">
-    <a:dk1>
-      <a:sysClr val="windowText" lastClr="000000"/>
-    </a:dk1>
-    <a:lt1>
-      <a:sysClr val="window" lastClr="FFFFFF"/>
-    </a:lt1>
-    <a:dk2>
-      <a:srgbClr val="455F51"/>
-    </a:dk2>
-    <a:lt2>
-      <a:srgbClr val="E3DED1"/>
-    </a:lt2>
-    <a:accent1>
-      <a:srgbClr val="549E39"/>
-    </a:accent1>
-    <a:accent2>
-      <a:srgbClr val="8AB833"/>
-    </a:accent2>
-    <a:accent3>
-      <a:srgbClr val="C0CF3A"/>
-    </a:accent3>
-    <a:accent4>
-      <a:srgbClr val="029676"/>
-    </a:accent4>
-    <a:accent5>
-      <a:srgbClr val="4AB5C4"/>
-    </a:accent5>
-    <a:accent6>
-      <a:srgbClr val="0989B1"/>
-    </a:accent6>
-    <a:hlink>
-      <a:srgbClr val="6B9F25"/>
-    </a:hlink>
-    <a:folHlink>
-      <a:srgbClr val="BA6906"/>
-    </a:folHlink>
-  </a:clrScheme>
-</a:themeOverride>
-</file>
-
-<file path=ppt/theme/themeOverride4.xml><?xml version="1.0" encoding="utf-8"?>
-<a:themeOverride xmlns:a="http://schemas.openxmlformats.org/drawingml/2006/main">
-  <a:clrScheme name="Green">
-    <a:dk1>
-      <a:sysClr val="windowText" lastClr="000000"/>
-    </a:dk1>
-    <a:lt1>
-      <a:sysClr val="window" lastClr="FFFFFF"/>
-    </a:lt1>
-    <a:dk2>
-      <a:srgbClr val="455F51"/>
-    </a:dk2>
-    <a:lt2>
-      <a:srgbClr val="E3DED1"/>
-    </a:lt2>
-    <a:accent1>
-      <a:srgbClr val="549E39"/>
-    </a:accent1>
-    <a:accent2>
-      <a:srgbClr val="8AB833"/>
-    </a:accent2>
-    <a:accent3>
-      <a:srgbClr val="C0CF3A"/>
-    </a:accent3>
-    <a:accent4>
-      <a:srgbClr val="029676"/>
-    </a:accent4>
-    <a:accent5>
-      <a:srgbClr val="4AB5C4"/>
-    </a:accent5>
-    <a:accent6>
-      <a:srgbClr val="0989B1"/>
-    </a:accent6>
-    <a:hlink>
-      <a:srgbClr val="6B9F25"/>
-    </a:hlink>
-    <a:folHlink>
-      <a:srgbClr val="BA6906"/>
-    </a:folHlink>
-  </a:clrScheme>
-</a:themeOverride>
-</file>
-
-<file path=ppt/theme/themeOverride5.xml><?xml version="1.0" encoding="utf-8"?>
-<a:themeOverride xmlns:a="http://schemas.openxmlformats.org/drawingml/2006/main">
-  <a:clrScheme name="Green">
-    <a:dk1>
-      <a:sysClr val="windowText" lastClr="000000"/>
-    </a:dk1>
-    <a:lt1>
-      <a:sysClr val="window" lastClr="FFFFFF"/>
-    </a:lt1>
-    <a:dk2>
-      <a:srgbClr val="455F51"/>
-    </a:dk2>
-    <a:lt2>
-      <a:srgbClr val="E3DED1"/>
-    </a:lt2>
-    <a:accent1>
-      <a:srgbClr val="549E39"/>
-    </a:accent1>
-    <a:accent2>
-      <a:srgbClr val="8AB833"/>
-    </a:accent2>
-    <a:accent3>
-      <a:srgbClr val="C0CF3A"/>
-    </a:accent3>
-    <a:accent4>
-      <a:srgbClr val="029676"/>
-    </a:accent4>
-    <a:accent5>
-      <a:srgbClr val="4AB5C4"/>
-    </a:accent5>
-    <a:accent6>
-      <a:srgbClr val="0989B1"/>
-    </a:accent6>
-    <a:hlink>
-      <a:srgbClr val="6B9F25"/>
-    </a:hlink>
-    <a:folHlink>
-      <a:srgbClr val="BA6906"/>
-    </a:folHlink>
-  </a:clrScheme>
-</a:themeOverride>
-</file>
-
-<file path=ppt/theme/themeOverride6.xml><?xml version="1.0" encoding="utf-8"?>
-<a:themeOverride xmlns:a="http://schemas.openxmlformats.org/drawingml/2006/main">
-  <a:clrScheme name="Green">
-    <a:dk1>
-      <a:sysClr val="windowText" lastClr="000000"/>
-    </a:dk1>
-    <a:lt1>
-      <a:sysClr val="window" lastClr="FFFFFF"/>
-    </a:lt1>
-    <a:dk2>
-      <a:srgbClr val="455F51"/>
-    </a:dk2>
-    <a:lt2>
-      <a:srgbClr val="E3DED1"/>
-    </a:lt2>
-    <a:accent1>
-      <a:srgbClr val="549E39"/>
-    </a:accent1>
-    <a:accent2>
-      <a:srgbClr val="8AB833"/>
-    </a:accent2>
-    <a:accent3>
-      <a:srgbClr val="C0CF3A"/>
-    </a:accent3>
-    <a:accent4>
-      <a:srgbClr val="029676"/>
-    </a:accent4>
-    <a:accent5>
-      <a:srgbClr val="4AB5C4"/>
-    </a:accent5>
-    <a:accent6>
-      <a:srgbClr val="0989B1"/>
-    </a:accent6>
-    <a:hlink>
-      <a:srgbClr val="6B9F25"/>
-    </a:hlink>
-    <a:folHlink>
-      <a:srgbClr val="BA6906"/>
-    </a:folHlink>
-  </a:clrScheme>
-</a:themeOverride>
-</file>
-
-<file path=ppt/theme/themeOverride7.xml><?xml version="1.0" encoding="utf-8"?>
-<a:themeOverride xmlns:a="http://schemas.openxmlformats.org/drawingml/2006/main">
-  <a:clrScheme name="Green">
-    <a:dk1>
-      <a:sysClr val="windowText" lastClr="000000"/>
-    </a:dk1>
-    <a:lt1>
-      <a:sysClr val="window" lastClr="FFFFFF"/>
-    </a:lt1>
-    <a:dk2>
-      <a:srgbClr val="455F51"/>
-    </a:dk2>
-    <a:lt2>
-      <a:srgbClr val="E3DED1"/>
-    </a:lt2>
-    <a:accent1>
-      <a:srgbClr val="549E39"/>
-    </a:accent1>
-    <a:accent2>
-      <a:srgbClr val="8AB833"/>
-    </a:accent2>
-    <a:accent3>
-      <a:srgbClr val="C0CF3A"/>
-    </a:accent3>
-    <a:accent4>
-      <a:srgbClr val="029676"/>
-    </a:accent4>
-    <a:accent5>
-      <a:srgbClr val="4AB5C4"/>
-    </a:accent5>
-    <a:accent6>
-      <a:srgbClr val="0989B1"/>
-    </a:accent6>
-    <a:hlink>
-      <a:srgbClr val="6B9F25"/>
-    </a:hlink>
-    <a:folHlink>
-      <a:srgbClr val="BA6906"/>
-    </a:folHlink>
-  </a:clrScheme>
-</a:themeOverride>
-</file>
-
-<file path=customXml/item1.xml><?xml version="1.0" encoding="utf-8"?>
+<file path=customXml/item2.xml><?xml version="1.0" encoding="utf-8"?>
 <p:properties xmlns:p="http://schemas.microsoft.com/office/2006/metadata/properties" xmlns:xsi="http://www.w3.org/2001/XMLSchema-instance" xmlns:pc="http://schemas.microsoft.com/office/infopath/2007/PartnerControls">
   <documentManagement>
     <Status xmlns="71af3243-3dd4-4a8d-8c0d-dd76da1f02a5">Not started</Status>
     <MediaServiceKeyPoints xmlns="71af3243-3dd4-4a8d-8c0d-dd76da1f02a5" xsi:nil="true"/>
   </documentManagement>
 </p:properties>
-</file>
-
-<file path=customXml/item2.xml><?xml version="1.0" encoding="utf-8"?>
-<?mso-contentType ?>
-<FormTemplates xmlns="http://schemas.microsoft.com/sharepoint/v3/contenttype/forms">
-  <Display>DocumentLibraryForm</Display>
-  <Edit>DocumentLibraryForm</Edit>
-  <New>DocumentLibraryForm</New>
-</FormTemplates>
 </file>
 
 <file path=customXml/item3.xml><?xml version="1.0" encoding="utf-8"?>
@@ -7088,19 +7043,19 @@
 </file>
 
 <file path=customXml/itemProps1.xml><?xml version="1.0" encoding="utf-8"?>
+<ds:datastoreItem xmlns:ds="http://schemas.openxmlformats.org/officeDocument/2006/customXml" ds:itemID="{B116C154-5A0F-4CDC-8C15-D2E21584649C}">
+  <ds:schemaRefs>
+    <ds:schemaRef ds:uri="http://schemas.microsoft.com/sharepoint/v3/contenttype/forms"/>
+  </ds:schemaRefs>
+</ds:datastoreItem>
+</file>
+
+<file path=customXml/itemProps2.xml><?xml version="1.0" encoding="utf-8"?>
 <ds:datastoreItem xmlns:ds="http://schemas.openxmlformats.org/officeDocument/2006/customXml" ds:itemID="{3A6D3478-2986-4664-940C-67E0CAA21E04}">
   <ds:schemaRefs>
     <ds:schemaRef ds:uri="http://schemas.microsoft.com/office/2006/metadata/properties"/>
     <ds:schemaRef ds:uri="http://schemas.microsoft.com/office/infopath/2007/PartnerControls"/>
     <ds:schemaRef ds:uri="71af3243-3dd4-4a8d-8c0d-dd76da1f02a5"/>
-  </ds:schemaRefs>
-</ds:datastoreItem>
-</file>
-
-<file path=customXml/itemProps2.xml><?xml version="1.0" encoding="utf-8"?>
-<ds:datastoreItem xmlns:ds="http://schemas.openxmlformats.org/officeDocument/2006/customXml" ds:itemID="{B116C154-5A0F-4CDC-8C15-D2E21584649C}">
-  <ds:schemaRefs>
-    <ds:schemaRef ds:uri="http://schemas.microsoft.com/sharepoint/v3/contenttype/forms"/>
   </ds:schemaRefs>
 </ds:datastoreItem>
 </file>

--- a/BDW presentation.pptx
+++ b/BDW presentation.pptx
@@ -125,12 +125,12 @@
   <pc:docChgLst>
     <pc:chgData name=" " userId="a4ab73d9b110e131" providerId="LiveId" clId="{6AA3D91A-73E6-4505-AB62-5D8F020ADE1F}"/>
     <pc:docChg chg="undo redo custSel delSld modSld">
-      <pc:chgData name=" " userId="a4ab73d9b110e131" providerId="LiveId" clId="{6AA3D91A-73E6-4505-AB62-5D8F020ADE1F}" dt="2022-05-09T21:17:14.742" v="356" actId="404"/>
+      <pc:chgData name=" " userId="a4ab73d9b110e131" providerId="LiveId" clId="{6AA3D91A-73E6-4505-AB62-5D8F020ADE1F}" dt="2022-05-09T23:44:23.424" v="473" actId="20577"/>
       <pc:docMkLst>
         <pc:docMk/>
       </pc:docMkLst>
       <pc:sldChg chg="addSp delSp modSp mod setBg delDesignElem">
-        <pc:chgData name=" " userId="a4ab73d9b110e131" providerId="LiveId" clId="{6AA3D91A-73E6-4505-AB62-5D8F020ADE1F}" dt="2022-05-09T21:17:14.742" v="356" actId="404"/>
+        <pc:chgData name=" " userId="a4ab73d9b110e131" providerId="LiveId" clId="{6AA3D91A-73E6-4505-AB62-5D8F020ADE1F}" dt="2022-05-09T22:38:27.768" v="358"/>
         <pc:sldMkLst>
           <pc:docMk/>
           <pc:sldMk cId="1205248810" sldId="274"/>
@@ -177,7 +177,7 @@
         </pc:picChg>
       </pc:sldChg>
       <pc:sldChg chg="modSp mod">
-        <pc:chgData name=" " userId="a4ab73d9b110e131" providerId="LiveId" clId="{6AA3D91A-73E6-4505-AB62-5D8F020ADE1F}" dt="2022-05-09T21:08:22.970" v="229" actId="207"/>
+        <pc:chgData name=" " userId="a4ab73d9b110e131" providerId="LiveId" clId="{6AA3D91A-73E6-4505-AB62-5D8F020ADE1F}" dt="2022-05-09T22:40:18.009" v="375" actId="207"/>
         <pc:sldMkLst>
           <pc:docMk/>
           <pc:sldMk cId="2633271797" sldId="307"/>
@@ -191,7 +191,7 @@
           </ac:spMkLst>
         </pc:spChg>
         <pc:spChg chg="mod">
-          <ac:chgData name=" " userId="a4ab73d9b110e131" providerId="LiveId" clId="{6AA3D91A-73E6-4505-AB62-5D8F020ADE1F}" dt="2022-05-09T21:07:08.634" v="222" actId="14100"/>
+          <ac:chgData name=" " userId="a4ab73d9b110e131" providerId="LiveId" clId="{6AA3D91A-73E6-4505-AB62-5D8F020ADE1F}" dt="2022-05-09T22:40:18.009" v="375" actId="207"/>
           <ac:spMkLst>
             <pc:docMk/>
             <pc:sldMk cId="2633271797" sldId="307"/>
@@ -199,7 +199,7 @@
           </ac:spMkLst>
         </pc:spChg>
         <pc:spChg chg="mod">
-          <ac:chgData name=" " userId="a4ab73d9b110e131" providerId="LiveId" clId="{6AA3D91A-73E6-4505-AB62-5D8F020ADE1F}" dt="2022-05-09T21:08:22.970" v="229" actId="207"/>
+          <ac:chgData name=" " userId="a4ab73d9b110e131" providerId="LiveId" clId="{6AA3D91A-73E6-4505-AB62-5D8F020ADE1F}" dt="2022-05-09T22:38:57.975" v="361" actId="207"/>
           <ac:spMkLst>
             <pc:docMk/>
             <pc:sldMk cId="2633271797" sldId="307"/>
@@ -207,7 +207,7 @@
           </ac:spMkLst>
         </pc:spChg>
         <pc:spChg chg="mod">
-          <ac:chgData name=" " userId="a4ab73d9b110e131" providerId="LiveId" clId="{6AA3D91A-73E6-4505-AB62-5D8F020ADE1F}" dt="2022-05-09T21:07:46.184" v="224" actId="1076"/>
+          <ac:chgData name=" " userId="a4ab73d9b110e131" providerId="LiveId" clId="{6AA3D91A-73E6-4505-AB62-5D8F020ADE1F}" dt="2022-05-09T22:39:00.521" v="362" actId="207"/>
           <ac:spMkLst>
             <pc:docMk/>
             <pc:sldMk cId="2633271797" sldId="307"/>
@@ -216,7 +216,7 @@
         </pc:spChg>
       </pc:sldChg>
       <pc:sldChg chg="modSp mod">
-        <pc:chgData name=" " userId="a4ab73d9b110e131" providerId="LiveId" clId="{6AA3D91A-73E6-4505-AB62-5D8F020ADE1F}" dt="2022-05-09T21:08:29.602" v="230" actId="207"/>
+        <pc:chgData name=" " userId="a4ab73d9b110e131" providerId="LiveId" clId="{6AA3D91A-73E6-4505-AB62-5D8F020ADE1F}" dt="2022-05-09T22:39:11.035" v="365" actId="207"/>
         <pc:sldMkLst>
           <pc:docMk/>
           <pc:sldMk cId="3847961372" sldId="308"/>
@@ -238,7 +238,7 @@
           </ac:spMkLst>
         </pc:spChg>
         <pc:spChg chg="mod">
-          <ac:chgData name=" " userId="a4ab73d9b110e131" providerId="LiveId" clId="{6AA3D91A-73E6-4505-AB62-5D8F020ADE1F}" dt="2022-05-09T21:08:29.602" v="230" actId="207"/>
+          <ac:chgData name=" " userId="a4ab73d9b110e131" providerId="LiveId" clId="{6AA3D91A-73E6-4505-AB62-5D8F020ADE1F}" dt="2022-05-09T22:39:08.651" v="364" actId="113"/>
           <ac:spMkLst>
             <pc:docMk/>
             <pc:sldMk cId="3847961372" sldId="308"/>
@@ -246,7 +246,7 @@
           </ac:spMkLst>
         </pc:spChg>
         <pc:spChg chg="mod">
-          <ac:chgData name=" " userId="a4ab73d9b110e131" providerId="LiveId" clId="{6AA3D91A-73E6-4505-AB62-5D8F020ADE1F}" dt="2022-05-09T21:07:56.077" v="225" actId="1076"/>
+          <ac:chgData name=" " userId="a4ab73d9b110e131" providerId="LiveId" clId="{6AA3D91A-73E6-4505-AB62-5D8F020ADE1F}" dt="2022-05-09T22:39:11.035" v="365" actId="207"/>
           <ac:spMkLst>
             <pc:docMk/>
             <pc:sldMk cId="3847961372" sldId="308"/>
@@ -255,7 +255,7 @@
         </pc:spChg>
       </pc:sldChg>
       <pc:sldChg chg="modSp mod">
-        <pc:chgData name=" " userId="a4ab73d9b110e131" providerId="LiveId" clId="{6AA3D91A-73E6-4505-AB62-5D8F020ADE1F}" dt="2022-05-09T21:08:34.898" v="231" actId="207"/>
+        <pc:chgData name=" " userId="a4ab73d9b110e131" providerId="LiveId" clId="{6AA3D91A-73E6-4505-AB62-5D8F020ADE1F}" dt="2022-05-09T22:39:18.454" v="368" actId="113"/>
         <pc:sldMkLst>
           <pc:docMk/>
           <pc:sldMk cId="3945171099" sldId="309"/>
@@ -277,7 +277,7 @@
           </ac:spMkLst>
         </pc:spChg>
         <pc:spChg chg="mod">
-          <ac:chgData name=" " userId="a4ab73d9b110e131" providerId="LiveId" clId="{6AA3D91A-73E6-4505-AB62-5D8F020ADE1F}" dt="2022-05-09T21:08:34.898" v="231" actId="207"/>
+          <ac:chgData name=" " userId="a4ab73d9b110e131" providerId="LiveId" clId="{6AA3D91A-73E6-4505-AB62-5D8F020ADE1F}" dt="2022-05-09T22:39:18.454" v="368" actId="113"/>
           <ac:spMkLst>
             <pc:docMk/>
             <pc:sldMk cId="3945171099" sldId="309"/>
@@ -285,7 +285,7 @@
           </ac:spMkLst>
         </pc:spChg>
         <pc:spChg chg="mod">
-          <ac:chgData name=" " userId="a4ab73d9b110e131" providerId="LiveId" clId="{6AA3D91A-73E6-4505-AB62-5D8F020ADE1F}" dt="2022-05-09T21:08:02.999" v="226" actId="1076"/>
+          <ac:chgData name=" " userId="a4ab73d9b110e131" providerId="LiveId" clId="{6AA3D91A-73E6-4505-AB62-5D8F020ADE1F}" dt="2022-05-09T22:39:14.980" v="366" actId="207"/>
           <ac:spMkLst>
             <pc:docMk/>
             <pc:sldMk cId="3945171099" sldId="309"/>
@@ -294,7 +294,7 @@
         </pc:spChg>
       </pc:sldChg>
       <pc:sldChg chg="modSp mod">
-        <pc:chgData name=" " userId="a4ab73d9b110e131" providerId="LiveId" clId="{6AA3D91A-73E6-4505-AB62-5D8F020ADE1F}" dt="2022-05-09T21:08:42.090" v="233" actId="207"/>
+        <pc:chgData name=" " userId="a4ab73d9b110e131" providerId="LiveId" clId="{6AA3D91A-73E6-4505-AB62-5D8F020ADE1F}" dt="2022-05-09T23:44:23.424" v="473" actId="20577"/>
         <pc:sldMkLst>
           <pc:docMk/>
           <pc:sldMk cId="2846145107" sldId="310"/>
@@ -308,7 +308,7 @@
           </ac:spMkLst>
         </pc:spChg>
         <pc:spChg chg="mod">
-          <ac:chgData name=" " userId="a4ab73d9b110e131" providerId="LiveId" clId="{6AA3D91A-73E6-4505-AB62-5D8F020ADE1F}" dt="2022-05-09T21:06:32.597" v="212"/>
+          <ac:chgData name=" " userId="a4ab73d9b110e131" providerId="LiveId" clId="{6AA3D91A-73E6-4505-AB62-5D8F020ADE1F}" dt="2022-05-09T23:44:23.424" v="473" actId="20577"/>
           <ac:spMkLst>
             <pc:docMk/>
             <pc:sldMk cId="2846145107" sldId="310"/>
@@ -316,7 +316,7 @@
           </ac:spMkLst>
         </pc:spChg>
         <pc:spChg chg="mod">
-          <ac:chgData name=" " userId="a4ab73d9b110e131" providerId="LiveId" clId="{6AA3D91A-73E6-4505-AB62-5D8F020ADE1F}" dt="2022-05-09T21:08:42.090" v="233" actId="207"/>
+          <ac:chgData name=" " userId="a4ab73d9b110e131" providerId="LiveId" clId="{6AA3D91A-73E6-4505-AB62-5D8F020ADE1F}" dt="2022-05-09T22:39:40.541" v="374" actId="113"/>
           <ac:spMkLst>
             <pc:docMk/>
             <pc:sldMk cId="2846145107" sldId="310"/>
@@ -324,7 +324,7 @@
           </ac:spMkLst>
         </pc:spChg>
         <pc:spChg chg="mod">
-          <ac:chgData name=" " userId="a4ab73d9b110e131" providerId="LiveId" clId="{6AA3D91A-73E6-4505-AB62-5D8F020ADE1F}" dt="2022-05-09T21:08:16.020" v="228" actId="1076"/>
+          <ac:chgData name=" " userId="a4ab73d9b110e131" providerId="LiveId" clId="{6AA3D91A-73E6-4505-AB62-5D8F020ADE1F}" dt="2022-05-09T22:39:33.041" v="372" actId="207"/>
           <ac:spMkLst>
             <pc:docMk/>
             <pc:sldMk cId="2846145107" sldId="310"/>
@@ -340,7 +340,7 @@
         </pc:sldMkLst>
       </pc:sldChg>
       <pc:sldChg chg="modSp mod">
-        <pc:chgData name=" " userId="a4ab73d9b110e131" providerId="LiveId" clId="{6AA3D91A-73E6-4505-AB62-5D8F020ADE1F}" dt="2022-05-09T21:08:37.859" v="232" actId="207"/>
+        <pc:chgData name=" " userId="a4ab73d9b110e131" providerId="LiveId" clId="{6AA3D91A-73E6-4505-AB62-5D8F020ADE1F}" dt="2022-05-09T22:39:27.438" v="371" actId="207"/>
         <pc:sldMkLst>
           <pc:docMk/>
           <pc:sldMk cId="292201189" sldId="312"/>
@@ -354,7 +354,7 @@
           </ac:spMkLst>
         </pc:spChg>
         <pc:spChg chg="mod">
-          <ac:chgData name=" " userId="a4ab73d9b110e131" providerId="LiveId" clId="{6AA3D91A-73E6-4505-AB62-5D8F020ADE1F}" dt="2022-05-09T21:08:37.859" v="232" actId="207"/>
+          <ac:chgData name=" " userId="a4ab73d9b110e131" providerId="LiveId" clId="{6AA3D91A-73E6-4505-AB62-5D8F020ADE1F}" dt="2022-05-09T22:39:22.976" v="370" actId="113"/>
           <ac:spMkLst>
             <pc:docMk/>
             <pc:sldMk cId="292201189" sldId="312"/>
@@ -362,7 +362,7 @@
           </ac:spMkLst>
         </pc:spChg>
         <pc:spChg chg="mod">
-          <ac:chgData name=" " userId="a4ab73d9b110e131" providerId="LiveId" clId="{6AA3D91A-73E6-4505-AB62-5D8F020ADE1F}" dt="2022-05-09T21:08:08.759" v="227" actId="1076"/>
+          <ac:chgData name=" " userId="a4ab73d9b110e131" providerId="LiveId" clId="{6AA3D91A-73E6-4505-AB62-5D8F020ADE1F}" dt="2022-05-09T22:39:27.438" v="371" actId="207"/>
           <ac:spMkLst>
             <pc:docMk/>
             <pc:sldMk cId="292201189" sldId="312"/>
@@ -4951,7 +4951,7 @@
     <p:bg>
       <p:bgPr>
         <a:solidFill>
-          <a:srgbClr val="FFCC66"/>
+          <a:srgbClr val="CCFF66"/>
         </a:solidFill>
         <a:effectLst/>
       </p:bgPr>
@@ -5264,7 +5264,16 @@
             </a:r>
             <a:r>
               <a:rPr lang="en-US" sz="2000" dirty="0">
-                <a:hlinkClick r:id="rId3"/>
+                <a:solidFill>
+                  <a:srgbClr val="C00000"/>
+                </a:solidFill>
+                <a:hlinkClick r:id="rId3">
+                  <a:extLst>
+                    <a:ext uri="{A12FA001-AC4F-418D-AE19-62706E023703}">
+                      <ahyp:hlinkClr xmlns:ahyp="http://schemas.microsoft.com/office/drawing/2018/hyperlinkcolor" val="tx"/>
+                    </a:ext>
+                  </a:extLst>
+                </a:hlinkClick>
               </a:rPr>
               <a:t>www.BadDogWoodshop.com</a:t>
             </a:r>
@@ -5300,16 +5309,16 @@
           <a:lstStyle/>
           <a:p>
             <a:fld id="{6C330050-6E9C-4973-9DE5-6203BC3166BF}" type="datetime1">
-              <a:rPr lang="en-US" sz="1100" smtClean="0">
+              <a:rPr lang="en-US" sz="1100" b="1" smtClean="0">
                 <a:solidFill>
-                  <a:srgbClr val="FF0000"/>
+                  <a:schemeClr val="tx1"/>
                 </a:solidFill>
               </a:rPr>
               <a:t>5/9/2022</a:t>
             </a:fld>
-            <a:endParaRPr lang="en-US" dirty="0">
+            <a:endParaRPr lang="en-US" b="1" dirty="0">
               <a:solidFill>
-                <a:srgbClr val="FF0000"/>
+                <a:schemeClr val="tx1"/>
               </a:solidFill>
             </a:endParaRPr>
           </a:p>
@@ -5342,10 +5351,18 @@
           <a:lstStyle/>
           <a:p>
             <a:fld id="{3A98EE3D-8CD1-4C3F-BD1C-C98C9596463C}" type="slidenum">
-              <a:rPr lang="en-US" sz="1100" smtClean="0"/>
+              <a:rPr lang="en-US" sz="1100" smtClean="0">
+                <a:solidFill>
+                  <a:schemeClr val="tx1"/>
+                </a:solidFill>
+              </a:rPr>
               <a:t>2</a:t>
             </a:fld>
-            <a:endParaRPr lang="en-US" sz="1100" dirty="0"/>
+            <a:endParaRPr lang="en-US" sz="1100" dirty="0">
+              <a:solidFill>
+                <a:schemeClr val="tx1"/>
+              </a:solidFill>
+            </a:endParaRPr>
           </a:p>
         </p:txBody>
       </p:sp>
@@ -5514,16 +5531,16 @@
           <a:lstStyle/>
           <a:p>
             <a:fld id="{06BD3843-EC40-4B40-8EA7-FB9314932519}" type="datetime1">
-              <a:rPr lang="en-US" sz="1050" smtClean="0">
+              <a:rPr lang="en-US" sz="1050" b="1" smtClean="0">
                 <a:solidFill>
-                  <a:srgbClr val="FF0000"/>
+                  <a:schemeClr val="tx1"/>
                 </a:solidFill>
               </a:rPr>
               <a:t>5/9/2022</a:t>
             </a:fld>
-            <a:endParaRPr lang="en-US" dirty="0">
+            <a:endParaRPr lang="en-US" b="1" dirty="0">
               <a:solidFill>
-                <a:srgbClr val="FF0000"/>
+                <a:schemeClr val="tx1"/>
               </a:solidFill>
             </a:endParaRPr>
           </a:p>
@@ -5556,10 +5573,18 @@
           <a:lstStyle/>
           <a:p>
             <a:fld id="{3A98EE3D-8CD1-4C3F-BD1C-C98C9596463C}" type="slidenum">
-              <a:rPr lang="en-US" sz="1100" smtClean="0"/>
+              <a:rPr lang="en-US" sz="1100" smtClean="0">
+                <a:solidFill>
+                  <a:schemeClr val="tx1"/>
+                </a:solidFill>
+              </a:rPr>
               <a:t>3</a:t>
             </a:fld>
-            <a:endParaRPr lang="en-US" sz="1100" dirty="0"/>
+            <a:endParaRPr lang="en-US" sz="1100" dirty="0">
+              <a:solidFill>
+                <a:schemeClr val="tx1"/>
+              </a:solidFill>
+            </a:endParaRPr>
           </a:p>
         </p:txBody>
       </p:sp>
@@ -5753,16 +5778,16 @@
           <a:lstStyle/>
           <a:p>
             <a:fld id="{021C9F59-1328-4359-933A-2FFBBD3ECFB7}" type="datetime1">
-              <a:rPr lang="en-US" sz="1100" smtClean="0">
+              <a:rPr lang="en-US" sz="1100" b="1" smtClean="0">
                 <a:solidFill>
-                  <a:srgbClr val="FF0000"/>
+                  <a:schemeClr val="tx1"/>
                 </a:solidFill>
               </a:rPr>
               <a:t>5/9/2022</a:t>
             </a:fld>
-            <a:endParaRPr lang="en-US" dirty="0">
+            <a:endParaRPr lang="en-US" b="1" dirty="0">
               <a:solidFill>
-                <a:srgbClr val="FF0000"/>
+                <a:schemeClr val="tx1"/>
               </a:solidFill>
             </a:endParaRPr>
           </a:p>
@@ -5795,10 +5820,18 @@
           <a:lstStyle/>
           <a:p>
             <a:fld id="{3A98EE3D-8CD1-4C3F-BD1C-C98C9596463C}" type="slidenum">
-              <a:rPr lang="en-US" sz="1100" smtClean="0"/>
+              <a:rPr lang="en-US" sz="1100" smtClean="0">
+                <a:solidFill>
+                  <a:schemeClr val="tx1"/>
+                </a:solidFill>
+              </a:rPr>
               <a:t>4</a:t>
             </a:fld>
-            <a:endParaRPr lang="en-US" dirty="0"/>
+            <a:endParaRPr lang="en-US" dirty="0">
+              <a:solidFill>
+                <a:schemeClr val="tx1"/>
+              </a:solidFill>
+            </a:endParaRPr>
           </a:p>
         </p:txBody>
       </p:sp>
@@ -5912,16 +5945,16 @@
           <a:lstStyle/>
           <a:p>
             <a:fld id="{9B9809C3-8B86-4841-8A50-762E2335F71C}" type="datetime1">
-              <a:rPr lang="en-US" sz="1200" smtClean="0">
+              <a:rPr lang="en-US" sz="1200" b="1" smtClean="0">
                 <a:solidFill>
-                  <a:srgbClr val="FF0000"/>
+                  <a:schemeClr val="tx1"/>
                 </a:solidFill>
               </a:rPr>
               <a:t>5/9/2022</a:t>
             </a:fld>
-            <a:endParaRPr lang="en-US" dirty="0">
+            <a:endParaRPr lang="en-US" b="1" dirty="0">
               <a:solidFill>
-                <a:srgbClr val="FF0000"/>
+                <a:schemeClr val="tx1"/>
               </a:solidFill>
             </a:endParaRPr>
           </a:p>
@@ -5954,10 +5987,18 @@
           <a:lstStyle/>
           <a:p>
             <a:fld id="{3A98EE3D-8CD1-4C3F-BD1C-C98C9596463C}" type="slidenum">
-              <a:rPr lang="en-US" sz="1100" smtClean="0"/>
+              <a:rPr lang="en-US" sz="1100" smtClean="0">
+                <a:solidFill>
+                  <a:schemeClr val="tx1"/>
+                </a:solidFill>
+              </a:rPr>
               <a:t>5</a:t>
             </a:fld>
-            <a:endParaRPr lang="en-US" dirty="0"/>
+            <a:endParaRPr lang="en-US" dirty="0">
+              <a:solidFill>
+                <a:schemeClr val="tx1"/>
+              </a:solidFill>
+            </a:endParaRPr>
           </a:p>
         </p:txBody>
       </p:sp>
@@ -6068,7 +6109,7 @@
         <p:spPr/>
         <p:txBody>
           <a:bodyPr>
-            <a:normAutofit/>
+            <a:normAutofit fontScale="92500" lnSpcReduction="20000"/>
           </a:bodyPr>
           <a:lstStyle/>
           <a:p>
@@ -6080,23 +6121,13 @@
           <a:p>
             <a:r>
               <a:rPr lang="en-US" sz="2000" dirty="0"/>
-              <a:t>Include multiple payment options: </a:t>
-            </a:r>
-            <a:r>
-              <a:rPr lang="en-US" sz="2000" dirty="0" err="1"/>
-              <a:t>ApplePay</a:t>
-            </a:r>
+              <a:t>Reset Stripe – we had it set and then made changes so it doesn’t quite work</a:t>
+            </a:r>
+          </a:p>
+          <a:p>
             <a:r>
               <a:rPr lang="en-US" sz="2000" dirty="0"/>
-              <a:t>, </a:t>
-            </a:r>
-            <a:r>
-              <a:rPr lang="en-US" sz="2000" dirty="0" err="1"/>
-              <a:t>GooglePay</a:t>
-            </a:r>
-            <a:r>
-              <a:rPr lang="en-US" sz="2000" dirty="0"/>
-              <a:t>, PayPal, Venmo</a:t>
+              <a:t>Include multiple payment options: ApplePay, GooglePay, PayPal, Venmo</a:t>
             </a:r>
           </a:p>
           <a:p>
@@ -6117,20 +6148,29 @@
           <a:p>
             <a:pPr lvl="1"/>
             <a:r>
-              <a:rPr lang="en-US" sz="1800" dirty="0" err="1"/>
-              <a:t>Github</a:t>
-            </a:r>
-            <a:r>
               <a:rPr lang="en-US" sz="1800" dirty="0"/>
-              <a:t>: </a:t>
+              <a:t>Github: </a:t>
             </a:r>
             <a:r>
               <a:rPr lang="en-US" sz="1800" dirty="0">
-                <a:hlinkClick r:id="rId3"/>
+                <a:solidFill>
+                  <a:srgbClr val="C00000"/>
+                </a:solidFill>
+                <a:hlinkClick r:id="rId3">
+                  <a:extLst>
+                    <a:ext uri="{A12FA001-AC4F-418D-AE19-62706E023703}">
+                      <ahyp:hlinkClr xmlns:ahyp="http://schemas.microsoft.com/office/drawing/2018/hyperlinkcolor" val="tx"/>
+                    </a:ext>
+                  </a:extLst>
+                </a:hlinkClick>
               </a:rPr>
               <a:t>https://github.com/doctordutch/project3.git</a:t>
             </a:r>
-            <a:endParaRPr lang="en-US" sz="1800" dirty="0"/>
+            <a:endParaRPr lang="en-US" sz="1800" dirty="0">
+              <a:solidFill>
+                <a:srgbClr val="C00000"/>
+              </a:solidFill>
+            </a:endParaRPr>
           </a:p>
           <a:p>
             <a:pPr lvl="1"/>
@@ -6163,16 +6203,16 @@
           <a:lstStyle/>
           <a:p>
             <a:fld id="{9B9809C3-8B86-4841-8A50-762E2335F71C}" type="datetime1">
-              <a:rPr lang="en-US" sz="1200" smtClean="0">
+              <a:rPr lang="en-US" sz="1200" b="1" smtClean="0">
                 <a:solidFill>
-                  <a:srgbClr val="FF0000"/>
+                  <a:schemeClr val="tx1"/>
                 </a:solidFill>
               </a:rPr>
               <a:t>5/9/2022</a:t>
             </a:fld>
-            <a:endParaRPr lang="en-US" dirty="0">
+            <a:endParaRPr lang="en-US" b="1" dirty="0">
               <a:solidFill>
-                <a:srgbClr val="FF0000"/>
+                <a:schemeClr val="tx1"/>
               </a:solidFill>
             </a:endParaRPr>
           </a:p>
@@ -6205,10 +6245,18 @@
           <a:lstStyle/>
           <a:p>
             <a:fld id="{3A98EE3D-8CD1-4C3F-BD1C-C98C9596463C}" type="slidenum">
-              <a:rPr lang="en-US" sz="1100" smtClean="0"/>
+              <a:rPr lang="en-US" sz="1100" smtClean="0">
+                <a:solidFill>
+                  <a:schemeClr val="tx1"/>
+                </a:solidFill>
+              </a:rPr>
               <a:t>6</a:t>
             </a:fld>
-            <a:endParaRPr lang="en-US" dirty="0"/>
+            <a:endParaRPr lang="en-US" dirty="0">
+              <a:solidFill>
+                <a:schemeClr val="tx1"/>
+              </a:solidFill>
+            </a:endParaRPr>
           </a:p>
         </p:txBody>
       </p:sp>
@@ -6804,21 +6852,21 @@
 </file>
 
 <file path=customXml/item1.xml><?xml version="1.0" encoding="utf-8"?>
+<p:properties xmlns:p="http://schemas.microsoft.com/office/2006/metadata/properties" xmlns:xsi="http://www.w3.org/2001/XMLSchema-instance" xmlns:pc="http://schemas.microsoft.com/office/infopath/2007/PartnerControls">
+  <documentManagement>
+    <Status xmlns="71af3243-3dd4-4a8d-8c0d-dd76da1f02a5">Not started</Status>
+    <MediaServiceKeyPoints xmlns="71af3243-3dd4-4a8d-8c0d-dd76da1f02a5" xsi:nil="true"/>
+  </documentManagement>
+</p:properties>
+</file>
+
+<file path=customXml/item2.xml><?xml version="1.0" encoding="utf-8"?>
 <?mso-contentType ?>
 <FormTemplates xmlns="http://schemas.microsoft.com/sharepoint/v3/contenttype/forms">
   <Display>DocumentLibraryForm</Display>
   <Edit>DocumentLibraryForm</Edit>
   <New>DocumentLibraryForm</New>
 </FormTemplates>
-</file>
-
-<file path=customXml/item2.xml><?xml version="1.0" encoding="utf-8"?>
-<p:properties xmlns:p="http://schemas.microsoft.com/office/2006/metadata/properties" xmlns:xsi="http://www.w3.org/2001/XMLSchema-instance" xmlns:pc="http://schemas.microsoft.com/office/infopath/2007/PartnerControls">
-  <documentManagement>
-    <Status xmlns="71af3243-3dd4-4a8d-8c0d-dd76da1f02a5">Not started</Status>
-    <MediaServiceKeyPoints xmlns="71af3243-3dd4-4a8d-8c0d-dd76da1f02a5" xsi:nil="true"/>
-  </documentManagement>
-</p:properties>
 </file>
 
 <file path=customXml/item3.xml><?xml version="1.0" encoding="utf-8"?>
@@ -7043,19 +7091,19 @@
 </file>
 
 <file path=customXml/itemProps1.xml><?xml version="1.0" encoding="utf-8"?>
-<ds:datastoreItem xmlns:ds="http://schemas.openxmlformats.org/officeDocument/2006/customXml" ds:itemID="{B116C154-5A0F-4CDC-8C15-D2E21584649C}">
+<ds:datastoreItem xmlns:ds="http://schemas.openxmlformats.org/officeDocument/2006/customXml" ds:itemID="{3A6D3478-2986-4664-940C-67E0CAA21E04}">
   <ds:schemaRefs>
-    <ds:schemaRef ds:uri="http://schemas.microsoft.com/sharepoint/v3/contenttype/forms"/>
+    <ds:schemaRef ds:uri="http://schemas.microsoft.com/office/2006/metadata/properties"/>
+    <ds:schemaRef ds:uri="http://schemas.microsoft.com/office/infopath/2007/PartnerControls"/>
+    <ds:schemaRef ds:uri="71af3243-3dd4-4a8d-8c0d-dd76da1f02a5"/>
   </ds:schemaRefs>
 </ds:datastoreItem>
 </file>
 
 <file path=customXml/itemProps2.xml><?xml version="1.0" encoding="utf-8"?>
-<ds:datastoreItem xmlns:ds="http://schemas.openxmlformats.org/officeDocument/2006/customXml" ds:itemID="{3A6D3478-2986-4664-940C-67E0CAA21E04}">
+<ds:datastoreItem xmlns:ds="http://schemas.openxmlformats.org/officeDocument/2006/customXml" ds:itemID="{B116C154-5A0F-4CDC-8C15-D2E21584649C}">
   <ds:schemaRefs>
-    <ds:schemaRef ds:uri="http://schemas.microsoft.com/office/2006/metadata/properties"/>
-    <ds:schemaRef ds:uri="http://schemas.microsoft.com/office/infopath/2007/PartnerControls"/>
-    <ds:schemaRef ds:uri="71af3243-3dd4-4a8d-8c0d-dd76da1f02a5"/>
+    <ds:schemaRef ds:uri="http://schemas.microsoft.com/sharepoint/v3/contenttype/forms"/>
   </ds:schemaRefs>
 </ds:datastoreItem>
 </file>
